--- a/slides/online_4dx1.5h/day2-greedy.pptx
+++ b/slides/online_4dx1.5h/day2-greedy.pptx
@@ -5,36 +5,40 @@
     <p:sldMasterId id="2147483648" r:id="rId4"/>
   </p:sldMasterIdLst>
   <p:notesMasterIdLst>
-    <p:notesMasterId r:id="rId32"/>
+    <p:notesMasterId r:id="rId36"/>
   </p:notesMasterIdLst>
   <p:sldIdLst>
     <p:sldId id="256" r:id="rId5"/>
-    <p:sldId id="257" r:id="rId6"/>
-    <p:sldId id="258" r:id="rId7"/>
-    <p:sldId id="259" r:id="rId8"/>
-    <p:sldId id="260" r:id="rId9"/>
+    <p:sldId id="258" r:id="rId6"/>
+    <p:sldId id="259" r:id="rId7"/>
+    <p:sldId id="260" r:id="rId8"/>
+    <p:sldId id="286" r:id="rId9"/>
     <p:sldId id="261" r:id="rId10"/>
     <p:sldId id="262" r:id="rId11"/>
     <p:sldId id="263" r:id="rId12"/>
-    <p:sldId id="264" r:id="rId13"/>
-    <p:sldId id="265" r:id="rId14"/>
-    <p:sldId id="266" r:id="rId15"/>
-    <p:sldId id="267" r:id="rId16"/>
-    <p:sldId id="281" r:id="rId17"/>
-    <p:sldId id="282" r:id="rId18"/>
-    <p:sldId id="268" r:id="rId19"/>
-    <p:sldId id="269" r:id="rId20"/>
-    <p:sldId id="270" r:id="rId21"/>
-    <p:sldId id="271" r:id="rId22"/>
-    <p:sldId id="272" r:id="rId23"/>
-    <p:sldId id="273" r:id="rId24"/>
-    <p:sldId id="274" r:id="rId25"/>
-    <p:sldId id="275" r:id="rId26"/>
-    <p:sldId id="276" r:id="rId27"/>
-    <p:sldId id="277" r:id="rId28"/>
-    <p:sldId id="278" r:id="rId29"/>
-    <p:sldId id="279" r:id="rId30"/>
-    <p:sldId id="280" r:id="rId31"/>
+    <p:sldId id="283" r:id="rId13"/>
+    <p:sldId id="264" r:id="rId14"/>
+    <p:sldId id="284" r:id="rId15"/>
+    <p:sldId id="265" r:id="rId16"/>
+    <p:sldId id="266" r:id="rId17"/>
+    <p:sldId id="267" r:id="rId18"/>
+    <p:sldId id="281" r:id="rId19"/>
+    <p:sldId id="287" r:id="rId20"/>
+    <p:sldId id="282" r:id="rId21"/>
+    <p:sldId id="285" r:id="rId22"/>
+    <p:sldId id="268" r:id="rId23"/>
+    <p:sldId id="269" r:id="rId24"/>
+    <p:sldId id="270" r:id="rId25"/>
+    <p:sldId id="271" r:id="rId26"/>
+    <p:sldId id="272" r:id="rId27"/>
+    <p:sldId id="273" r:id="rId28"/>
+    <p:sldId id="274" r:id="rId29"/>
+    <p:sldId id="275" r:id="rId30"/>
+    <p:sldId id="276" r:id="rId31"/>
+    <p:sldId id="277" r:id="rId32"/>
+    <p:sldId id="278" r:id="rId33"/>
+    <p:sldId id="279" r:id="rId34"/>
+    <p:sldId id="280" r:id="rId35"/>
   </p:sldIdLst>
   <p:sldSz cx="12192000" cy="6858000"/>
   <p:notesSz cx="6858000" cy="9144000"/>
@@ -591,6 +595,55 @@
           <a:bodyPr/>
           <a:lstStyle/>
           <a:p>
+            <a:r>
+              <a:rPr lang="ru-RU" dirty="0" smtClean="0"/>
+              <a:t>Вопрос: Как впечатления от тех, кто пытался сдавать предыдущие задачи?</a:t>
+            </a:r>
+          </a:p>
+          <a:p>
+            <a:r>
+              <a:rPr lang="ru-RU" baseline="0" dirty="0" smtClean="0"/>
+              <a:t>Всем нужна была помощь с отладкой.</a:t>
+            </a:r>
+            <a:br>
+              <a:rPr lang="ru-RU" baseline="0" dirty="0" smtClean="0"/>
+            </a:br>
+            <a:r>
+              <a:rPr lang="ru-RU" baseline="0" dirty="0" smtClean="0"/>
+              <a:t>Часть людей приходила на консультации вообще без кода</a:t>
+            </a:r>
+            <a:endParaRPr lang="ru-RU" dirty="0" smtClean="0"/>
+          </a:p>
+          <a:p>
+            <a:endParaRPr lang="ru-RU" dirty="0" smtClean="0"/>
+          </a:p>
+          <a:p>
+            <a:r>
+              <a:rPr lang="ru-RU" dirty="0" smtClean="0"/>
+              <a:t>Юнит</a:t>
+            </a:r>
+            <a:r>
+              <a:rPr lang="ru-RU" baseline="0" dirty="0" smtClean="0"/>
+              <a:t> тесты помогут отлаживать ошибки, но для этого нужен </a:t>
+            </a:r>
+            <a:r>
+              <a:rPr lang="en-US" baseline="0" dirty="0" err="1" smtClean="0"/>
+              <a:t>PyCharm</a:t>
+            </a:r>
+            <a:endParaRPr lang="ru-RU" baseline="0" dirty="0" smtClean="0"/>
+          </a:p>
+          <a:p>
+            <a:r>
+              <a:rPr lang="ru-RU" dirty="0" err="1" smtClean="0"/>
+              <a:t>Домашка</a:t>
+            </a:r>
+            <a:r>
+              <a:rPr lang="ru-RU" baseline="0" dirty="0" smtClean="0"/>
+              <a:t> будет больше, а поэтому делайте ее заранее!</a:t>
+            </a:r>
+            <a:endParaRPr lang="ru-RU" dirty="0" smtClean="0"/>
+          </a:p>
+          <a:p>
             <a:endParaRPr lang="ru-RU" dirty="0"/>
           </a:p>
         </p:txBody>
@@ -622,6 +675,184 @@
     <p:extLst>
       <p:ext uri="{BB962C8B-B14F-4D97-AF65-F5344CB8AC3E}">
         <p14:creationId xmlns:p14="http://schemas.microsoft.com/office/powerpoint/2010/main" val="3283554390"/>
+      </p:ext>
+    </p:extLst>
+  </p:cSld>
+  <p:clrMapOvr>
+    <a:masterClrMapping/>
+  </p:clrMapOvr>
+</p:notes>
+</file>
+
+<file path=ppt/notesSlides/notesSlide10.xml><?xml version="1.0" encoding="utf-8"?>
+<p:notes xmlns:a="http://schemas.openxmlformats.org/drawingml/2006/main" xmlns:r="http://schemas.openxmlformats.org/officeDocument/2006/relationships" xmlns:p="http://schemas.openxmlformats.org/presentationml/2006/main">
+  <p:cSld>
+    <p:spTree>
+      <p:nvGrpSpPr>
+        <p:cNvPr id="1" name=""/>
+        <p:cNvGrpSpPr/>
+        <p:nvPr/>
+      </p:nvGrpSpPr>
+      <p:grpSpPr>
+        <a:xfrm>
+          <a:off x="0" y="0"/>
+          <a:ext cx="0" cy="0"/>
+          <a:chOff x="0" y="0"/>
+          <a:chExt cx="0" cy="0"/>
+        </a:xfrm>
+      </p:grpSpPr>
+      <p:sp>
+        <p:nvSpPr>
+          <p:cNvPr id="2" name="Образ слайда 1"/>
+          <p:cNvSpPr>
+            <a:spLocks noGrp="1" noRot="1" noChangeAspect="1"/>
+          </p:cNvSpPr>
+          <p:nvPr>
+            <p:ph type="sldImg"/>
+          </p:nvPr>
+        </p:nvSpPr>
+        <p:spPr>
+          <a:xfrm>
+            <a:off x="138113" y="766763"/>
+            <a:ext cx="6823075" cy="3838575"/>
+          </a:xfrm>
+        </p:spPr>
+      </p:sp>
+      <p:sp>
+        <p:nvSpPr>
+          <p:cNvPr id="3" name="Заметки 2"/>
+          <p:cNvSpPr>
+            <a:spLocks noGrp="1"/>
+          </p:cNvSpPr>
+          <p:nvPr>
+            <p:ph type="body" idx="1"/>
+          </p:nvPr>
+        </p:nvSpPr>
+        <p:spPr/>
+        <p:txBody>
+          <a:bodyPr/>
+          <a:lstStyle/>
+          <a:p>
+            <a:endParaRPr lang="ru-RU" dirty="0"/>
+          </a:p>
+        </p:txBody>
+      </p:sp>
+      <p:sp>
+        <p:nvSpPr>
+          <p:cNvPr id="4" name="Номер слайда 3"/>
+          <p:cNvSpPr>
+            <a:spLocks noGrp="1"/>
+          </p:cNvSpPr>
+          <p:nvPr>
+            <p:ph type="sldNum" sz="quarter" idx="10"/>
+          </p:nvPr>
+        </p:nvSpPr>
+        <p:spPr/>
+        <p:txBody>
+          <a:bodyPr/>
+          <a:lstStyle/>
+          <a:p>
+            <a:fld id="{A9A0EA98-5831-4853-B862-C702E6EB345C}" type="slidenum">
+              <a:rPr lang="en-US" smtClean="0"/>
+              <a:t>23</a:t>
+            </a:fld>
+            <a:endParaRPr lang="en-US"/>
+          </a:p>
+        </p:txBody>
+      </p:sp>
+    </p:spTree>
+    <p:extLst>
+      <p:ext uri="{BB962C8B-B14F-4D97-AF65-F5344CB8AC3E}">
+        <p14:creationId xmlns:p14="http://schemas.microsoft.com/office/powerpoint/2010/main" val="4269117410"/>
+      </p:ext>
+    </p:extLst>
+  </p:cSld>
+  <p:clrMapOvr>
+    <a:masterClrMapping/>
+  </p:clrMapOvr>
+</p:notes>
+</file>
+
+<file path=ppt/notesSlides/notesSlide11.xml><?xml version="1.0" encoding="utf-8"?>
+<p:notes xmlns:a="http://schemas.openxmlformats.org/drawingml/2006/main" xmlns:r="http://schemas.openxmlformats.org/officeDocument/2006/relationships" xmlns:p="http://schemas.openxmlformats.org/presentationml/2006/main">
+  <p:cSld>
+    <p:spTree>
+      <p:nvGrpSpPr>
+        <p:cNvPr id="1" name=""/>
+        <p:cNvGrpSpPr/>
+        <p:nvPr/>
+      </p:nvGrpSpPr>
+      <p:grpSpPr>
+        <a:xfrm>
+          <a:off x="0" y="0"/>
+          <a:ext cx="0" cy="0"/>
+          <a:chOff x="0" y="0"/>
+          <a:chExt cx="0" cy="0"/>
+        </a:xfrm>
+      </p:grpSpPr>
+      <p:sp>
+        <p:nvSpPr>
+          <p:cNvPr id="2" name="Образ слайда 1"/>
+          <p:cNvSpPr>
+            <a:spLocks noGrp="1" noRot="1" noChangeAspect="1"/>
+          </p:cNvSpPr>
+          <p:nvPr>
+            <p:ph type="sldImg"/>
+          </p:nvPr>
+        </p:nvSpPr>
+        <p:spPr>
+          <a:xfrm>
+            <a:off x="138113" y="766763"/>
+            <a:ext cx="6823075" cy="3838575"/>
+          </a:xfrm>
+        </p:spPr>
+      </p:sp>
+      <p:sp>
+        <p:nvSpPr>
+          <p:cNvPr id="3" name="Заметки 2"/>
+          <p:cNvSpPr>
+            <a:spLocks noGrp="1"/>
+          </p:cNvSpPr>
+          <p:nvPr>
+            <p:ph type="body" idx="1"/>
+          </p:nvPr>
+        </p:nvSpPr>
+        <p:spPr/>
+        <p:txBody>
+          <a:bodyPr/>
+          <a:lstStyle/>
+          <a:p>
+            <a:endParaRPr lang="ru-RU" dirty="0"/>
+          </a:p>
+        </p:txBody>
+      </p:sp>
+      <p:sp>
+        <p:nvSpPr>
+          <p:cNvPr id="4" name="Номер слайда 3"/>
+          <p:cNvSpPr>
+            <a:spLocks noGrp="1"/>
+          </p:cNvSpPr>
+          <p:nvPr>
+            <p:ph type="sldNum" sz="quarter" idx="10"/>
+          </p:nvPr>
+        </p:nvSpPr>
+        <p:spPr/>
+        <p:txBody>
+          <a:bodyPr/>
+          <a:lstStyle/>
+          <a:p>
+            <a:fld id="{A9A0EA98-5831-4853-B862-C702E6EB345C}" type="slidenum">
+              <a:rPr lang="en-US" smtClean="0"/>
+              <a:t>27</a:t>
+            </a:fld>
+            <a:endParaRPr lang="en-US"/>
+          </a:p>
+        </p:txBody>
+      </p:sp>
+    </p:spTree>
+    <p:extLst>
+      <p:ext uri="{BB962C8B-B14F-4D97-AF65-F5344CB8AC3E}">
+        <p14:creationId xmlns:p14="http://schemas.microsoft.com/office/powerpoint/2010/main" val="415525049"/>
       </p:ext>
     </p:extLst>
   </p:cSld>
@@ -680,15 +911,6 @@
           <a:bodyPr/>
           <a:lstStyle/>
           <a:p>
-            <a:r>
-              <a:rPr lang="ru-RU" dirty="0" smtClean="0"/>
-              <a:t>Вопрос: Как впечатления от тех, кто пытался сдавать предыдущие задачи?</a:t>
-            </a:r>
-          </a:p>
-          <a:p>
-            <a:endParaRPr lang="ru-RU" dirty="0" smtClean="0"/>
-          </a:p>
-          <a:p>
             <a:endParaRPr lang="ru-RU" dirty="0"/>
           </a:p>
         </p:txBody>
@@ -719,7 +941,7 @@
     </p:spTree>
     <p:extLst>
       <p:ext uri="{BB962C8B-B14F-4D97-AF65-F5344CB8AC3E}">
-        <p14:creationId xmlns:p14="http://schemas.microsoft.com/office/powerpoint/2010/main" val="1147741425"/>
+        <p14:creationId xmlns:p14="http://schemas.microsoft.com/office/powerpoint/2010/main" val="932259270"/>
       </p:ext>
     </p:extLst>
   </p:cSld>
@@ -778,6 +1000,20 @@
           <a:bodyPr/>
           <a:lstStyle/>
           <a:p>
+            <a:r>
+              <a:rPr lang="ru-RU" dirty="0" smtClean="0"/>
+              <a:t>Что мы можем понять из этой формулы?</a:t>
+            </a:r>
+          </a:p>
+          <a:p>
+            <a:r>
+              <a:rPr lang="ru-RU" dirty="0" smtClean="0"/>
+              <a:t>На сколько</a:t>
+            </a:r>
+            <a:r>
+              <a:rPr lang="ru-RU" baseline="0" dirty="0" smtClean="0"/>
+              <a:t> важно, растить связную область</a:t>
+            </a:r>
             <a:endParaRPr lang="ru-RU" dirty="0"/>
           </a:p>
         </p:txBody>
@@ -808,7 +1044,7 @@
     </p:spTree>
     <p:extLst>
       <p:ext uri="{BB962C8B-B14F-4D97-AF65-F5344CB8AC3E}">
-        <p14:creationId xmlns:p14="http://schemas.microsoft.com/office/powerpoint/2010/main" val="932259270"/>
+        <p14:creationId xmlns:p14="http://schemas.microsoft.com/office/powerpoint/2010/main" val="2957952008"/>
       </p:ext>
     </p:extLst>
   </p:cSld>
@@ -867,20 +1103,6 @@
           <a:bodyPr/>
           <a:lstStyle/>
           <a:p>
-            <a:r>
-              <a:rPr lang="ru-RU" dirty="0" smtClean="0"/>
-              <a:t>Что мы можем понять из этой формулы?</a:t>
-            </a:r>
-          </a:p>
-          <a:p>
-            <a:r>
-              <a:rPr lang="ru-RU" dirty="0" smtClean="0"/>
-              <a:t>На сколько</a:t>
-            </a:r>
-            <a:r>
-              <a:rPr lang="ru-RU" baseline="0" dirty="0" smtClean="0"/>
-              <a:t> важно, растить связную область</a:t>
-            </a:r>
             <a:endParaRPr lang="ru-RU" dirty="0"/>
           </a:p>
         </p:txBody>
@@ -911,7 +1133,7 @@
     </p:spTree>
     <p:extLst>
       <p:ext uri="{BB962C8B-B14F-4D97-AF65-F5344CB8AC3E}">
-        <p14:creationId xmlns:p14="http://schemas.microsoft.com/office/powerpoint/2010/main" val="2957952008"/>
+        <p14:creationId xmlns:p14="http://schemas.microsoft.com/office/powerpoint/2010/main" val="3031644677"/>
       </p:ext>
     </p:extLst>
   </p:cSld>
@@ -1000,7 +1222,7 @@
     </p:spTree>
     <p:extLst>
       <p:ext uri="{BB962C8B-B14F-4D97-AF65-F5344CB8AC3E}">
-        <p14:creationId xmlns:p14="http://schemas.microsoft.com/office/powerpoint/2010/main" val="3031644677"/>
+        <p14:creationId xmlns:p14="http://schemas.microsoft.com/office/powerpoint/2010/main" val="2584595489"/>
       </p:ext>
     </p:extLst>
   </p:cSld>
@@ -1061,11 +1283,34 @@
           <a:p>
             <a:r>
               <a:rPr lang="ru-RU" dirty="0" smtClean="0"/>
+              <a:t>Какая</a:t>
+            </a:r>
+            <a:r>
+              <a:rPr lang="ru-RU" baseline="0" dirty="0" smtClean="0"/>
+              <a:t> разница как хранить </a:t>
+            </a:r>
+            <a:r>
+              <a:rPr lang="ru-RU" baseline="0" dirty="0" err="1" smtClean="0"/>
+              <a:t>тайлы</a:t>
+            </a:r>
+            <a:r>
+              <a:rPr lang="ru-RU" baseline="0" dirty="0" smtClean="0"/>
+              <a:t>?</a:t>
+            </a:r>
+            <a:endParaRPr lang="en-US" dirty="0" smtClean="0"/>
+          </a:p>
+          <a:p>
+            <a:r>
+              <a:rPr lang="ru-RU" dirty="0" smtClean="0"/>
               <a:t>Что</a:t>
             </a:r>
             <a:r>
               <a:rPr lang="ru-RU" baseline="0" dirty="0" smtClean="0"/>
-              <a:t> нам нужно будет делать с </a:t>
+              <a:t> </a:t>
+            </a:r>
+            <a:r>
+              <a:rPr lang="ru-RU" baseline="0" dirty="0" smtClean="0"/>
+              <a:t>нам нужно будет делать с </a:t>
             </a:r>
             <a:r>
               <a:rPr lang="ru-RU" baseline="0" dirty="0" err="1" smtClean="0"/>
@@ -1197,8 +1442,42 @@
             </a:r>
             <a:r>
               <a:rPr lang="ru-RU" baseline="0" dirty="0" smtClean="0"/>
-              <a:t> в той игре мы не сделали так же как и тут?</a:t>
-            </a:r>
+              <a:t> в той игре мы не сделали так же как и тут</a:t>
+            </a:r>
+            <a:r>
+              <a:rPr lang="ru-RU" baseline="0" dirty="0" smtClean="0"/>
+              <a:t>?</a:t>
+            </a:r>
+            <a:r>
+              <a:rPr lang="en-US" baseline="0" dirty="0" smtClean="0"/>
+              <a:t/>
+            </a:r>
+            <a:br>
+              <a:rPr lang="en-US" baseline="0" dirty="0" smtClean="0"/>
+            </a:br>
+            <a:r>
+              <a:rPr lang="en-US" baseline="0" dirty="0" smtClean="0"/>
+              <a:t/>
+            </a:r>
+            <a:br>
+              <a:rPr lang="en-US" baseline="0" dirty="0" smtClean="0"/>
+            </a:br>
+            <a:r>
+              <a:rPr lang="ru-RU" baseline="0" dirty="0" smtClean="0"/>
+              <a:t>Т: А как проверить, есть ли </a:t>
+            </a:r>
+            <a:r>
+              <a:rPr lang="ru-RU" baseline="0" dirty="0" err="1" smtClean="0"/>
+              <a:t>тайл</a:t>
+            </a:r>
+            <a:r>
+              <a:rPr lang="ru-RU" baseline="0" dirty="0" smtClean="0"/>
+              <a:t> в удаляемой области?</a:t>
+            </a:r>
+            <a:br>
+              <a:rPr lang="ru-RU" baseline="0" dirty="0" smtClean="0"/>
+            </a:br>
+            <a:endParaRPr lang="ru-RU" baseline="0" dirty="0" smtClean="0"/>
           </a:p>
         </p:txBody>
       </p:sp>
@@ -1308,7 +1587,7 @@
           <a:p>
             <a:fld id="{A9A0EA98-5831-4853-B862-C702E6EB345C}" type="slidenum">
               <a:rPr lang="en-US" smtClean="0"/>
-              <a:t>11</a:t>
+              <a:t>13</a:t>
             </a:fld>
             <a:endParaRPr lang="en-US"/>
           </a:p>
@@ -1376,6 +1655,32 @@
           <a:bodyPr/>
           <a:lstStyle/>
           <a:p>
+            <a:r>
+              <a:rPr lang="ru-RU" dirty="0" smtClean="0"/>
+              <a:t>Напомню,</a:t>
+            </a:r>
+            <a:r>
+              <a:rPr lang="ru-RU" baseline="0" dirty="0" smtClean="0"/>
+              <a:t> нам выгодно собирать большую связную область одного цвета.</a:t>
+            </a:r>
+            <a:endParaRPr lang="ru-RU" dirty="0" smtClean="0"/>
+          </a:p>
+          <a:p>
+            <a:r>
+              <a:rPr lang="ru-RU" dirty="0" smtClean="0"/>
+              <a:t>То есть чем</a:t>
+            </a:r>
+            <a:r>
+              <a:rPr lang="ru-RU" baseline="0" dirty="0" smtClean="0"/>
+              <a:t> больше больших областей, тем лучше.</a:t>
+            </a:r>
+            <a:br>
+              <a:rPr lang="ru-RU" baseline="0" dirty="0" smtClean="0"/>
+            </a:br>
+            <a:r>
+              <a:rPr lang="ru-RU" baseline="0" dirty="0" smtClean="0"/>
+              <a:t>Какие есть идеи, как это можно формализовать? Превратить в формулу?</a:t>
+            </a:r>
             <a:endParaRPr lang="ru-RU" dirty="0"/>
           </a:p>
         </p:txBody>
@@ -1397,7 +1702,7 @@
           <a:p>
             <a:fld id="{A9A0EA98-5831-4853-B862-C702E6EB345C}" type="slidenum">
               <a:rPr lang="en-US" smtClean="0"/>
-              <a:t>23</a:t>
+              <a:t>21</a:t>
             </a:fld>
             <a:endParaRPr lang="en-US"/>
           </a:p>
@@ -1406,7 +1711,7 @@
     </p:spTree>
     <p:extLst>
       <p:ext uri="{BB962C8B-B14F-4D97-AF65-F5344CB8AC3E}">
-        <p14:creationId xmlns:p14="http://schemas.microsoft.com/office/powerpoint/2010/main" val="415525049"/>
+        <p14:creationId xmlns:p14="http://schemas.microsoft.com/office/powerpoint/2010/main" val="869533717"/>
       </p:ext>
     </p:extLst>
   </p:cSld>
@@ -1634,7 +1939,7 @@
           <a:p>
             <a:fld id="{52604C20-81F0-455F-9EA6-DB887778A58A}" type="datetimeFigureOut">
               <a:rPr lang="en-US" smtClean="0"/>
-              <a:t>3/4/2022</a:t>
+              <a:t>3/5/2022</a:t>
             </a:fld>
             <a:endParaRPr lang="en-US"/>
           </a:p>
@@ -1833,7 +2138,7 @@
           <a:p>
             <a:fld id="{52604C20-81F0-455F-9EA6-DB887778A58A}" type="datetimeFigureOut">
               <a:rPr lang="en-US" smtClean="0"/>
-              <a:t>3/4/2022</a:t>
+              <a:t>3/5/2022</a:t>
             </a:fld>
             <a:endParaRPr lang="en-US"/>
           </a:p>
@@ -2040,7 +2345,7 @@
           <a:p>
             <a:fld id="{52604C20-81F0-455F-9EA6-DB887778A58A}" type="datetimeFigureOut">
               <a:rPr lang="en-US" smtClean="0"/>
-              <a:t>3/4/2022</a:t>
+              <a:t>3/5/2022</a:t>
             </a:fld>
             <a:endParaRPr lang="en-US"/>
           </a:p>
@@ -2191,7 +2496,7 @@
           <a:p>
             <a:fld id="{52604C20-81F0-455F-9EA6-DB887778A58A}" type="datetimeFigureOut">
               <a:rPr lang="en-US" smtClean="0"/>
-              <a:t>3/4/2022</a:t>
+              <a:t>3/5/2022</a:t>
             </a:fld>
             <a:endParaRPr lang="en-US"/>
           </a:p>
@@ -2493,7 +2798,7 @@
           <a:p>
             <a:fld id="{52604C20-81F0-455F-9EA6-DB887778A58A}" type="datetimeFigureOut">
               <a:rPr lang="en-US" smtClean="0"/>
-              <a:t>3/4/2022</a:t>
+              <a:t>3/5/2022</a:t>
             </a:fld>
             <a:endParaRPr lang="en-US"/>
           </a:p>
@@ -2743,7 +3048,7 @@
           <a:p>
             <a:fld id="{52604C20-81F0-455F-9EA6-DB887778A58A}" type="datetimeFigureOut">
               <a:rPr lang="en-US" smtClean="0"/>
-              <a:t>3/4/2022</a:t>
+              <a:t>3/5/2022</a:t>
             </a:fld>
             <a:endParaRPr lang="en-US"/>
           </a:p>
@@ -3162,7 +3467,7 @@
         </p:nvSpPr>
         <p:spPr>
           <a:xfrm>
-            <a:off x="4863401" y="2044765"/>
+            <a:off x="4863400" y="1340036"/>
             <a:ext cx="6741223" cy="1563623"/>
           </a:xfrm>
         </p:spPr>
@@ -3172,6 +3477,7 @@
           </a:bodyPr>
           <a:lstStyle/>
           <a:p>
+            <a:pPr algn="l"/>
             <a:r>
               <a:rPr lang="ru-RU" b="1" dirty="0" smtClean="0"/>
               <a:t>Школа «Алгоритмы, играющие в игры»</a:t>
@@ -3204,56 +3510,47 @@
           <a:p>
             <a:pPr algn="l"/>
             <a:r>
-              <a:rPr lang="ru-RU" sz="3200" dirty="0" smtClean="0"/>
-              <a:t>2</a:t>
-            </a:r>
-            <a:r>
-              <a:rPr lang="en-US" sz="3200" dirty="0" smtClean="0"/>
-              <a:t>7</a:t>
-            </a:r>
-            <a:r>
-              <a:rPr lang="ru-RU" sz="3200" dirty="0" smtClean="0"/>
-              <a:t>−</a:t>
-            </a:r>
-            <a:r>
-              <a:rPr lang="en-US" sz="3200" dirty="0" smtClean="0"/>
-              <a:t>29</a:t>
-            </a:r>
-            <a:r>
-              <a:rPr lang="ru-RU" sz="3200" dirty="0" smtClean="0"/>
-              <a:t> </a:t>
-            </a:r>
-            <a:r>
-              <a:rPr lang="ru-RU" sz="3200" dirty="0"/>
-              <a:t>января </a:t>
-            </a:r>
-            <a:r>
-              <a:rPr lang="ru-RU" sz="3200" dirty="0" smtClean="0"/>
-              <a:t>2022, Контур</a:t>
+              <a:rPr lang="ru-RU" sz="2800" dirty="0"/>
+              <a:t>19 февраля — 19 марта</a:t>
+            </a:r>
+          </a:p>
+          <a:p>
+            <a:pPr algn="l"/>
+            <a:r>
+              <a:rPr lang="ru-RU" sz="2800" dirty="0"/>
+              <a:t>Контур, ФИИТ </a:t>
+            </a:r>
+            <a:r>
+              <a:rPr lang="ru-RU" sz="2800" dirty="0" err="1"/>
+              <a:t>УрФУ</a:t>
+            </a:r>
+            <a:r>
+              <a:rPr lang="ru-RU" sz="2800" dirty="0"/>
+              <a:t/>
             </a:r>
             <a:br>
-              <a:rPr lang="ru-RU" sz="3200" dirty="0" smtClean="0"/>
+              <a:rPr lang="ru-RU" sz="2800" dirty="0"/>
             </a:br>
             <a:r>
-              <a:rPr lang="ru-RU" dirty="0"/>
+              <a:rPr lang="ru-RU" sz="2800" dirty="0"/>
               <a:t/>
             </a:r>
             <a:br>
-              <a:rPr lang="ru-RU" dirty="0"/>
+              <a:rPr lang="ru-RU" sz="2800" dirty="0"/>
             </a:br>
             <a:r>
-              <a:rPr lang="ru-RU" dirty="0"/>
+              <a:rPr lang="ru-RU" sz="2800" dirty="0"/>
               <a:t>Павел Егоров</a:t>
             </a:r>
             <a:r>
-              <a:rPr lang="en-US" dirty="0"/>
+              <a:rPr lang="en-US" sz="2800" dirty="0"/>
               <a:t> @</a:t>
             </a:r>
             <a:r>
-              <a:rPr lang="en-US" dirty="0" err="1"/>
+              <a:rPr lang="en-US" sz="2800" dirty="0" err="1"/>
               <a:t>xoposhiy</a:t>
             </a:r>
-            <a:endParaRPr lang="en-US" dirty="0"/>
+            <a:endParaRPr lang="en-US" sz="2000" dirty="0"/>
           </a:p>
         </p:txBody>
       </p:sp>
@@ -3328,70 +3625,31 @@
             <p:ph type="title"/>
           </p:nvPr>
         </p:nvSpPr>
-        <p:spPr/>
+        <p:spPr>
+          <a:xfrm>
+            <a:off x="483210" y="2732348"/>
+            <a:ext cx="10980737" cy="1138236"/>
+          </a:xfrm>
+        </p:spPr>
         <p:txBody>
-          <a:bodyPr/>
+          <a:bodyPr>
+            <a:normAutofit/>
+          </a:bodyPr>
           <a:lstStyle/>
           <a:p>
-            <a:r>
-              <a:rPr lang="ru-RU" dirty="0" smtClean="0"/>
-              <a:t>Что было в коде</a:t>
-            </a:r>
-            <a:endParaRPr lang="ru-RU" dirty="0"/>
-          </a:p>
-        </p:txBody>
-      </p:sp>
-      <p:sp>
-        <p:nvSpPr>
-          <p:cNvPr id="3" name="Объект 2"/>
-          <p:cNvSpPr>
-            <a:spLocks noGrp="1"/>
-          </p:cNvSpPr>
-          <p:nvPr>
-            <p:ph idx="1"/>
-          </p:nvPr>
-        </p:nvSpPr>
-        <p:spPr/>
-        <p:txBody>
-          <a:bodyPr/>
-          <a:lstStyle/>
-          <a:p>
-            <a:r>
-              <a:rPr lang="en-US" dirty="0" err="1" smtClean="0"/>
-              <a:t>PyCharm</a:t>
-            </a:r>
-            <a:endParaRPr lang="ru-RU" dirty="0" smtClean="0"/>
-          </a:p>
-          <a:p>
-            <a:r>
-              <a:rPr lang="en-US" dirty="0" smtClean="0"/>
-              <a:t>Type hints</a:t>
-            </a:r>
-            <a:endParaRPr lang="ru-RU" dirty="0" smtClean="0"/>
-          </a:p>
-          <a:p>
-            <a:r>
-              <a:rPr lang="en-US" dirty="0" smtClean="0"/>
-              <a:t>Unit tests</a:t>
-            </a:r>
-          </a:p>
-          <a:p>
-            <a:r>
-              <a:rPr lang="ru-RU" dirty="0" smtClean="0"/>
-              <a:t>Устройство </a:t>
-            </a:r>
-            <a:r>
-              <a:rPr lang="en-US" dirty="0" smtClean="0"/>
-              <a:t>main</a:t>
-            </a:r>
-            <a:endParaRPr lang="ru-RU" dirty="0"/>
+            <a:pPr algn="ctr"/>
+            <a:r>
+              <a:rPr lang="ru-RU" sz="6600" dirty="0" smtClean="0"/>
+              <a:t>Смотрим код</a:t>
+            </a:r>
+            <a:endParaRPr lang="ru-RU" sz="6600" dirty="0"/>
           </a:p>
         </p:txBody>
       </p:sp>
     </p:spTree>
     <p:extLst>
       <p:ext uri="{BB962C8B-B14F-4D97-AF65-F5344CB8AC3E}">
-        <p14:creationId xmlns:p14="http://schemas.microsoft.com/office/powerpoint/2010/main" val="2823904215"/>
+        <p14:creationId xmlns:p14="http://schemas.microsoft.com/office/powerpoint/2010/main" val="531453556"/>
       </p:ext>
     </p:extLst>
   </p:cSld>
@@ -3441,9 +3699,10 @@
           <a:lstStyle/>
           <a:p>
             <a:r>
-              <a:rPr lang="ru-RU" dirty="0"/>
-              <a:t>Составляющие решения</a:t>
-            </a:r>
+              <a:rPr lang="en-US" dirty="0" err="1" smtClean="0"/>
+              <a:t>PyCharm</a:t>
+            </a:r>
+            <a:endParaRPr lang="ru-RU" dirty="0"/>
           </a:p>
         </p:txBody>
       </p:sp>
@@ -3462,6 +3721,256 @@
           <a:bodyPr/>
           <a:lstStyle/>
           <a:p>
+            <a:pPr marL="0" indent="0">
+              <a:buNone/>
+            </a:pPr>
+            <a:r>
+              <a:rPr lang="ru-RU" dirty="0"/>
+              <a:t>1. Установите себе </a:t>
+            </a:r>
+            <a:r>
+              <a:rPr lang="en-US" dirty="0" err="1" smtClean="0"/>
+              <a:t>PyCharm</a:t>
+            </a:r>
+            <a:r>
+              <a:rPr lang="en-US" dirty="0" smtClean="0"/>
+              <a:t> Edu</a:t>
+            </a:r>
+            <a:r>
+              <a:rPr lang="en-US" dirty="0"/>
+              <a:t/>
+            </a:r>
+            <a:br>
+              <a:rPr lang="en-US" dirty="0"/>
+            </a:br>
+            <a:r>
+              <a:rPr lang="en-US" sz="2000" dirty="0">
+                <a:hlinkClick r:id="rId2"/>
+              </a:rPr>
+              <a:t>https://www.jetbrains.com/edu-products/download/#section=pycharm-edu</a:t>
+            </a:r>
+            <a:r>
+              <a:rPr lang="ru-RU" sz="2000" dirty="0"/>
+              <a:t> </a:t>
+            </a:r>
+          </a:p>
+          <a:p>
+            <a:pPr marL="0" indent="0">
+              <a:buNone/>
+            </a:pPr>
+            <a:r>
+              <a:rPr lang="ru-RU" dirty="0"/>
+              <a:t>2. Установите модуль </a:t>
+            </a:r>
+            <a:r>
+              <a:rPr lang="en-US" dirty="0" err="1"/>
+              <a:t>pytest</a:t>
+            </a:r>
+            <a:endParaRPr lang="ru-RU" dirty="0"/>
+          </a:p>
+          <a:p>
+            <a:pPr marL="0" indent="0">
+              <a:buNone/>
+            </a:pPr>
+            <a:r>
+              <a:rPr lang="ru-RU" dirty="0"/>
+              <a:t>3. Попробуйте запустить тесты до начала работы</a:t>
+            </a:r>
+          </a:p>
+          <a:p>
+            <a:endParaRPr lang="ru-RU" dirty="0"/>
+          </a:p>
+        </p:txBody>
+      </p:sp>
+    </p:spTree>
+    <p:extLst>
+      <p:ext uri="{BB962C8B-B14F-4D97-AF65-F5344CB8AC3E}">
+        <p14:creationId xmlns:p14="http://schemas.microsoft.com/office/powerpoint/2010/main" val="2551554713"/>
+      </p:ext>
+    </p:extLst>
+  </p:cSld>
+  <p:clrMapOvr>
+    <a:masterClrMapping/>
+  </p:clrMapOvr>
+  <p:timing>
+    <p:tnLst>
+      <p:par>
+        <p:cTn id="1" dur="indefinite" restart="never" nodeType="tmRoot"/>
+      </p:par>
+    </p:tnLst>
+  </p:timing>
+</p:sld>
+</file>
+
+<file path=ppt/slides/slide12.xml><?xml version="1.0" encoding="utf-8"?>
+<p:sld xmlns:a="http://schemas.openxmlformats.org/drawingml/2006/main" xmlns:r="http://schemas.openxmlformats.org/officeDocument/2006/relationships" xmlns:p="http://schemas.openxmlformats.org/presentationml/2006/main" show="0">
+  <p:cSld>
+    <p:spTree>
+      <p:nvGrpSpPr>
+        <p:cNvPr id="1" name=""/>
+        <p:cNvGrpSpPr/>
+        <p:nvPr/>
+      </p:nvGrpSpPr>
+      <p:grpSpPr>
+        <a:xfrm>
+          <a:off x="0" y="0"/>
+          <a:ext cx="0" cy="0"/>
+          <a:chOff x="0" y="0"/>
+          <a:chExt cx="0" cy="0"/>
+        </a:xfrm>
+      </p:grpSpPr>
+      <p:sp>
+        <p:nvSpPr>
+          <p:cNvPr id="2" name="Заголовок 1"/>
+          <p:cNvSpPr>
+            <a:spLocks noGrp="1"/>
+          </p:cNvSpPr>
+          <p:nvPr>
+            <p:ph type="title"/>
+          </p:nvPr>
+        </p:nvSpPr>
+        <p:spPr/>
+        <p:txBody>
+          <a:bodyPr/>
+          <a:lstStyle/>
+          <a:p>
+            <a:r>
+              <a:rPr lang="ru-RU" dirty="0" smtClean="0"/>
+              <a:t>Что было в коде</a:t>
+            </a:r>
+            <a:endParaRPr lang="ru-RU" dirty="0"/>
+          </a:p>
+        </p:txBody>
+      </p:sp>
+      <p:sp>
+        <p:nvSpPr>
+          <p:cNvPr id="3" name="Объект 2"/>
+          <p:cNvSpPr>
+            <a:spLocks noGrp="1"/>
+          </p:cNvSpPr>
+          <p:nvPr>
+            <p:ph idx="1"/>
+          </p:nvPr>
+        </p:nvSpPr>
+        <p:spPr/>
+        <p:txBody>
+          <a:bodyPr/>
+          <a:lstStyle/>
+          <a:p>
+            <a:r>
+              <a:rPr lang="en-US" dirty="0" err="1" smtClean="0"/>
+              <a:t>PyCharm</a:t>
+            </a:r>
+            <a:endParaRPr lang="ru-RU" dirty="0" smtClean="0"/>
+          </a:p>
+          <a:p>
+            <a:r>
+              <a:rPr lang="en-US" dirty="0" smtClean="0"/>
+              <a:t>Type hints</a:t>
+            </a:r>
+            <a:endParaRPr lang="ru-RU" dirty="0" smtClean="0"/>
+          </a:p>
+          <a:p>
+            <a:r>
+              <a:rPr lang="en-US" dirty="0" smtClean="0"/>
+              <a:t>Unit tests</a:t>
+            </a:r>
+          </a:p>
+          <a:p>
+            <a:r>
+              <a:rPr lang="ru-RU" dirty="0" smtClean="0"/>
+              <a:t>Устройство </a:t>
+            </a:r>
+            <a:r>
+              <a:rPr lang="en-US" dirty="0" smtClean="0"/>
+              <a:t>main</a:t>
+            </a:r>
+            <a:endParaRPr lang="ru-RU" dirty="0"/>
+          </a:p>
+        </p:txBody>
+      </p:sp>
+    </p:spTree>
+    <p:extLst>
+      <p:ext uri="{BB962C8B-B14F-4D97-AF65-F5344CB8AC3E}">
+        <p14:creationId xmlns:p14="http://schemas.microsoft.com/office/powerpoint/2010/main" val="2823904215"/>
+      </p:ext>
+    </p:extLst>
+  </p:cSld>
+  <p:clrMapOvr>
+    <a:masterClrMapping/>
+  </p:clrMapOvr>
+  <mc:AlternateContent xmlns:mc="http://schemas.openxmlformats.org/markup-compatibility/2006">
+    <mc:Choice xmlns:p14="http://schemas.microsoft.com/office/powerpoint/2010/main" Requires="p14">
+      <p:transition spd="slow" p14:dur="2000"/>
+    </mc:Choice>
+    <mc:Fallback>
+      <p:transition spd="slow"/>
+    </mc:Fallback>
+  </mc:AlternateContent>
+  <p:timing>
+    <p:tnLst>
+      <p:par>
+        <p:cTn id="1" dur="indefinite" restart="never" nodeType="tmRoot"/>
+      </p:par>
+    </p:tnLst>
+  </p:timing>
+</p:sld>
+</file>
+
+<file path=ppt/slides/slide13.xml><?xml version="1.0" encoding="utf-8"?>
+<p:sld xmlns:a="http://schemas.openxmlformats.org/drawingml/2006/main" xmlns:r="http://schemas.openxmlformats.org/officeDocument/2006/relationships" xmlns:p="http://schemas.openxmlformats.org/presentationml/2006/main">
+  <p:cSld>
+    <p:spTree>
+      <p:nvGrpSpPr>
+        <p:cNvPr id="1" name=""/>
+        <p:cNvGrpSpPr/>
+        <p:nvPr/>
+      </p:nvGrpSpPr>
+      <p:grpSpPr>
+        <a:xfrm>
+          <a:off x="0" y="0"/>
+          <a:ext cx="0" cy="0"/>
+          <a:chOff x="0" y="0"/>
+          <a:chExt cx="0" cy="0"/>
+        </a:xfrm>
+      </p:grpSpPr>
+      <p:sp>
+        <p:nvSpPr>
+          <p:cNvPr id="2" name="Заголовок 1"/>
+          <p:cNvSpPr>
+            <a:spLocks noGrp="1"/>
+          </p:cNvSpPr>
+          <p:nvPr>
+            <p:ph type="title"/>
+          </p:nvPr>
+        </p:nvSpPr>
+        <p:spPr/>
+        <p:txBody>
+          <a:bodyPr/>
+          <a:lstStyle/>
+          <a:p>
+            <a:r>
+              <a:rPr lang="ru-RU" dirty="0"/>
+              <a:t>Составляющие решения</a:t>
+            </a:r>
+          </a:p>
+        </p:txBody>
+      </p:sp>
+      <p:sp>
+        <p:nvSpPr>
+          <p:cNvPr id="3" name="Объект 2"/>
+          <p:cNvSpPr>
+            <a:spLocks noGrp="1"/>
+          </p:cNvSpPr>
+          <p:nvPr>
+            <p:ph idx="1"/>
+          </p:nvPr>
+        </p:nvSpPr>
+        <p:spPr/>
+        <p:txBody>
+          <a:bodyPr/>
+          <a:lstStyle/>
+          <a:p>
             <a:pPr>
               <a:buFont typeface="+mj-lt"/>
               <a:buAutoNum type="arabicPeriod"/>
@@ -3557,6 +4066,750 @@
     <p:extLst>
       <p:ext uri="{BB962C8B-B14F-4D97-AF65-F5344CB8AC3E}">
         <p14:creationId xmlns:p14="http://schemas.microsoft.com/office/powerpoint/2010/main" val="1489324352"/>
+      </p:ext>
+    </p:extLst>
+  </p:cSld>
+  <p:clrMapOvr>
+    <a:masterClrMapping/>
+  </p:clrMapOvr>
+  <p:timing>
+    <p:tnLst>
+      <p:par>
+        <p:cTn id="1" dur="indefinite" restart="never" nodeType="tmRoot"/>
+      </p:par>
+    </p:tnLst>
+  </p:timing>
+</p:sld>
+</file>
+
+<file path=ppt/slides/slide14.xml><?xml version="1.0" encoding="utf-8"?>
+<p:sld xmlns:a="http://schemas.openxmlformats.org/drawingml/2006/main" xmlns:r="http://schemas.openxmlformats.org/officeDocument/2006/relationships" xmlns:p="http://schemas.openxmlformats.org/presentationml/2006/main">
+  <p:cSld>
+    <p:spTree>
+      <p:nvGrpSpPr>
+        <p:cNvPr id="1" name=""/>
+        <p:cNvGrpSpPr/>
+        <p:nvPr/>
+      </p:nvGrpSpPr>
+      <p:grpSpPr>
+        <a:xfrm>
+          <a:off x="0" y="0"/>
+          <a:ext cx="0" cy="0"/>
+          <a:chOff x="0" y="0"/>
+          <a:chExt cx="0" cy="0"/>
+        </a:xfrm>
+      </p:grpSpPr>
+      <p:sp>
+        <p:nvSpPr>
+          <p:cNvPr id="3" name="Объект 2"/>
+          <p:cNvSpPr>
+            <a:spLocks noGrp="1"/>
+          </p:cNvSpPr>
+          <p:nvPr>
+            <p:ph idx="1"/>
+          </p:nvPr>
+        </p:nvSpPr>
+        <p:spPr>
+          <a:xfrm>
+            <a:off x="-2058353" y="1592263"/>
+            <a:ext cx="22647770" cy="9357717"/>
+          </a:xfrm>
+        </p:spPr>
+        <p:txBody>
+          <a:bodyPr/>
+          <a:lstStyle/>
+          <a:p>
+            <a:pPr marL="0" indent="0">
+              <a:buNone/>
+            </a:pPr>
+            <a:endParaRPr lang="en-US" dirty="0" smtClean="0"/>
+          </a:p>
+          <a:p>
+            <a:pPr lvl="1">
+              <a:buFont typeface="+mj-lt"/>
+              <a:buAutoNum type="arabicPeriod"/>
+            </a:pPr>
+            <a:endParaRPr lang="ru-RU" dirty="0" smtClean="0"/>
+          </a:p>
+        </p:txBody>
+      </p:sp>
+      <p:pic>
+        <p:nvPicPr>
+          <p:cNvPr id="4" name="Рисунок 3"/>
+          <p:cNvPicPr>
+            <a:picLocks noChangeAspect="1"/>
+          </p:cNvPicPr>
+          <p:nvPr/>
+        </p:nvPicPr>
+        <p:blipFill rotWithShape="1">
+          <a:blip r:embed="rId2"/>
+          <a:srcRect r="14680" b="53257"/>
+          <a:stretch/>
+        </p:blipFill>
+        <p:spPr>
+          <a:xfrm>
+            <a:off x="70544" y="91441"/>
+            <a:ext cx="12014776" cy="6598919"/>
+          </a:xfrm>
+          <a:prstGeom prst="rect">
+            <a:avLst/>
+          </a:prstGeom>
+        </p:spPr>
+      </p:pic>
+      <p:sp>
+        <p:nvSpPr>
+          <p:cNvPr id="6" name="Овал 5"/>
+          <p:cNvSpPr/>
+          <p:nvPr/>
+        </p:nvSpPr>
+        <p:spPr>
+          <a:xfrm>
+            <a:off x="592919" y="618995"/>
+            <a:ext cx="290751" cy="283099"/>
+          </a:xfrm>
+          <a:prstGeom prst="ellipse">
+            <a:avLst/>
+          </a:prstGeom>
+          <a:solidFill>
+            <a:schemeClr val="accent1"/>
+          </a:solidFill>
+          <a:ln w="38100">
+            <a:noFill/>
+          </a:ln>
+        </p:spPr>
+        <p:style>
+          <a:lnRef idx="2">
+            <a:schemeClr val="accent1">
+              <a:shade val="50000"/>
+            </a:schemeClr>
+          </a:lnRef>
+          <a:fillRef idx="1">
+            <a:schemeClr val="accent1"/>
+          </a:fillRef>
+          <a:effectRef idx="0">
+            <a:schemeClr val="accent1"/>
+          </a:effectRef>
+          <a:fontRef idx="minor">
+            <a:schemeClr val="lt1"/>
+          </a:fontRef>
+        </p:style>
+        <p:txBody>
+          <a:bodyPr rtlCol="0" anchor="ctr"/>
+          <a:lstStyle/>
+          <a:p>
+            <a:pPr algn="ctr"/>
+            <a:endParaRPr lang="ru-RU"/>
+          </a:p>
+        </p:txBody>
+      </p:sp>
+      <p:sp>
+        <p:nvSpPr>
+          <p:cNvPr id="16" name="Овал 15"/>
+          <p:cNvSpPr/>
+          <p:nvPr/>
+        </p:nvSpPr>
+        <p:spPr>
+          <a:xfrm>
+            <a:off x="1497936" y="618995"/>
+            <a:ext cx="290751" cy="283099"/>
+          </a:xfrm>
+          <a:prstGeom prst="ellipse">
+            <a:avLst/>
+          </a:prstGeom>
+          <a:solidFill>
+            <a:schemeClr val="accent1"/>
+          </a:solidFill>
+          <a:ln w="38100">
+            <a:noFill/>
+          </a:ln>
+        </p:spPr>
+        <p:style>
+          <a:lnRef idx="2">
+            <a:schemeClr val="accent1">
+              <a:shade val="50000"/>
+            </a:schemeClr>
+          </a:lnRef>
+          <a:fillRef idx="1">
+            <a:schemeClr val="accent1"/>
+          </a:fillRef>
+          <a:effectRef idx="0">
+            <a:schemeClr val="accent1"/>
+          </a:effectRef>
+          <a:fontRef idx="minor">
+            <a:schemeClr val="lt1"/>
+          </a:fontRef>
+        </p:style>
+        <p:txBody>
+          <a:bodyPr rtlCol="0" anchor="ctr"/>
+          <a:lstStyle/>
+          <a:p>
+            <a:pPr algn="ctr"/>
+            <a:endParaRPr lang="ru-RU"/>
+          </a:p>
+        </p:txBody>
+      </p:sp>
+      <p:cxnSp>
+        <p:nvCxnSpPr>
+          <p:cNvPr id="8" name="Прямая со стрелкой 7"/>
+          <p:cNvCxnSpPr>
+            <a:stCxn id="6" idx="6"/>
+            <a:endCxn id="16" idx="2"/>
+          </p:cNvCxnSpPr>
+          <p:nvPr/>
+        </p:nvCxnSpPr>
+        <p:spPr>
+          <a:xfrm>
+            <a:off x="883670" y="760545"/>
+            <a:ext cx="614266" cy="0"/>
+          </a:xfrm>
+          <a:prstGeom prst="straightConnector1">
+            <a:avLst/>
+          </a:prstGeom>
+          <a:ln w="38100">
+            <a:solidFill>
+              <a:schemeClr val="accent2"/>
+            </a:solidFill>
+            <a:tailEnd type="triangle"/>
+          </a:ln>
+        </p:spPr>
+        <p:style>
+          <a:lnRef idx="1">
+            <a:schemeClr val="accent1"/>
+          </a:lnRef>
+          <a:fillRef idx="0">
+            <a:schemeClr val="accent1"/>
+          </a:fillRef>
+          <a:effectRef idx="0">
+            <a:schemeClr val="accent1"/>
+          </a:effectRef>
+          <a:fontRef idx="minor">
+            <a:schemeClr val="tx1"/>
+          </a:fontRef>
+        </p:style>
+      </p:cxnSp>
+      <p:sp>
+        <p:nvSpPr>
+          <p:cNvPr id="18" name="Овал 17"/>
+          <p:cNvSpPr/>
+          <p:nvPr/>
+        </p:nvSpPr>
+        <p:spPr>
+          <a:xfrm>
+            <a:off x="599752" y="1530836"/>
+            <a:ext cx="290751" cy="283099"/>
+          </a:xfrm>
+          <a:prstGeom prst="ellipse">
+            <a:avLst/>
+          </a:prstGeom>
+          <a:solidFill>
+            <a:schemeClr val="accent1"/>
+          </a:solidFill>
+          <a:ln w="38100">
+            <a:noFill/>
+          </a:ln>
+        </p:spPr>
+        <p:style>
+          <a:lnRef idx="2">
+            <a:schemeClr val="accent1">
+              <a:shade val="50000"/>
+            </a:schemeClr>
+          </a:lnRef>
+          <a:fillRef idx="1">
+            <a:schemeClr val="accent1"/>
+          </a:fillRef>
+          <a:effectRef idx="0">
+            <a:schemeClr val="accent1"/>
+          </a:effectRef>
+          <a:fontRef idx="minor">
+            <a:schemeClr val="lt1"/>
+          </a:fontRef>
+        </p:style>
+        <p:txBody>
+          <a:bodyPr rtlCol="0" anchor="ctr"/>
+          <a:lstStyle/>
+          <a:p>
+            <a:pPr algn="ctr"/>
+            <a:endParaRPr lang="ru-RU"/>
+          </a:p>
+        </p:txBody>
+      </p:sp>
+      <p:cxnSp>
+        <p:nvCxnSpPr>
+          <p:cNvPr id="9" name="Прямая со стрелкой 8"/>
+          <p:cNvCxnSpPr>
+            <a:stCxn id="6" idx="4"/>
+            <a:endCxn id="18" idx="0"/>
+          </p:cNvCxnSpPr>
+          <p:nvPr/>
+        </p:nvCxnSpPr>
+        <p:spPr>
+          <a:xfrm>
+            <a:off x="738295" y="902094"/>
+            <a:ext cx="6833" cy="628742"/>
+          </a:xfrm>
+          <a:prstGeom prst="straightConnector1">
+            <a:avLst/>
+          </a:prstGeom>
+          <a:ln w="38100">
+            <a:solidFill>
+              <a:schemeClr val="accent2"/>
+            </a:solidFill>
+            <a:tailEnd type="triangle"/>
+          </a:ln>
+        </p:spPr>
+        <p:style>
+          <a:lnRef idx="1">
+            <a:schemeClr val="accent1"/>
+          </a:lnRef>
+          <a:fillRef idx="0">
+            <a:schemeClr val="accent1"/>
+          </a:fillRef>
+          <a:effectRef idx="0">
+            <a:schemeClr val="accent1"/>
+          </a:effectRef>
+          <a:fontRef idx="minor">
+            <a:schemeClr val="tx1"/>
+          </a:fontRef>
+        </p:style>
+      </p:cxnSp>
+      <p:cxnSp>
+        <p:nvCxnSpPr>
+          <p:cNvPr id="20" name="Прямая со стрелкой 19"/>
+          <p:cNvCxnSpPr>
+            <a:stCxn id="16" idx="6"/>
+            <a:endCxn id="22" idx="2"/>
+          </p:cNvCxnSpPr>
+          <p:nvPr/>
+        </p:nvCxnSpPr>
+        <p:spPr>
+          <a:xfrm>
+            <a:off x="1788687" y="760545"/>
+            <a:ext cx="592943" cy="0"/>
+          </a:xfrm>
+          <a:prstGeom prst="straightConnector1">
+            <a:avLst/>
+          </a:prstGeom>
+          <a:ln w="38100">
+            <a:solidFill>
+              <a:schemeClr val="accent2"/>
+            </a:solidFill>
+            <a:tailEnd type="triangle"/>
+          </a:ln>
+        </p:spPr>
+        <p:style>
+          <a:lnRef idx="1">
+            <a:schemeClr val="accent1"/>
+          </a:lnRef>
+          <a:fillRef idx="0">
+            <a:schemeClr val="accent1"/>
+          </a:fillRef>
+          <a:effectRef idx="0">
+            <a:schemeClr val="accent1"/>
+          </a:effectRef>
+          <a:fontRef idx="minor">
+            <a:schemeClr val="tx1"/>
+          </a:fontRef>
+        </p:style>
+      </p:cxnSp>
+      <p:sp>
+        <p:nvSpPr>
+          <p:cNvPr id="22" name="Овал 21"/>
+          <p:cNvSpPr/>
+          <p:nvPr/>
+        </p:nvSpPr>
+        <p:spPr>
+          <a:xfrm>
+            <a:off x="2381630" y="618995"/>
+            <a:ext cx="290751" cy="283099"/>
+          </a:xfrm>
+          <a:prstGeom prst="ellipse">
+            <a:avLst/>
+          </a:prstGeom>
+          <a:solidFill>
+            <a:schemeClr val="accent1"/>
+          </a:solidFill>
+          <a:ln w="38100">
+            <a:noFill/>
+          </a:ln>
+        </p:spPr>
+        <p:style>
+          <a:lnRef idx="2">
+            <a:schemeClr val="accent1">
+              <a:shade val="50000"/>
+            </a:schemeClr>
+          </a:lnRef>
+          <a:fillRef idx="1">
+            <a:schemeClr val="accent1"/>
+          </a:fillRef>
+          <a:effectRef idx="0">
+            <a:schemeClr val="accent1"/>
+          </a:effectRef>
+          <a:fontRef idx="minor">
+            <a:schemeClr val="lt1"/>
+          </a:fontRef>
+        </p:style>
+        <p:txBody>
+          <a:bodyPr rtlCol="0" anchor="ctr"/>
+          <a:lstStyle/>
+          <a:p>
+            <a:pPr algn="ctr"/>
+            <a:endParaRPr lang="ru-RU"/>
+          </a:p>
+        </p:txBody>
+      </p:sp>
+      <p:cxnSp>
+        <p:nvCxnSpPr>
+          <p:cNvPr id="24" name="Прямая со стрелкой 23"/>
+          <p:cNvCxnSpPr>
+            <a:stCxn id="16" idx="4"/>
+          </p:cNvCxnSpPr>
+          <p:nvPr/>
+        </p:nvCxnSpPr>
+        <p:spPr>
+          <a:xfrm flipH="1">
+            <a:off x="1643311" y="902094"/>
+            <a:ext cx="1" cy="708690"/>
+          </a:xfrm>
+          <a:prstGeom prst="straightConnector1">
+            <a:avLst/>
+          </a:prstGeom>
+          <a:ln w="38100">
+            <a:solidFill>
+              <a:srgbClr val="C00000"/>
+            </a:solidFill>
+            <a:tailEnd type="triangle"/>
+          </a:ln>
+        </p:spPr>
+        <p:style>
+          <a:lnRef idx="1">
+            <a:schemeClr val="accent1"/>
+          </a:lnRef>
+          <a:fillRef idx="0">
+            <a:schemeClr val="accent1"/>
+          </a:fillRef>
+          <a:effectRef idx="0">
+            <a:schemeClr val="accent1"/>
+          </a:effectRef>
+          <a:fontRef idx="minor">
+            <a:schemeClr val="tx1"/>
+          </a:fontRef>
+        </p:style>
+      </p:cxnSp>
+      <p:cxnSp>
+        <p:nvCxnSpPr>
+          <p:cNvPr id="26" name="Прямая со стрелкой 25"/>
+          <p:cNvCxnSpPr>
+            <a:stCxn id="18" idx="6"/>
+          </p:cNvCxnSpPr>
+          <p:nvPr/>
+        </p:nvCxnSpPr>
+        <p:spPr>
+          <a:xfrm>
+            <a:off x="890503" y="1672386"/>
+            <a:ext cx="658528" cy="11317"/>
+          </a:xfrm>
+          <a:prstGeom prst="straightConnector1">
+            <a:avLst/>
+          </a:prstGeom>
+          <a:ln w="38100">
+            <a:solidFill>
+              <a:srgbClr val="C00000"/>
+            </a:solidFill>
+            <a:tailEnd type="triangle"/>
+          </a:ln>
+        </p:spPr>
+        <p:style>
+          <a:lnRef idx="1">
+            <a:schemeClr val="accent1"/>
+          </a:lnRef>
+          <a:fillRef idx="0">
+            <a:schemeClr val="accent1"/>
+          </a:fillRef>
+          <a:effectRef idx="0">
+            <a:schemeClr val="accent1"/>
+          </a:effectRef>
+          <a:fontRef idx="minor">
+            <a:schemeClr val="tx1"/>
+          </a:fontRef>
+        </p:style>
+      </p:cxnSp>
+      <p:cxnSp>
+        <p:nvCxnSpPr>
+          <p:cNvPr id="29" name="Прямая со стрелкой 28"/>
+          <p:cNvCxnSpPr>
+            <a:stCxn id="18" idx="4"/>
+          </p:cNvCxnSpPr>
+          <p:nvPr/>
+        </p:nvCxnSpPr>
+        <p:spPr>
+          <a:xfrm flipH="1">
+            <a:off x="738294" y="1813935"/>
+            <a:ext cx="6834" cy="680422"/>
+          </a:xfrm>
+          <a:prstGeom prst="straightConnector1">
+            <a:avLst/>
+          </a:prstGeom>
+          <a:ln w="38100">
+            <a:solidFill>
+              <a:srgbClr val="C00000"/>
+            </a:solidFill>
+            <a:tailEnd type="triangle"/>
+          </a:ln>
+        </p:spPr>
+        <p:style>
+          <a:lnRef idx="1">
+            <a:schemeClr val="accent1"/>
+          </a:lnRef>
+          <a:fillRef idx="0">
+            <a:schemeClr val="accent1"/>
+          </a:fillRef>
+          <a:effectRef idx="0">
+            <a:schemeClr val="accent1"/>
+          </a:effectRef>
+          <a:fontRef idx="minor">
+            <a:schemeClr val="tx1"/>
+          </a:fontRef>
+        </p:style>
+      </p:cxnSp>
+      <p:cxnSp>
+        <p:nvCxnSpPr>
+          <p:cNvPr id="32" name="Прямая со стрелкой 31"/>
+          <p:cNvCxnSpPr>
+            <a:stCxn id="22" idx="6"/>
+          </p:cNvCxnSpPr>
+          <p:nvPr/>
+        </p:nvCxnSpPr>
+        <p:spPr>
+          <a:xfrm flipV="1">
+            <a:off x="2672381" y="760544"/>
+            <a:ext cx="738318" cy="1"/>
+          </a:xfrm>
+          <a:prstGeom prst="straightConnector1">
+            <a:avLst/>
+          </a:prstGeom>
+          <a:ln w="38100">
+            <a:solidFill>
+              <a:srgbClr val="C00000"/>
+            </a:solidFill>
+            <a:tailEnd type="triangle"/>
+          </a:ln>
+        </p:spPr>
+        <p:style>
+          <a:lnRef idx="1">
+            <a:schemeClr val="accent1"/>
+          </a:lnRef>
+          <a:fillRef idx="0">
+            <a:schemeClr val="accent1"/>
+          </a:fillRef>
+          <a:effectRef idx="0">
+            <a:schemeClr val="accent1"/>
+          </a:effectRef>
+          <a:fontRef idx="minor">
+            <a:schemeClr val="tx1"/>
+          </a:fontRef>
+        </p:style>
+      </p:cxnSp>
+      <p:cxnSp>
+        <p:nvCxnSpPr>
+          <p:cNvPr id="35" name="Прямая со стрелкой 34"/>
+          <p:cNvCxnSpPr>
+            <a:stCxn id="22" idx="4"/>
+            <a:endCxn id="38" idx="0"/>
+          </p:cNvCxnSpPr>
+          <p:nvPr/>
+        </p:nvCxnSpPr>
+        <p:spPr>
+          <a:xfrm>
+            <a:off x="2527006" y="902094"/>
+            <a:ext cx="0" cy="640059"/>
+          </a:xfrm>
+          <a:prstGeom prst="straightConnector1">
+            <a:avLst/>
+          </a:prstGeom>
+          <a:ln w="38100">
+            <a:solidFill>
+              <a:schemeClr val="accent2"/>
+            </a:solidFill>
+            <a:tailEnd type="triangle"/>
+          </a:ln>
+        </p:spPr>
+        <p:style>
+          <a:lnRef idx="1">
+            <a:schemeClr val="accent1"/>
+          </a:lnRef>
+          <a:fillRef idx="0">
+            <a:schemeClr val="accent1"/>
+          </a:fillRef>
+          <a:effectRef idx="0">
+            <a:schemeClr val="accent1"/>
+          </a:effectRef>
+          <a:fontRef idx="minor">
+            <a:schemeClr val="tx1"/>
+          </a:fontRef>
+        </p:style>
+      </p:cxnSp>
+      <p:sp>
+        <p:nvSpPr>
+          <p:cNvPr id="38" name="Овал 37"/>
+          <p:cNvSpPr/>
+          <p:nvPr/>
+        </p:nvSpPr>
+        <p:spPr>
+          <a:xfrm>
+            <a:off x="2381630" y="1542153"/>
+            <a:ext cx="290751" cy="283099"/>
+          </a:xfrm>
+          <a:prstGeom prst="ellipse">
+            <a:avLst/>
+          </a:prstGeom>
+          <a:solidFill>
+            <a:schemeClr val="accent1"/>
+          </a:solidFill>
+          <a:ln w="38100">
+            <a:noFill/>
+          </a:ln>
+        </p:spPr>
+        <p:style>
+          <a:lnRef idx="2">
+            <a:schemeClr val="accent1">
+              <a:shade val="50000"/>
+            </a:schemeClr>
+          </a:lnRef>
+          <a:fillRef idx="1">
+            <a:schemeClr val="accent1"/>
+          </a:fillRef>
+          <a:effectRef idx="0">
+            <a:schemeClr val="accent1"/>
+          </a:effectRef>
+          <a:fontRef idx="minor">
+            <a:schemeClr val="lt1"/>
+          </a:fontRef>
+        </p:style>
+        <p:txBody>
+          <a:bodyPr rtlCol="0" anchor="ctr"/>
+          <a:lstStyle/>
+          <a:p>
+            <a:pPr algn="ctr"/>
+            <a:endParaRPr lang="ru-RU"/>
+          </a:p>
+        </p:txBody>
+      </p:sp>
+      <p:cxnSp>
+        <p:nvCxnSpPr>
+          <p:cNvPr id="40" name="Прямая со стрелкой 39"/>
+          <p:cNvCxnSpPr/>
+          <p:nvPr/>
+        </p:nvCxnSpPr>
+        <p:spPr>
+          <a:xfrm>
+            <a:off x="2527005" y="1813935"/>
+            <a:ext cx="0" cy="680422"/>
+          </a:xfrm>
+          <a:prstGeom prst="straightConnector1">
+            <a:avLst/>
+          </a:prstGeom>
+          <a:ln w="38100">
+            <a:solidFill>
+              <a:srgbClr val="C00000"/>
+            </a:solidFill>
+            <a:tailEnd type="triangle"/>
+          </a:ln>
+        </p:spPr>
+        <p:style>
+          <a:lnRef idx="1">
+            <a:schemeClr val="accent1"/>
+          </a:lnRef>
+          <a:fillRef idx="0">
+            <a:schemeClr val="accent1"/>
+          </a:fillRef>
+          <a:effectRef idx="0">
+            <a:schemeClr val="accent1"/>
+          </a:effectRef>
+          <a:fontRef idx="minor">
+            <a:schemeClr val="tx1"/>
+          </a:fontRef>
+        </p:style>
+      </p:cxnSp>
+      <p:cxnSp>
+        <p:nvCxnSpPr>
+          <p:cNvPr id="43" name="Прямая со стрелкой 42"/>
+          <p:cNvCxnSpPr>
+            <a:stCxn id="38" idx="6"/>
+          </p:cNvCxnSpPr>
+          <p:nvPr/>
+        </p:nvCxnSpPr>
+        <p:spPr>
+          <a:xfrm flipV="1">
+            <a:off x="2672381" y="1683702"/>
+            <a:ext cx="738318" cy="1"/>
+          </a:xfrm>
+          <a:prstGeom prst="straightConnector1">
+            <a:avLst/>
+          </a:prstGeom>
+          <a:ln w="38100">
+            <a:solidFill>
+              <a:srgbClr val="C00000"/>
+            </a:solidFill>
+            <a:tailEnd type="triangle"/>
+          </a:ln>
+        </p:spPr>
+        <p:style>
+          <a:lnRef idx="1">
+            <a:schemeClr val="accent1"/>
+          </a:lnRef>
+          <a:fillRef idx="0">
+            <a:schemeClr val="accent1"/>
+          </a:fillRef>
+          <a:effectRef idx="0">
+            <a:schemeClr val="accent1"/>
+          </a:effectRef>
+          <a:fontRef idx="minor">
+            <a:schemeClr val="tx1"/>
+          </a:fontRef>
+        </p:style>
+      </p:cxnSp>
+      <p:cxnSp>
+        <p:nvCxnSpPr>
+          <p:cNvPr id="46" name="Прямая со стрелкой 45"/>
+          <p:cNvCxnSpPr>
+            <a:stCxn id="38" idx="2"/>
+          </p:cNvCxnSpPr>
+          <p:nvPr/>
+        </p:nvCxnSpPr>
+        <p:spPr>
+          <a:xfrm flipH="1" flipV="1">
+            <a:off x="1749598" y="1683702"/>
+            <a:ext cx="632032" cy="1"/>
+          </a:xfrm>
+          <a:prstGeom prst="straightConnector1">
+            <a:avLst/>
+          </a:prstGeom>
+          <a:ln w="38100">
+            <a:solidFill>
+              <a:srgbClr val="C00000"/>
+            </a:solidFill>
+            <a:tailEnd type="triangle"/>
+          </a:ln>
+        </p:spPr>
+        <p:style>
+          <a:lnRef idx="1">
+            <a:schemeClr val="accent1"/>
+          </a:lnRef>
+          <a:fillRef idx="0">
+            <a:schemeClr val="accent1"/>
+          </a:fillRef>
+          <a:effectRef idx="0">
+            <a:schemeClr val="accent1"/>
+          </a:effectRef>
+          <a:fontRef idx="minor">
+            <a:schemeClr val="tx1"/>
+          </a:fontRef>
+        </p:style>
+      </p:cxnSp>
+    </p:spTree>
+    <p:extLst>
+      <p:ext uri="{BB962C8B-B14F-4D97-AF65-F5344CB8AC3E}">
+        <p14:creationId xmlns:p14="http://schemas.microsoft.com/office/powerpoint/2010/main" val="4002235888"/>
       </p:ext>
     </p:extLst>
   </p:cSld>
@@ -3584,7 +4837,7 @@
                             </p:stCondLst>
                             <p:childTnLst>
                               <p:par>
-                                <p:cTn id="5" presetID="1" presetClass="entr" presetSubtype="0" fill="hold" grpId="0" nodeType="clickEffect">
+                                <p:cTn id="5" presetID="1" presetClass="entr" presetSubtype="0" fill="hold" nodeType="clickEffect">
                                   <p:stCondLst>
                                     <p:cond delay="0"/>
                                   </p:stCondLst>
@@ -3597,11 +4850,7 @@
                                           </p:stCondLst>
                                         </p:cTn>
                                         <p:tgtEl>
-                                          <p:spTgt spid="3">
-                                            <p:txEl>
-                                              <p:pRg st="0" end="0"/>
-                                            </p:txEl>
-                                          </p:spTgt>
+                                          <p:spTgt spid="8"/>
                                         </p:tgtEl>
                                         <p:attrNameLst>
                                           <p:attrName>style.visibility</p:attrName>
@@ -3628,73 +4877,7 @@
                                           </p:stCondLst>
                                         </p:cTn>
                                         <p:tgtEl>
-                                          <p:spTgt spid="3">
-                                            <p:txEl>
-                                              <p:pRg st="1" end="1"/>
-                                            </p:txEl>
-                                          </p:spTgt>
-                                        </p:tgtEl>
-                                        <p:attrNameLst>
-                                          <p:attrName>style.visibility</p:attrName>
-                                        </p:attrNameLst>
-                                      </p:cBhvr>
-                                      <p:to>
-                                        <p:strVal val="visible"/>
-                                      </p:to>
-                                    </p:set>
-                                  </p:childTnLst>
-                                </p:cTn>
-                              </p:par>
-                              <p:par>
-                                <p:cTn id="9" presetID="1" presetClass="entr" presetSubtype="0" fill="hold" grpId="0" nodeType="withEffect">
-                                  <p:stCondLst>
-                                    <p:cond delay="0"/>
-                                  </p:stCondLst>
-                                  <p:childTnLst>
-                                    <p:set>
-                                      <p:cBhvr>
-                                        <p:cTn id="10" dur="1" fill="hold">
-                                          <p:stCondLst>
-                                            <p:cond delay="0"/>
-                                          </p:stCondLst>
-                                        </p:cTn>
-                                        <p:tgtEl>
-                                          <p:spTgt spid="3">
-                                            <p:txEl>
-                                              <p:pRg st="2" end="2"/>
-                                            </p:txEl>
-                                          </p:spTgt>
-                                        </p:tgtEl>
-                                        <p:attrNameLst>
-                                          <p:attrName>style.visibility</p:attrName>
-                                        </p:attrNameLst>
-                                      </p:cBhvr>
-                                      <p:to>
-                                        <p:strVal val="visible"/>
-                                      </p:to>
-                                    </p:set>
-                                  </p:childTnLst>
-                                </p:cTn>
-                              </p:par>
-                              <p:par>
-                                <p:cTn id="11" presetID="1" presetClass="entr" presetSubtype="0" fill="hold" grpId="0" nodeType="withEffect">
-                                  <p:stCondLst>
-                                    <p:cond delay="0"/>
-                                  </p:stCondLst>
-                                  <p:childTnLst>
-                                    <p:set>
-                                      <p:cBhvr>
-                                        <p:cTn id="12" dur="1" fill="hold">
-                                          <p:stCondLst>
-                                            <p:cond delay="0"/>
-                                          </p:stCondLst>
-                                        </p:cTn>
-                                        <p:tgtEl>
-                                          <p:spTgt spid="3">
-                                            <p:txEl>
-                                              <p:pRg st="3" end="3"/>
-                                            </p:txEl>
-                                          </p:spTgt>
+                                          <p:spTgt spid="16"/>
                                         </p:tgtEl>
                                         <p:attrNameLst>
                                           <p:attrName>style.visibility</p:attrName>
@@ -3714,26 +4897,967 @@
                     </p:cTn>
                   </p:par>
                   <p:par>
-                    <p:cTn id="13" fill="hold">
+                    <p:cTn id="9" fill="hold">
                       <p:stCondLst>
                         <p:cond delay="indefinite"/>
                       </p:stCondLst>
                       <p:childTnLst>
                         <p:par>
-                          <p:cTn id="14" fill="hold">
+                          <p:cTn id="10" fill="hold">
                             <p:stCondLst>
                               <p:cond delay="0"/>
                             </p:stCondLst>
                             <p:childTnLst>
                               <p:par>
-                                <p:cTn id="15" presetID="1" presetClass="entr" presetSubtype="0" fill="hold" grpId="0" nodeType="clickEffect">
+                                <p:cTn id="11" presetID="1" presetClass="entr" presetSubtype="0" fill="hold" nodeType="clickEffect">
                                   <p:stCondLst>
                                     <p:cond delay="0"/>
                                   </p:stCondLst>
                                   <p:childTnLst>
                                     <p:set>
                                       <p:cBhvr>
-                                        <p:cTn id="16" dur="1" fill="hold">
+                                        <p:cTn id="12" dur="1" fill="hold">
+                                          <p:stCondLst>
+                                            <p:cond delay="0"/>
+                                          </p:stCondLst>
+                                        </p:cTn>
+                                        <p:tgtEl>
+                                          <p:spTgt spid="20"/>
+                                        </p:tgtEl>
+                                        <p:attrNameLst>
+                                          <p:attrName>style.visibility</p:attrName>
+                                        </p:attrNameLst>
+                                      </p:cBhvr>
+                                      <p:to>
+                                        <p:strVal val="visible"/>
+                                      </p:to>
+                                    </p:set>
+                                  </p:childTnLst>
+                                </p:cTn>
+                              </p:par>
+                              <p:par>
+                                <p:cTn id="13" presetID="1" presetClass="entr" presetSubtype="0" fill="hold" grpId="0" nodeType="withEffect">
+                                  <p:stCondLst>
+                                    <p:cond delay="0"/>
+                                  </p:stCondLst>
+                                  <p:childTnLst>
+                                    <p:set>
+                                      <p:cBhvr>
+                                        <p:cTn id="14" dur="1" fill="hold">
+                                          <p:stCondLst>
+                                            <p:cond delay="0"/>
+                                          </p:stCondLst>
+                                        </p:cTn>
+                                        <p:tgtEl>
+                                          <p:spTgt spid="22"/>
+                                        </p:tgtEl>
+                                        <p:attrNameLst>
+                                          <p:attrName>style.visibility</p:attrName>
+                                        </p:attrNameLst>
+                                      </p:cBhvr>
+                                      <p:to>
+                                        <p:strVal val="visible"/>
+                                      </p:to>
+                                    </p:set>
+                                  </p:childTnLst>
+                                </p:cTn>
+                              </p:par>
+                            </p:childTnLst>
+                          </p:cTn>
+                        </p:par>
+                      </p:childTnLst>
+                    </p:cTn>
+                  </p:par>
+                  <p:par>
+                    <p:cTn id="15" fill="hold">
+                      <p:stCondLst>
+                        <p:cond delay="indefinite"/>
+                      </p:stCondLst>
+                      <p:childTnLst>
+                        <p:par>
+                          <p:cTn id="16" fill="hold">
+                            <p:stCondLst>
+                              <p:cond delay="0"/>
+                            </p:stCondLst>
+                            <p:childTnLst>
+                              <p:par>
+                                <p:cTn id="17" presetID="1" presetClass="entr" presetSubtype="0" fill="hold" nodeType="clickEffect">
+                                  <p:stCondLst>
+                                    <p:cond delay="0"/>
+                                  </p:stCondLst>
+                                  <p:childTnLst>
+                                    <p:set>
+                                      <p:cBhvr>
+                                        <p:cTn id="18" dur="1" fill="hold">
+                                          <p:stCondLst>
+                                            <p:cond delay="0"/>
+                                          </p:stCondLst>
+                                        </p:cTn>
+                                        <p:tgtEl>
+                                          <p:spTgt spid="32"/>
+                                        </p:tgtEl>
+                                        <p:attrNameLst>
+                                          <p:attrName>style.visibility</p:attrName>
+                                        </p:attrNameLst>
+                                      </p:cBhvr>
+                                      <p:to>
+                                        <p:strVal val="visible"/>
+                                      </p:to>
+                                    </p:set>
+                                  </p:childTnLst>
+                                </p:cTn>
+                              </p:par>
+                            </p:childTnLst>
+                          </p:cTn>
+                        </p:par>
+                      </p:childTnLst>
+                    </p:cTn>
+                  </p:par>
+                  <p:par>
+                    <p:cTn id="19" fill="hold">
+                      <p:stCondLst>
+                        <p:cond delay="indefinite"/>
+                      </p:stCondLst>
+                      <p:childTnLst>
+                        <p:par>
+                          <p:cTn id="20" fill="hold">
+                            <p:stCondLst>
+                              <p:cond delay="0"/>
+                            </p:stCondLst>
+                            <p:childTnLst>
+                              <p:par>
+                                <p:cTn id="21" presetID="1" presetClass="entr" presetSubtype="0" fill="hold" nodeType="clickEffect">
+                                  <p:stCondLst>
+                                    <p:cond delay="0"/>
+                                  </p:stCondLst>
+                                  <p:childTnLst>
+                                    <p:set>
+                                      <p:cBhvr>
+                                        <p:cTn id="22" dur="1" fill="hold">
+                                          <p:stCondLst>
+                                            <p:cond delay="0"/>
+                                          </p:stCondLst>
+                                        </p:cTn>
+                                        <p:tgtEl>
+                                          <p:spTgt spid="35"/>
+                                        </p:tgtEl>
+                                        <p:attrNameLst>
+                                          <p:attrName>style.visibility</p:attrName>
+                                        </p:attrNameLst>
+                                      </p:cBhvr>
+                                      <p:to>
+                                        <p:strVal val="visible"/>
+                                      </p:to>
+                                    </p:set>
+                                  </p:childTnLst>
+                                </p:cTn>
+                              </p:par>
+                              <p:par>
+                                <p:cTn id="23" presetID="1" presetClass="entr" presetSubtype="0" fill="hold" grpId="0" nodeType="withEffect">
+                                  <p:stCondLst>
+                                    <p:cond delay="0"/>
+                                  </p:stCondLst>
+                                  <p:childTnLst>
+                                    <p:set>
+                                      <p:cBhvr>
+                                        <p:cTn id="24" dur="1" fill="hold">
+                                          <p:stCondLst>
+                                            <p:cond delay="0"/>
+                                          </p:stCondLst>
+                                        </p:cTn>
+                                        <p:tgtEl>
+                                          <p:spTgt spid="38"/>
+                                        </p:tgtEl>
+                                        <p:attrNameLst>
+                                          <p:attrName>style.visibility</p:attrName>
+                                        </p:attrNameLst>
+                                      </p:cBhvr>
+                                      <p:to>
+                                        <p:strVal val="visible"/>
+                                      </p:to>
+                                    </p:set>
+                                  </p:childTnLst>
+                                </p:cTn>
+                              </p:par>
+                            </p:childTnLst>
+                          </p:cTn>
+                        </p:par>
+                      </p:childTnLst>
+                    </p:cTn>
+                  </p:par>
+                  <p:par>
+                    <p:cTn id="25" fill="hold">
+                      <p:stCondLst>
+                        <p:cond delay="indefinite"/>
+                      </p:stCondLst>
+                      <p:childTnLst>
+                        <p:par>
+                          <p:cTn id="26" fill="hold">
+                            <p:stCondLst>
+                              <p:cond delay="0"/>
+                            </p:stCondLst>
+                            <p:childTnLst>
+                              <p:par>
+                                <p:cTn id="27" presetID="1" presetClass="entr" presetSubtype="0" fill="hold" nodeType="clickEffect">
+                                  <p:stCondLst>
+                                    <p:cond delay="0"/>
+                                  </p:stCondLst>
+                                  <p:childTnLst>
+                                    <p:set>
+                                      <p:cBhvr>
+                                        <p:cTn id="28" dur="1" fill="hold">
+                                          <p:stCondLst>
+                                            <p:cond delay="0"/>
+                                          </p:stCondLst>
+                                        </p:cTn>
+                                        <p:tgtEl>
+                                          <p:spTgt spid="43"/>
+                                        </p:tgtEl>
+                                        <p:attrNameLst>
+                                          <p:attrName>style.visibility</p:attrName>
+                                        </p:attrNameLst>
+                                      </p:cBhvr>
+                                      <p:to>
+                                        <p:strVal val="visible"/>
+                                      </p:to>
+                                    </p:set>
+                                  </p:childTnLst>
+                                </p:cTn>
+                              </p:par>
+                            </p:childTnLst>
+                          </p:cTn>
+                        </p:par>
+                      </p:childTnLst>
+                    </p:cTn>
+                  </p:par>
+                  <p:par>
+                    <p:cTn id="29" fill="hold">
+                      <p:stCondLst>
+                        <p:cond delay="indefinite"/>
+                      </p:stCondLst>
+                      <p:childTnLst>
+                        <p:par>
+                          <p:cTn id="30" fill="hold">
+                            <p:stCondLst>
+                              <p:cond delay="0"/>
+                            </p:stCondLst>
+                            <p:childTnLst>
+                              <p:par>
+                                <p:cTn id="31" presetID="1" presetClass="entr" presetSubtype="0" fill="hold" nodeType="clickEffect">
+                                  <p:stCondLst>
+                                    <p:cond delay="0"/>
+                                  </p:stCondLst>
+                                  <p:childTnLst>
+                                    <p:set>
+                                      <p:cBhvr>
+                                        <p:cTn id="32" dur="1" fill="hold">
+                                          <p:stCondLst>
+                                            <p:cond delay="0"/>
+                                          </p:stCondLst>
+                                        </p:cTn>
+                                        <p:tgtEl>
+                                          <p:spTgt spid="40"/>
+                                        </p:tgtEl>
+                                        <p:attrNameLst>
+                                          <p:attrName>style.visibility</p:attrName>
+                                        </p:attrNameLst>
+                                      </p:cBhvr>
+                                      <p:to>
+                                        <p:strVal val="visible"/>
+                                      </p:to>
+                                    </p:set>
+                                  </p:childTnLst>
+                                </p:cTn>
+                              </p:par>
+                            </p:childTnLst>
+                          </p:cTn>
+                        </p:par>
+                      </p:childTnLst>
+                    </p:cTn>
+                  </p:par>
+                  <p:par>
+                    <p:cTn id="33" fill="hold">
+                      <p:stCondLst>
+                        <p:cond delay="indefinite"/>
+                      </p:stCondLst>
+                      <p:childTnLst>
+                        <p:par>
+                          <p:cTn id="34" fill="hold">
+                            <p:stCondLst>
+                              <p:cond delay="0"/>
+                            </p:stCondLst>
+                            <p:childTnLst>
+                              <p:par>
+                                <p:cTn id="35" presetID="1" presetClass="entr" presetSubtype="0" fill="hold" nodeType="clickEffect">
+                                  <p:stCondLst>
+                                    <p:cond delay="0"/>
+                                  </p:stCondLst>
+                                  <p:childTnLst>
+                                    <p:set>
+                                      <p:cBhvr>
+                                        <p:cTn id="36" dur="1" fill="hold">
+                                          <p:stCondLst>
+                                            <p:cond delay="0"/>
+                                          </p:stCondLst>
+                                        </p:cTn>
+                                        <p:tgtEl>
+                                          <p:spTgt spid="46"/>
+                                        </p:tgtEl>
+                                        <p:attrNameLst>
+                                          <p:attrName>style.visibility</p:attrName>
+                                        </p:attrNameLst>
+                                      </p:cBhvr>
+                                      <p:to>
+                                        <p:strVal val="visible"/>
+                                      </p:to>
+                                    </p:set>
+                                  </p:childTnLst>
+                                </p:cTn>
+                              </p:par>
+                            </p:childTnLst>
+                          </p:cTn>
+                        </p:par>
+                      </p:childTnLst>
+                    </p:cTn>
+                  </p:par>
+                  <p:par>
+                    <p:cTn id="37" fill="hold">
+                      <p:stCondLst>
+                        <p:cond delay="indefinite"/>
+                      </p:stCondLst>
+                      <p:childTnLst>
+                        <p:par>
+                          <p:cTn id="38" fill="hold">
+                            <p:stCondLst>
+                              <p:cond delay="0"/>
+                            </p:stCondLst>
+                            <p:childTnLst>
+                              <p:par>
+                                <p:cTn id="39" presetID="1" presetClass="entr" presetSubtype="0" fill="hold" nodeType="clickEffect">
+                                  <p:stCondLst>
+                                    <p:cond delay="0"/>
+                                  </p:stCondLst>
+                                  <p:childTnLst>
+                                    <p:set>
+                                      <p:cBhvr>
+                                        <p:cTn id="40" dur="1" fill="hold">
+                                          <p:stCondLst>
+                                            <p:cond delay="0"/>
+                                          </p:stCondLst>
+                                        </p:cTn>
+                                        <p:tgtEl>
+                                          <p:spTgt spid="24"/>
+                                        </p:tgtEl>
+                                        <p:attrNameLst>
+                                          <p:attrName>style.visibility</p:attrName>
+                                        </p:attrNameLst>
+                                      </p:cBhvr>
+                                      <p:to>
+                                        <p:strVal val="visible"/>
+                                      </p:to>
+                                    </p:set>
+                                  </p:childTnLst>
+                                </p:cTn>
+                              </p:par>
+                            </p:childTnLst>
+                          </p:cTn>
+                        </p:par>
+                      </p:childTnLst>
+                    </p:cTn>
+                  </p:par>
+                  <p:par>
+                    <p:cTn id="41" fill="hold">
+                      <p:stCondLst>
+                        <p:cond delay="indefinite"/>
+                      </p:stCondLst>
+                      <p:childTnLst>
+                        <p:par>
+                          <p:cTn id="42" fill="hold">
+                            <p:stCondLst>
+                              <p:cond delay="0"/>
+                            </p:stCondLst>
+                            <p:childTnLst>
+                              <p:par>
+                                <p:cTn id="43" presetID="1" presetClass="entr" presetSubtype="0" fill="hold" nodeType="clickEffect">
+                                  <p:stCondLst>
+                                    <p:cond delay="0"/>
+                                  </p:stCondLst>
+                                  <p:childTnLst>
+                                    <p:set>
+                                      <p:cBhvr>
+                                        <p:cTn id="44" dur="1" fill="hold">
+                                          <p:stCondLst>
+                                            <p:cond delay="0"/>
+                                          </p:stCondLst>
+                                        </p:cTn>
+                                        <p:tgtEl>
+                                          <p:spTgt spid="9"/>
+                                        </p:tgtEl>
+                                        <p:attrNameLst>
+                                          <p:attrName>style.visibility</p:attrName>
+                                        </p:attrNameLst>
+                                      </p:cBhvr>
+                                      <p:to>
+                                        <p:strVal val="visible"/>
+                                      </p:to>
+                                    </p:set>
+                                  </p:childTnLst>
+                                </p:cTn>
+                              </p:par>
+                              <p:par>
+                                <p:cTn id="45" presetID="1" presetClass="entr" presetSubtype="0" fill="hold" grpId="0" nodeType="withEffect">
+                                  <p:stCondLst>
+                                    <p:cond delay="0"/>
+                                  </p:stCondLst>
+                                  <p:childTnLst>
+                                    <p:set>
+                                      <p:cBhvr>
+                                        <p:cTn id="46" dur="1" fill="hold">
+                                          <p:stCondLst>
+                                            <p:cond delay="0"/>
+                                          </p:stCondLst>
+                                        </p:cTn>
+                                        <p:tgtEl>
+                                          <p:spTgt spid="18"/>
+                                        </p:tgtEl>
+                                        <p:attrNameLst>
+                                          <p:attrName>style.visibility</p:attrName>
+                                        </p:attrNameLst>
+                                      </p:cBhvr>
+                                      <p:to>
+                                        <p:strVal val="visible"/>
+                                      </p:to>
+                                    </p:set>
+                                  </p:childTnLst>
+                                </p:cTn>
+                              </p:par>
+                            </p:childTnLst>
+                          </p:cTn>
+                        </p:par>
+                      </p:childTnLst>
+                    </p:cTn>
+                  </p:par>
+                  <p:par>
+                    <p:cTn id="47" fill="hold">
+                      <p:stCondLst>
+                        <p:cond delay="indefinite"/>
+                      </p:stCondLst>
+                      <p:childTnLst>
+                        <p:par>
+                          <p:cTn id="48" fill="hold">
+                            <p:stCondLst>
+                              <p:cond delay="0"/>
+                            </p:stCondLst>
+                            <p:childTnLst>
+                              <p:par>
+                                <p:cTn id="49" presetID="1" presetClass="entr" presetSubtype="0" fill="hold" nodeType="clickEffect">
+                                  <p:stCondLst>
+                                    <p:cond delay="0"/>
+                                  </p:stCondLst>
+                                  <p:childTnLst>
+                                    <p:set>
+                                      <p:cBhvr>
+                                        <p:cTn id="50" dur="1" fill="hold">
+                                          <p:stCondLst>
+                                            <p:cond delay="0"/>
+                                          </p:stCondLst>
+                                        </p:cTn>
+                                        <p:tgtEl>
+                                          <p:spTgt spid="26"/>
+                                        </p:tgtEl>
+                                        <p:attrNameLst>
+                                          <p:attrName>style.visibility</p:attrName>
+                                        </p:attrNameLst>
+                                      </p:cBhvr>
+                                      <p:to>
+                                        <p:strVal val="visible"/>
+                                      </p:to>
+                                    </p:set>
+                                  </p:childTnLst>
+                                </p:cTn>
+                              </p:par>
+                              <p:par>
+                                <p:cTn id="51" presetID="1" presetClass="entr" presetSubtype="0" fill="hold" nodeType="withEffect">
+                                  <p:stCondLst>
+                                    <p:cond delay="0"/>
+                                  </p:stCondLst>
+                                  <p:childTnLst>
+                                    <p:set>
+                                      <p:cBhvr>
+                                        <p:cTn id="52" dur="1" fill="hold">
+                                          <p:stCondLst>
+                                            <p:cond delay="0"/>
+                                          </p:stCondLst>
+                                        </p:cTn>
+                                        <p:tgtEl>
+                                          <p:spTgt spid="29"/>
+                                        </p:tgtEl>
+                                        <p:attrNameLst>
+                                          <p:attrName>style.visibility</p:attrName>
+                                        </p:attrNameLst>
+                                      </p:cBhvr>
+                                      <p:to>
+                                        <p:strVal val="visible"/>
+                                      </p:to>
+                                    </p:set>
+                                  </p:childTnLst>
+                                </p:cTn>
+                              </p:par>
+                            </p:childTnLst>
+                          </p:cTn>
+                        </p:par>
+                      </p:childTnLst>
+                    </p:cTn>
+                  </p:par>
+                </p:childTnLst>
+              </p:cTn>
+              <p:prevCondLst>
+                <p:cond evt="onPrev" delay="0">
+                  <p:tgtEl>
+                    <p:sldTgt/>
+                  </p:tgtEl>
+                </p:cond>
+              </p:prevCondLst>
+              <p:nextCondLst>
+                <p:cond evt="onNext" delay="0">
+                  <p:tgtEl>
+                    <p:sldTgt/>
+                  </p:tgtEl>
+                </p:cond>
+              </p:nextCondLst>
+            </p:seq>
+          </p:childTnLst>
+        </p:cTn>
+      </p:par>
+    </p:tnLst>
+    <p:bldLst>
+      <p:bldP spid="16" grpId="0" animBg="1"/>
+      <p:bldP spid="18" grpId="0" animBg="1"/>
+      <p:bldP spid="22" grpId="0" animBg="1"/>
+      <p:bldP spid="38" grpId="0" animBg="1"/>
+    </p:bldLst>
+  </p:timing>
+</p:sld>
+</file>
+
+<file path=ppt/slides/slide15.xml><?xml version="1.0" encoding="utf-8"?>
+<p:sld xmlns:a="http://schemas.openxmlformats.org/drawingml/2006/main" xmlns:r="http://schemas.openxmlformats.org/officeDocument/2006/relationships" xmlns:p="http://schemas.openxmlformats.org/presentationml/2006/main">
+  <p:cSld>
+    <p:spTree>
+      <p:nvGrpSpPr>
+        <p:cNvPr id="1" name=""/>
+        <p:cNvGrpSpPr/>
+        <p:nvPr/>
+      </p:nvGrpSpPr>
+      <p:grpSpPr>
+        <a:xfrm>
+          <a:off x="0" y="0"/>
+          <a:ext cx="0" cy="0"/>
+          <a:chOff x="0" y="0"/>
+          <a:chExt cx="0" cy="0"/>
+        </a:xfrm>
+      </p:grpSpPr>
+      <p:sp>
+        <p:nvSpPr>
+          <p:cNvPr id="2" name="Заголовок 1"/>
+          <p:cNvSpPr>
+            <a:spLocks noGrp="1"/>
+          </p:cNvSpPr>
+          <p:nvPr>
+            <p:ph type="title"/>
+          </p:nvPr>
+        </p:nvSpPr>
+        <p:spPr/>
+        <p:txBody>
+          <a:bodyPr/>
+          <a:lstStyle/>
+          <a:p>
+            <a:r>
+              <a:rPr lang="en-US" smtClean="0"/>
+              <a:t>dfs(self, x, y, move):</a:t>
+            </a:r>
+            <a:endParaRPr lang="ru-RU" dirty="0"/>
+          </a:p>
+        </p:txBody>
+      </p:sp>
+      <p:sp>
+        <p:nvSpPr>
+          <p:cNvPr id="3" name="Объект 2"/>
+          <p:cNvSpPr>
+            <a:spLocks noGrp="1"/>
+          </p:cNvSpPr>
+          <p:nvPr>
+            <p:ph idx="1"/>
+          </p:nvPr>
+        </p:nvSpPr>
+        <p:spPr/>
+        <p:txBody>
+          <a:bodyPr/>
+          <a:lstStyle/>
+          <a:p>
+            <a:r>
+              <a:rPr lang="ru-RU" dirty="0" smtClean="0"/>
+              <a:t>Добавьте </a:t>
+            </a:r>
+            <a:r>
+              <a:rPr lang="ru-RU" dirty="0" err="1" smtClean="0"/>
+              <a:t>тайл</a:t>
+            </a:r>
+            <a:r>
+              <a:rPr lang="ru-RU" dirty="0" smtClean="0"/>
+              <a:t> (x, y) в </a:t>
+            </a:r>
+            <a:r>
+              <a:rPr lang="en-US" dirty="0" smtClean="0"/>
+              <a:t>move</a:t>
+            </a:r>
+            <a:endParaRPr lang="ru-RU" dirty="0" smtClean="0"/>
+          </a:p>
+          <a:p>
+            <a:r>
+              <a:rPr lang="ru-RU" dirty="0" smtClean="0"/>
+              <a:t>Для каждого соседнего </a:t>
+            </a:r>
+            <a:r>
+              <a:rPr lang="ru-RU" dirty="0" err="1" smtClean="0"/>
+              <a:t>тайла</a:t>
+            </a:r>
+            <a:r>
+              <a:rPr lang="ru-RU" dirty="0" smtClean="0"/>
+              <a:t> того же цвета, </a:t>
+            </a:r>
+            <a:r>
+              <a:rPr lang="en-US" dirty="0" smtClean="0"/>
+              <a:t/>
+            </a:r>
+            <a:br>
+              <a:rPr lang="en-US" dirty="0" smtClean="0"/>
+            </a:br>
+            <a:r>
+              <a:rPr lang="ru-RU" dirty="0" smtClean="0"/>
+              <a:t>если его ещё нет в </a:t>
+            </a:r>
+            <a:r>
+              <a:rPr lang="ru-RU" dirty="0" err="1" smtClean="0"/>
+              <a:t>move</a:t>
+            </a:r>
+            <a:r>
+              <a:rPr lang="ru-RU" dirty="0" smtClean="0"/>
+              <a:t> — запустите из него рекурсивно </a:t>
+            </a:r>
+            <a:r>
+              <a:rPr lang="ru-RU" dirty="0" err="1" smtClean="0"/>
+              <a:t>dfs</a:t>
+            </a:r>
+            <a:endParaRPr lang="ru-RU" dirty="0" smtClean="0"/>
+          </a:p>
+          <a:p>
+            <a:r>
+              <a:rPr lang="ru-RU" dirty="0" smtClean="0"/>
+              <a:t>Верните </a:t>
+            </a:r>
+            <a:r>
+              <a:rPr lang="en-US" dirty="0" smtClean="0"/>
+              <a:t>move</a:t>
+            </a:r>
+            <a:endParaRPr lang="ru-RU" dirty="0" smtClean="0"/>
+          </a:p>
+          <a:p>
+            <a:endParaRPr lang="en-US" dirty="0" smtClean="0"/>
+          </a:p>
+          <a:p>
+            <a:pPr marL="0" indent="0">
+              <a:buNone/>
+            </a:pPr>
+            <a:r>
+              <a:rPr lang="en-US" dirty="0" err="1" smtClean="0">
+                <a:latin typeface="Consolas" panose="020B0609020204030204" pitchFamily="49" charset="0"/>
+              </a:rPr>
+              <a:t>def</a:t>
+            </a:r>
+            <a:r>
+              <a:rPr lang="en-US" dirty="0" smtClean="0">
+                <a:latin typeface="Consolas" panose="020B0609020204030204" pitchFamily="49" charset="0"/>
+              </a:rPr>
+              <a:t> </a:t>
+            </a:r>
+            <a:r>
+              <a:rPr lang="en-US" dirty="0" err="1" smtClean="0">
+                <a:latin typeface="Consolas" panose="020B0609020204030204" pitchFamily="49" charset="0"/>
+              </a:rPr>
+              <a:t>dfs</a:t>
+            </a:r>
+            <a:r>
+              <a:rPr lang="en-US" dirty="0" smtClean="0">
+                <a:latin typeface="Consolas" panose="020B0609020204030204" pitchFamily="49" charset="0"/>
+              </a:rPr>
+              <a:t>(self, x, y, move):</a:t>
+            </a:r>
+          </a:p>
+          <a:p>
+            <a:pPr marL="0" indent="0">
+              <a:buNone/>
+            </a:pPr>
+            <a:r>
+              <a:rPr lang="en-US" dirty="0" smtClean="0">
+                <a:latin typeface="Consolas" panose="020B0609020204030204" pitchFamily="49" charset="0"/>
+              </a:rPr>
+              <a:t>  # </a:t>
+            </a:r>
+            <a:r>
+              <a:rPr lang="ru-RU" dirty="0" smtClean="0">
+                <a:latin typeface="Consolas" panose="020B0609020204030204" pitchFamily="49" charset="0"/>
+              </a:rPr>
+              <a:t>Добавьте </a:t>
+            </a:r>
+            <a:r>
+              <a:rPr lang="ru-RU" dirty="0" err="1" smtClean="0">
+                <a:latin typeface="Consolas" panose="020B0609020204030204" pitchFamily="49" charset="0"/>
+              </a:rPr>
+              <a:t>тайл</a:t>
+            </a:r>
+            <a:r>
+              <a:rPr lang="ru-RU" dirty="0" smtClean="0">
+                <a:latin typeface="Consolas" panose="020B0609020204030204" pitchFamily="49" charset="0"/>
+              </a:rPr>
+              <a:t> (x, y) в </a:t>
+            </a:r>
+            <a:r>
+              <a:rPr lang="en-US" dirty="0" smtClean="0">
+                <a:latin typeface="Consolas" panose="020B0609020204030204" pitchFamily="49" charset="0"/>
+              </a:rPr>
+              <a:t>move</a:t>
+            </a:r>
+            <a:endParaRPr lang="ru-RU" dirty="0" smtClean="0">
+              <a:latin typeface="Consolas" panose="020B0609020204030204" pitchFamily="49" charset="0"/>
+            </a:endParaRPr>
+          </a:p>
+          <a:p>
+            <a:pPr marL="0" indent="0">
+              <a:buNone/>
+            </a:pPr>
+            <a:r>
+              <a:rPr lang="en-US" dirty="0" smtClean="0">
+                <a:latin typeface="Consolas" panose="020B0609020204030204" pitchFamily="49" charset="0"/>
+              </a:rPr>
+              <a:t>  # </a:t>
+            </a:r>
+            <a:r>
+              <a:rPr lang="ru-RU" dirty="0" smtClean="0">
+                <a:latin typeface="Consolas" panose="020B0609020204030204" pitchFamily="49" charset="0"/>
+              </a:rPr>
+              <a:t>Для каждого соседнего </a:t>
+            </a:r>
+            <a:r>
+              <a:rPr lang="ru-RU" dirty="0" err="1" smtClean="0">
+                <a:latin typeface="Consolas" panose="020B0609020204030204" pitchFamily="49" charset="0"/>
+              </a:rPr>
+              <a:t>тайла</a:t>
+            </a:r>
+            <a:r>
+              <a:rPr lang="ru-RU" dirty="0" smtClean="0">
+                <a:latin typeface="Consolas" panose="020B0609020204030204" pitchFamily="49" charset="0"/>
+              </a:rPr>
+              <a:t> (</a:t>
+            </a:r>
+            <a:r>
+              <a:rPr lang="en-US" dirty="0" err="1" smtClean="0">
+                <a:latin typeface="Consolas" panose="020B0609020204030204" pitchFamily="49" charset="0"/>
+              </a:rPr>
+              <a:t>nx</a:t>
+            </a:r>
+            <a:r>
+              <a:rPr lang="en-US" dirty="0" smtClean="0">
+                <a:latin typeface="Consolas" panose="020B0609020204030204" pitchFamily="49" charset="0"/>
+              </a:rPr>
+              <a:t>, </a:t>
+            </a:r>
+            <a:r>
+              <a:rPr lang="en-US" dirty="0" err="1" smtClean="0">
+                <a:latin typeface="Consolas" panose="020B0609020204030204" pitchFamily="49" charset="0"/>
+              </a:rPr>
+              <a:t>ny</a:t>
+            </a:r>
+            <a:r>
+              <a:rPr lang="ru-RU" dirty="0" smtClean="0">
+                <a:latin typeface="Consolas" panose="020B0609020204030204" pitchFamily="49" charset="0"/>
+              </a:rPr>
+              <a:t>) того же цвета</a:t>
+            </a:r>
+            <a:endParaRPr lang="en-US" dirty="0" smtClean="0">
+              <a:latin typeface="Consolas" panose="020B0609020204030204" pitchFamily="49" charset="0"/>
+            </a:endParaRPr>
+          </a:p>
+          <a:p>
+            <a:pPr marL="0" indent="0">
+              <a:buNone/>
+            </a:pPr>
+            <a:r>
+              <a:rPr lang="en-US" dirty="0" smtClean="0">
+                <a:latin typeface="Consolas" panose="020B0609020204030204" pitchFamily="49" charset="0"/>
+              </a:rPr>
+              <a:t>	# </a:t>
+            </a:r>
+            <a:r>
+              <a:rPr lang="ru-RU" dirty="0" smtClean="0">
+                <a:latin typeface="Consolas" panose="020B0609020204030204" pitchFamily="49" charset="0"/>
+              </a:rPr>
+              <a:t>если его ещё нет в </a:t>
+            </a:r>
+            <a:r>
+              <a:rPr lang="en-US" dirty="0" smtClean="0">
+                <a:latin typeface="Consolas" panose="020B0609020204030204" pitchFamily="49" charset="0"/>
+              </a:rPr>
+              <a:t>move</a:t>
+            </a:r>
+            <a:r>
+              <a:rPr lang="ru-RU" dirty="0" smtClean="0">
+                <a:latin typeface="Consolas" panose="020B0609020204030204" pitchFamily="49" charset="0"/>
+              </a:rPr>
+              <a:t>, то </a:t>
+            </a:r>
+            <a:endParaRPr lang="en-US" dirty="0" smtClean="0">
+              <a:latin typeface="Consolas" panose="020B0609020204030204" pitchFamily="49" charset="0"/>
+            </a:endParaRPr>
+          </a:p>
+          <a:p>
+            <a:pPr marL="0" indent="0">
+              <a:buNone/>
+            </a:pPr>
+            <a:r>
+              <a:rPr lang="en-US" dirty="0" smtClean="0">
+                <a:latin typeface="Consolas" panose="020B0609020204030204" pitchFamily="49" charset="0"/>
+              </a:rPr>
+              <a:t>    </a:t>
+            </a:r>
+            <a:r>
+              <a:rPr lang="ru-RU" dirty="0" smtClean="0">
+                <a:latin typeface="Consolas" panose="020B0609020204030204" pitchFamily="49" charset="0"/>
+              </a:rPr>
+              <a:t>		</a:t>
+            </a:r>
+            <a:r>
+              <a:rPr lang="en-US" dirty="0" err="1" smtClean="0">
+                <a:latin typeface="Consolas" panose="020B0609020204030204" pitchFamily="49" charset="0"/>
+              </a:rPr>
+              <a:t>self.dfs</a:t>
+            </a:r>
+            <a:r>
+              <a:rPr lang="en-US" dirty="0" smtClean="0">
+                <a:latin typeface="Consolas" panose="020B0609020204030204" pitchFamily="49" charset="0"/>
+              </a:rPr>
+              <a:t>(</a:t>
+            </a:r>
+            <a:r>
+              <a:rPr lang="en-US" dirty="0" err="1" smtClean="0">
+                <a:latin typeface="Consolas" panose="020B0609020204030204" pitchFamily="49" charset="0"/>
+              </a:rPr>
+              <a:t>nx</a:t>
+            </a:r>
+            <a:r>
+              <a:rPr lang="en-US" dirty="0" smtClean="0">
+                <a:latin typeface="Consolas" panose="020B0609020204030204" pitchFamily="49" charset="0"/>
+              </a:rPr>
+              <a:t>, </a:t>
+            </a:r>
+            <a:r>
+              <a:rPr lang="en-US" dirty="0" err="1" smtClean="0">
+                <a:latin typeface="Consolas" panose="020B0609020204030204" pitchFamily="49" charset="0"/>
+              </a:rPr>
+              <a:t>ny</a:t>
+            </a:r>
+            <a:r>
+              <a:rPr lang="en-US" dirty="0" smtClean="0">
+                <a:latin typeface="Consolas" panose="020B0609020204030204" pitchFamily="49" charset="0"/>
+              </a:rPr>
+              <a:t>,</a:t>
+            </a:r>
+            <a:r>
+              <a:rPr lang="ru-RU" dirty="0" smtClean="0">
+                <a:latin typeface="Consolas" panose="020B0609020204030204" pitchFamily="49" charset="0"/>
+              </a:rPr>
+              <a:t> </a:t>
+            </a:r>
+            <a:r>
+              <a:rPr lang="en-US" dirty="0" smtClean="0">
+                <a:latin typeface="Consolas" panose="020B0609020204030204" pitchFamily="49" charset="0"/>
+              </a:rPr>
+              <a:t>move</a:t>
+            </a:r>
+            <a:r>
+              <a:rPr lang="ru-RU" dirty="0" smtClean="0">
+                <a:latin typeface="Consolas" panose="020B0609020204030204" pitchFamily="49" charset="0"/>
+              </a:rPr>
+              <a:t>)</a:t>
+            </a:r>
+          </a:p>
+          <a:p>
+            <a:pPr marL="0" indent="0">
+              <a:buNone/>
+            </a:pPr>
+            <a:r>
+              <a:rPr lang="ru-RU" dirty="0" smtClean="0">
+                <a:latin typeface="Consolas" panose="020B0609020204030204" pitchFamily="49" charset="0"/>
+              </a:rPr>
+              <a:t>  </a:t>
+            </a:r>
+            <a:r>
+              <a:rPr lang="en-US" dirty="0" smtClean="0">
+                <a:latin typeface="Consolas" panose="020B0609020204030204" pitchFamily="49" charset="0"/>
+              </a:rPr>
+              <a:t>return move</a:t>
+            </a:r>
+            <a:r>
+              <a:rPr lang="en-US" dirty="0" smtClean="0">
+                <a:latin typeface="Consolas" panose="020B0609020204030204" pitchFamily="49" charset="0"/>
+              </a:rPr>
+              <a:t>	</a:t>
+            </a:r>
+            <a:endParaRPr lang="en-US" dirty="0">
+              <a:latin typeface="Consolas" panose="020B0609020204030204" pitchFamily="49" charset="0"/>
+            </a:endParaRPr>
+          </a:p>
+        </p:txBody>
+      </p:sp>
+    </p:spTree>
+    <p:extLst>
+      <p:ext uri="{BB962C8B-B14F-4D97-AF65-F5344CB8AC3E}">
+        <p14:creationId xmlns:p14="http://schemas.microsoft.com/office/powerpoint/2010/main" val="476830131"/>
+      </p:ext>
+    </p:extLst>
+  </p:cSld>
+  <p:clrMapOvr>
+    <a:masterClrMapping/>
+  </p:clrMapOvr>
+  <p:timing>
+    <p:tnLst>
+      <p:par>
+        <p:cTn id="1" dur="indefinite" restart="never" nodeType="tmRoot">
+          <p:childTnLst>
+            <p:seq concurrent="1" nextAc="seek">
+              <p:cTn id="2" dur="indefinite" nodeType="mainSeq">
+                <p:childTnLst>
+                  <p:par>
+                    <p:cTn id="3" fill="hold">
+                      <p:stCondLst>
+                        <p:cond delay="indefinite"/>
+                      </p:stCondLst>
+                      <p:childTnLst>
+                        <p:par>
+                          <p:cTn id="4" fill="hold">
+                            <p:stCondLst>
+                              <p:cond delay="0"/>
+                            </p:stCondLst>
+                            <p:childTnLst>
+                              <p:par>
+                                <p:cTn id="5" presetID="1" presetClass="entr" presetSubtype="0" fill="hold" nodeType="clickEffect">
+                                  <p:stCondLst>
+                                    <p:cond delay="0"/>
+                                  </p:stCondLst>
+                                  <p:childTnLst>
+                                    <p:set>
+                                      <p:cBhvr>
+                                        <p:cTn id="6" dur="1" fill="hold">
                                           <p:stCondLst>
                                             <p:cond delay="0"/>
                                           </p:stCondLst>
@@ -3756,33 +5880,15 @@
                                   </p:childTnLst>
                                 </p:cTn>
                               </p:par>
-                            </p:childTnLst>
-                          </p:cTn>
-                        </p:par>
-                      </p:childTnLst>
-                    </p:cTn>
-                  </p:par>
-                  <p:par>
-                    <p:cTn id="17" fill="hold">
-                      <p:stCondLst>
-                        <p:cond delay="indefinite"/>
-                      </p:stCondLst>
-                      <p:childTnLst>
-                        <p:par>
-                          <p:cTn id="18" fill="hold">
-                            <p:stCondLst>
-                              <p:cond delay="0"/>
-                            </p:stCondLst>
-                            <p:childTnLst>
                               <p:par>
-                                <p:cTn id="19" presetID="1" presetClass="entr" presetSubtype="0" fill="hold" grpId="0" nodeType="clickEffect">
+                                <p:cTn id="7" presetID="1" presetClass="entr" presetSubtype="0" fill="hold" nodeType="withEffect">
                                   <p:stCondLst>
                                     <p:cond delay="0"/>
                                   </p:stCondLst>
                                   <p:childTnLst>
                                     <p:set>
                                       <p:cBhvr>
-                                        <p:cTn id="20" dur="1" fill="hold">
+                                        <p:cTn id="8" dur="1" fill="hold">
                                           <p:stCondLst>
                                             <p:cond delay="0"/>
                                           </p:stCondLst>
@@ -3791,6 +5897,130 @@
                                           <p:spTgt spid="3">
                                             <p:txEl>
                                               <p:pRg st="5" end="5"/>
+                                            </p:txEl>
+                                          </p:spTgt>
+                                        </p:tgtEl>
+                                        <p:attrNameLst>
+                                          <p:attrName>style.visibility</p:attrName>
+                                        </p:attrNameLst>
+                                      </p:cBhvr>
+                                      <p:to>
+                                        <p:strVal val="visible"/>
+                                      </p:to>
+                                    </p:set>
+                                  </p:childTnLst>
+                                </p:cTn>
+                              </p:par>
+                              <p:par>
+                                <p:cTn id="9" presetID="1" presetClass="entr" presetSubtype="0" fill="hold" nodeType="withEffect">
+                                  <p:stCondLst>
+                                    <p:cond delay="0"/>
+                                  </p:stCondLst>
+                                  <p:childTnLst>
+                                    <p:set>
+                                      <p:cBhvr>
+                                        <p:cTn id="10" dur="1" fill="hold">
+                                          <p:stCondLst>
+                                            <p:cond delay="0"/>
+                                          </p:stCondLst>
+                                        </p:cTn>
+                                        <p:tgtEl>
+                                          <p:spTgt spid="3">
+                                            <p:txEl>
+                                              <p:pRg st="6" end="6"/>
+                                            </p:txEl>
+                                          </p:spTgt>
+                                        </p:tgtEl>
+                                        <p:attrNameLst>
+                                          <p:attrName>style.visibility</p:attrName>
+                                        </p:attrNameLst>
+                                      </p:cBhvr>
+                                      <p:to>
+                                        <p:strVal val="visible"/>
+                                      </p:to>
+                                    </p:set>
+                                  </p:childTnLst>
+                                </p:cTn>
+                              </p:par>
+                              <p:par>
+                                <p:cTn id="11" presetID="1" presetClass="entr" presetSubtype="0" fill="hold" nodeType="withEffect">
+                                  <p:stCondLst>
+                                    <p:cond delay="0"/>
+                                  </p:stCondLst>
+                                  <p:childTnLst>
+                                    <p:set>
+                                      <p:cBhvr>
+                                        <p:cTn id="12" dur="1" fill="hold">
+                                          <p:stCondLst>
+                                            <p:cond delay="0"/>
+                                          </p:stCondLst>
+                                        </p:cTn>
+                                        <p:tgtEl>
+                                          <p:spTgt spid="3">
+                                            <p:txEl>
+                                              <p:pRg st="7" end="7"/>
+                                            </p:txEl>
+                                          </p:spTgt>
+                                        </p:tgtEl>
+                                        <p:attrNameLst>
+                                          <p:attrName>style.visibility</p:attrName>
+                                        </p:attrNameLst>
+                                      </p:cBhvr>
+                                      <p:to>
+                                        <p:strVal val="visible"/>
+                                      </p:to>
+                                    </p:set>
+                                  </p:childTnLst>
+                                </p:cTn>
+                              </p:par>
+                              <p:par>
+                                <p:cTn id="13" presetID="1" presetClass="entr" presetSubtype="0" fill="hold" nodeType="withEffect">
+                                  <p:stCondLst>
+                                    <p:cond delay="0"/>
+                                  </p:stCondLst>
+                                  <p:childTnLst>
+                                    <p:set>
+                                      <p:cBhvr>
+                                        <p:cTn id="14" dur="1" fill="hold">
+                                          <p:stCondLst>
+                                            <p:cond delay="0"/>
+                                          </p:stCondLst>
+                                        </p:cTn>
+                                        <p:tgtEl>
+                                          <p:spTgt spid="3">
+                                            <p:txEl>
+                                              <p:pRg st="8" end="8"/>
+                                            </p:txEl>
+                                          </p:spTgt>
+                                        </p:tgtEl>
+                                        <p:attrNameLst>
+                                          <p:attrName>style.visibility</p:attrName>
+                                        </p:attrNameLst>
+                                      </p:cBhvr>
+                                      <p:to>
+                                        <p:strVal val="visible"/>
+                                      </p:to>
+                                    </p:set>
+                                  </p:childTnLst>
+                                </p:cTn>
+                              </p:par>
+                              <p:par>
+                                <p:cTn id="15" presetID="1" presetClass="entr" presetSubtype="0" fill="hold" nodeType="withEffect">
+                                  <p:stCondLst>
+                                    <p:cond delay="0"/>
+                                  </p:stCondLst>
+                                  <p:childTnLst>
+                                    <p:set>
+                                      <p:cBhvr>
+                                        <p:cTn id="16" dur="1" fill="hold">
+                                          <p:stCondLst>
+                                            <p:cond delay="0"/>
+                                          </p:stCondLst>
+                                        </p:cTn>
+                                        <p:tgtEl>
+                                          <p:spTgt spid="3">
+                                            <p:txEl>
+                                              <p:pRg st="9" end="9"/>
                                             </p:txEl>
                                           </p:spTgt>
                                         </p:tgtEl>
@@ -3832,14 +6062,11 @@
         </p:cTn>
       </p:par>
     </p:tnLst>
-    <p:bldLst>
-      <p:bldP spid="3" grpId="0" build="p"/>
-    </p:bldLst>
   </p:timing>
 </p:sld>
 </file>
 
-<file path=ppt/slides/slide12.xml><?xml version="1.0" encoding="utf-8"?>
+<file path=ppt/slides/slide16.xml><?xml version="1.0" encoding="utf-8"?>
 <p:sld xmlns:a="http://schemas.openxmlformats.org/drawingml/2006/main" xmlns:r="http://schemas.openxmlformats.org/officeDocument/2006/relationships" xmlns:p="http://schemas.openxmlformats.org/presentationml/2006/main">
   <p:cSld>
     <p:spTree>
@@ -3872,9 +6099,14 @@
           <a:lstStyle/>
           <a:p>
             <a:r>
-              <a:rPr lang="ru-RU" dirty="0"/>
-              <a:t>Получение списка ходов</a:t>
-            </a:r>
+              <a:rPr lang="ru-RU" smtClean="0"/>
+              <a:t>Как использовать</a:t>
+            </a:r>
+            <a:r>
+              <a:rPr lang="en-US" smtClean="0"/>
+              <a:t> dfs?</a:t>
+            </a:r>
+            <a:endParaRPr lang="ru-RU" dirty="0"/>
           </a:p>
         </p:txBody>
       </p:sp>
@@ -3893,44 +6125,310 @@
           <a:bodyPr/>
           <a:lstStyle/>
           <a:p>
-            <a:r>
-              <a:rPr lang="ru-RU" dirty="0" smtClean="0"/>
-              <a:t>Обход одноцветной области из </a:t>
-            </a:r>
-            <a:r>
-              <a:rPr lang="ru-RU" dirty="0" smtClean="0"/>
-              <a:t>каждой, ещё не посещённой точки</a:t>
-            </a:r>
+            <a:pPr marL="0" indent="0">
+              <a:buNone/>
+            </a:pPr>
+            <a:r>
+              <a:rPr lang="en-US" dirty="0" smtClean="0">
+                <a:solidFill>
+                  <a:schemeClr val="accent2"/>
+                </a:solidFill>
+                <a:latin typeface="Consolas" panose="020B0609020204030204" pitchFamily="49" charset="0"/>
+              </a:rPr>
+              <a:t>move = </a:t>
+            </a:r>
+            <a:r>
+              <a:rPr lang="en-US" dirty="0" err="1" smtClean="0">
+                <a:solidFill>
+                  <a:schemeClr val="accent2"/>
+                </a:solidFill>
+                <a:latin typeface="Consolas" panose="020B0609020204030204" pitchFamily="49" charset="0"/>
+              </a:rPr>
+              <a:t>self.dfs</a:t>
+            </a:r>
+            <a:r>
+              <a:rPr lang="en-US" dirty="0" smtClean="0">
+                <a:solidFill>
+                  <a:schemeClr val="accent2"/>
+                </a:solidFill>
+                <a:latin typeface="Consolas" panose="020B0609020204030204" pitchFamily="49" charset="0"/>
+              </a:rPr>
+              <a:t>(x, y, [])</a:t>
+            </a:r>
+            <a:endParaRPr lang="ru-RU" dirty="0" smtClean="0">
+              <a:solidFill>
+                <a:schemeClr val="accent2"/>
+              </a:solidFill>
+              <a:latin typeface="Consolas" panose="020B0609020204030204" pitchFamily="49" charset="0"/>
+            </a:endParaRPr>
+          </a:p>
+          <a:p>
+            <a:endParaRPr lang="ru-RU" dirty="0" smtClean="0"/>
+          </a:p>
+          <a:p>
+            <a:endParaRPr lang="ru-RU" dirty="0" smtClean="0"/>
+          </a:p>
+          <a:p>
             <a:endParaRPr lang="en-US" dirty="0" smtClean="0"/>
           </a:p>
           <a:p>
-            <a:r>
-              <a:rPr lang="ru-RU" dirty="0" smtClean="0"/>
-              <a:t>Как представлять ход?</a:t>
-            </a:r>
             <a:endParaRPr lang="en-US" dirty="0" smtClean="0"/>
           </a:p>
           <a:p>
-            <a:pPr lvl="1"/>
-            <a:r>
-              <a:rPr lang="ru-RU" dirty="0" smtClean="0"/>
-              <a:t>ход — это список координат</a:t>
-            </a:r>
-            <a:endParaRPr lang="en-US" dirty="0" smtClean="0"/>
-          </a:p>
-          <a:p>
-            <a:pPr lvl="1">
-              <a:buFont typeface="+mj-lt"/>
-              <a:buAutoNum type="arabicPeriod"/>
+            <a:pPr marL="0" indent="0">
+              <a:buNone/>
             </a:pPr>
-            <a:endParaRPr lang="ru-RU" dirty="0" smtClean="0"/>
+            <a:r>
+              <a:rPr lang="en-US" dirty="0" err="1" smtClean="0">
+                <a:latin typeface="Consolas" panose="020B0609020204030204" pitchFamily="49" charset="0"/>
+              </a:rPr>
+              <a:t>def</a:t>
+            </a:r>
+            <a:r>
+              <a:rPr lang="en-US" dirty="0" smtClean="0">
+                <a:latin typeface="Consolas" panose="020B0609020204030204" pitchFamily="49" charset="0"/>
+              </a:rPr>
+              <a:t> </a:t>
+            </a:r>
+            <a:r>
+              <a:rPr lang="en-US" dirty="0" err="1" smtClean="0">
+                <a:latin typeface="Consolas" panose="020B0609020204030204" pitchFamily="49" charset="0"/>
+              </a:rPr>
+              <a:t>dfs</a:t>
+            </a:r>
+            <a:r>
+              <a:rPr lang="en-US" dirty="0" smtClean="0">
+                <a:latin typeface="Consolas" panose="020B0609020204030204" pitchFamily="49" charset="0"/>
+              </a:rPr>
+              <a:t>(self, x, y, move):</a:t>
+            </a:r>
+          </a:p>
+          <a:p>
+            <a:pPr marL="0" indent="0">
+              <a:buNone/>
+            </a:pPr>
+            <a:r>
+              <a:rPr lang="en-US" dirty="0" smtClean="0">
+                <a:latin typeface="Consolas" panose="020B0609020204030204" pitchFamily="49" charset="0"/>
+              </a:rPr>
+              <a:t>  # </a:t>
+            </a:r>
+            <a:r>
+              <a:rPr lang="ru-RU" dirty="0" smtClean="0">
+                <a:latin typeface="Consolas" panose="020B0609020204030204" pitchFamily="49" charset="0"/>
+              </a:rPr>
+              <a:t>Добавьте </a:t>
+            </a:r>
+            <a:r>
+              <a:rPr lang="ru-RU" dirty="0" err="1" smtClean="0">
+                <a:latin typeface="Consolas" panose="020B0609020204030204" pitchFamily="49" charset="0"/>
+              </a:rPr>
+              <a:t>тайл</a:t>
+            </a:r>
+            <a:r>
+              <a:rPr lang="ru-RU" dirty="0" smtClean="0">
+                <a:latin typeface="Consolas" panose="020B0609020204030204" pitchFamily="49" charset="0"/>
+              </a:rPr>
+              <a:t> (x, y) в </a:t>
+            </a:r>
+            <a:r>
+              <a:rPr lang="en-US" dirty="0" smtClean="0">
+                <a:latin typeface="Consolas" panose="020B0609020204030204" pitchFamily="49" charset="0"/>
+              </a:rPr>
+              <a:t>move</a:t>
+            </a:r>
+            <a:endParaRPr lang="ru-RU" dirty="0" smtClean="0">
+              <a:latin typeface="Consolas" panose="020B0609020204030204" pitchFamily="49" charset="0"/>
+            </a:endParaRPr>
+          </a:p>
+          <a:p>
+            <a:pPr marL="0" indent="0">
+              <a:buNone/>
+            </a:pPr>
+            <a:r>
+              <a:rPr lang="en-US" dirty="0" smtClean="0">
+                <a:latin typeface="Consolas" panose="020B0609020204030204" pitchFamily="49" charset="0"/>
+              </a:rPr>
+              <a:t>  # </a:t>
+            </a:r>
+            <a:r>
+              <a:rPr lang="ru-RU" dirty="0" smtClean="0">
+                <a:latin typeface="Consolas" panose="020B0609020204030204" pitchFamily="49" charset="0"/>
+              </a:rPr>
+              <a:t>Для каждого соседнего </a:t>
+            </a:r>
+            <a:r>
+              <a:rPr lang="ru-RU" dirty="0" err="1" smtClean="0">
+                <a:latin typeface="Consolas" panose="020B0609020204030204" pitchFamily="49" charset="0"/>
+              </a:rPr>
+              <a:t>тайла</a:t>
+            </a:r>
+            <a:r>
+              <a:rPr lang="ru-RU" dirty="0" smtClean="0">
+                <a:latin typeface="Consolas" panose="020B0609020204030204" pitchFamily="49" charset="0"/>
+              </a:rPr>
+              <a:t> (</a:t>
+            </a:r>
+            <a:r>
+              <a:rPr lang="en-US" dirty="0" err="1" smtClean="0">
+                <a:latin typeface="Consolas" panose="020B0609020204030204" pitchFamily="49" charset="0"/>
+              </a:rPr>
+              <a:t>nx</a:t>
+            </a:r>
+            <a:r>
+              <a:rPr lang="en-US" dirty="0" smtClean="0">
+                <a:latin typeface="Consolas" panose="020B0609020204030204" pitchFamily="49" charset="0"/>
+              </a:rPr>
+              <a:t>, </a:t>
+            </a:r>
+            <a:r>
+              <a:rPr lang="en-US" dirty="0" err="1" smtClean="0">
+                <a:latin typeface="Consolas" panose="020B0609020204030204" pitchFamily="49" charset="0"/>
+              </a:rPr>
+              <a:t>ny</a:t>
+            </a:r>
+            <a:r>
+              <a:rPr lang="ru-RU" dirty="0" smtClean="0">
+                <a:latin typeface="Consolas" panose="020B0609020204030204" pitchFamily="49" charset="0"/>
+              </a:rPr>
+              <a:t>) того же цвета</a:t>
+            </a:r>
+            <a:endParaRPr lang="en-US" dirty="0" smtClean="0">
+              <a:latin typeface="Consolas" panose="020B0609020204030204" pitchFamily="49" charset="0"/>
+            </a:endParaRPr>
+          </a:p>
+          <a:p>
+            <a:pPr marL="0" indent="0">
+              <a:buNone/>
+            </a:pPr>
+            <a:r>
+              <a:rPr lang="en-US" dirty="0" smtClean="0">
+                <a:latin typeface="Consolas" panose="020B0609020204030204" pitchFamily="49" charset="0"/>
+              </a:rPr>
+              <a:t>	# </a:t>
+            </a:r>
+            <a:r>
+              <a:rPr lang="ru-RU" dirty="0" smtClean="0">
+                <a:latin typeface="Consolas" panose="020B0609020204030204" pitchFamily="49" charset="0"/>
+              </a:rPr>
+              <a:t>если его ещё нет в </a:t>
+            </a:r>
+            <a:r>
+              <a:rPr lang="en-US" dirty="0" smtClean="0">
+                <a:latin typeface="Consolas" panose="020B0609020204030204" pitchFamily="49" charset="0"/>
+              </a:rPr>
+              <a:t>move</a:t>
+            </a:r>
+            <a:r>
+              <a:rPr lang="ru-RU" dirty="0" smtClean="0">
+                <a:latin typeface="Consolas" panose="020B0609020204030204" pitchFamily="49" charset="0"/>
+              </a:rPr>
+              <a:t>, то </a:t>
+            </a:r>
+            <a:endParaRPr lang="en-US" dirty="0" smtClean="0">
+              <a:latin typeface="Consolas" panose="020B0609020204030204" pitchFamily="49" charset="0"/>
+            </a:endParaRPr>
+          </a:p>
+          <a:p>
+            <a:pPr marL="0" indent="0">
+              <a:buNone/>
+            </a:pPr>
+            <a:r>
+              <a:rPr lang="en-US" dirty="0" smtClean="0">
+                <a:latin typeface="Consolas" panose="020B0609020204030204" pitchFamily="49" charset="0"/>
+              </a:rPr>
+              <a:t>    </a:t>
+            </a:r>
+            <a:r>
+              <a:rPr lang="ru-RU" dirty="0" smtClean="0">
+                <a:latin typeface="Consolas" panose="020B0609020204030204" pitchFamily="49" charset="0"/>
+              </a:rPr>
+              <a:t>		</a:t>
+            </a:r>
+            <a:r>
+              <a:rPr lang="en-US" dirty="0" err="1" smtClean="0">
+                <a:latin typeface="Consolas" panose="020B0609020204030204" pitchFamily="49" charset="0"/>
+              </a:rPr>
+              <a:t>self.dfs</a:t>
+            </a:r>
+            <a:r>
+              <a:rPr lang="en-US" dirty="0" smtClean="0">
+                <a:latin typeface="Consolas" panose="020B0609020204030204" pitchFamily="49" charset="0"/>
+              </a:rPr>
+              <a:t>(</a:t>
+            </a:r>
+            <a:r>
+              <a:rPr lang="en-US" dirty="0" err="1" smtClean="0">
+                <a:latin typeface="Consolas" panose="020B0609020204030204" pitchFamily="49" charset="0"/>
+              </a:rPr>
+              <a:t>nx</a:t>
+            </a:r>
+            <a:r>
+              <a:rPr lang="en-US" dirty="0" smtClean="0">
+                <a:latin typeface="Consolas" panose="020B0609020204030204" pitchFamily="49" charset="0"/>
+              </a:rPr>
+              <a:t>, </a:t>
+            </a:r>
+            <a:r>
+              <a:rPr lang="en-US" dirty="0" err="1" smtClean="0">
+                <a:latin typeface="Consolas" panose="020B0609020204030204" pitchFamily="49" charset="0"/>
+              </a:rPr>
+              <a:t>ny</a:t>
+            </a:r>
+            <a:r>
+              <a:rPr lang="en-US" dirty="0" smtClean="0">
+                <a:latin typeface="Consolas" panose="020B0609020204030204" pitchFamily="49" charset="0"/>
+              </a:rPr>
+              <a:t>,</a:t>
+            </a:r>
+            <a:r>
+              <a:rPr lang="ru-RU" dirty="0" smtClean="0">
+                <a:latin typeface="Consolas" panose="020B0609020204030204" pitchFamily="49" charset="0"/>
+              </a:rPr>
+              <a:t> </a:t>
+            </a:r>
+            <a:r>
+              <a:rPr lang="en-US" dirty="0" smtClean="0">
+                <a:latin typeface="Consolas" panose="020B0609020204030204" pitchFamily="49" charset="0"/>
+              </a:rPr>
+              <a:t>move</a:t>
+            </a:r>
+            <a:r>
+              <a:rPr lang="ru-RU" dirty="0" smtClean="0">
+                <a:latin typeface="Consolas" panose="020B0609020204030204" pitchFamily="49" charset="0"/>
+              </a:rPr>
+              <a:t>)</a:t>
+            </a:r>
+          </a:p>
+          <a:p>
+            <a:pPr marL="0" indent="0">
+              <a:buNone/>
+            </a:pPr>
+            <a:r>
+              <a:rPr lang="ru-RU" dirty="0" smtClean="0">
+                <a:latin typeface="Consolas" panose="020B0609020204030204" pitchFamily="49" charset="0"/>
+              </a:rPr>
+              <a:t>  </a:t>
+            </a:r>
+            <a:r>
+              <a:rPr lang="en-US" dirty="0" smtClean="0">
+                <a:latin typeface="Consolas" panose="020B0609020204030204" pitchFamily="49" charset="0"/>
+              </a:rPr>
+              <a:t>return move</a:t>
+            </a:r>
+            <a:r>
+              <a:rPr lang="en-US" dirty="0" smtClean="0">
+                <a:latin typeface="Consolas" panose="020B0609020204030204" pitchFamily="49" charset="0"/>
+              </a:rPr>
+              <a:t>	</a:t>
+            </a:r>
           </a:p>
         </p:txBody>
       </p:sp>
     </p:spTree>
     <p:extLst>
       <p:ext uri="{BB962C8B-B14F-4D97-AF65-F5344CB8AC3E}">
-        <p14:creationId xmlns:p14="http://schemas.microsoft.com/office/powerpoint/2010/main" val="4002235888"/>
+        <p14:creationId xmlns:p14="http://schemas.microsoft.com/office/powerpoint/2010/main" val="3187440522"/>
       </p:ext>
     </p:extLst>
   </p:cSld>
@@ -3940,85 +6438,14 @@
   <p:timing>
     <p:tnLst>
       <p:par>
-        <p:cTn id="1" dur="indefinite" restart="never" nodeType="tmRoot">
-          <p:childTnLst>
-            <p:seq concurrent="1" nextAc="seek">
-              <p:cTn id="2" dur="indefinite" nodeType="mainSeq">
-                <p:childTnLst>
-                  <p:par>
-                    <p:cTn id="3" fill="hold">
-                      <p:stCondLst>
-                        <p:cond delay="indefinite"/>
-                      </p:stCondLst>
-                      <p:childTnLst>
-                        <p:par>
-                          <p:cTn id="4" fill="hold">
-                            <p:stCondLst>
-                              <p:cond delay="0"/>
-                            </p:stCondLst>
-                            <p:childTnLst>
-                              <p:par>
-                                <p:cTn id="5" presetID="1" presetClass="entr" presetSubtype="0" fill="hold" grpId="0" nodeType="clickEffect">
-                                  <p:stCondLst>
-                                    <p:cond delay="0"/>
-                                  </p:stCondLst>
-                                  <p:childTnLst>
-                                    <p:set>
-                                      <p:cBhvr>
-                                        <p:cTn id="6" dur="1" fill="hold">
-                                          <p:stCondLst>
-                                            <p:cond delay="0"/>
-                                          </p:stCondLst>
-                                        </p:cTn>
-                                        <p:tgtEl>
-                                          <p:spTgt spid="3"/>
-                                        </p:tgtEl>
-                                        <p:attrNameLst>
-                                          <p:attrName>style.visibility</p:attrName>
-                                        </p:attrNameLst>
-                                      </p:cBhvr>
-                                      <p:to>
-                                        <p:strVal val="visible"/>
-                                      </p:to>
-                                    </p:set>
-                                  </p:childTnLst>
-                                </p:cTn>
-                              </p:par>
-                            </p:childTnLst>
-                          </p:cTn>
-                        </p:par>
-                      </p:childTnLst>
-                    </p:cTn>
-                  </p:par>
-                </p:childTnLst>
-              </p:cTn>
-              <p:prevCondLst>
-                <p:cond evt="onPrev" delay="0">
-                  <p:tgtEl>
-                    <p:sldTgt/>
-                  </p:tgtEl>
-                </p:cond>
-              </p:prevCondLst>
-              <p:nextCondLst>
-                <p:cond evt="onNext" delay="0">
-                  <p:tgtEl>
-                    <p:sldTgt/>
-                  </p:tgtEl>
-                </p:cond>
-              </p:nextCondLst>
-            </p:seq>
-          </p:childTnLst>
-        </p:cTn>
+        <p:cTn id="1" dur="indefinite" restart="never" nodeType="tmRoot"/>
       </p:par>
     </p:tnLst>
-    <p:bldLst>
-      <p:bldP spid="3" grpId="0"/>
-    </p:bldLst>
   </p:timing>
 </p:sld>
 </file>
 
-<file path=ppt/slides/slide13.xml><?xml version="1.0" encoding="utf-8"?>
+<file path=ppt/slides/slide17.xml><?xml version="1.0" encoding="utf-8"?>
 <p:sld xmlns:a="http://schemas.openxmlformats.org/drawingml/2006/main" xmlns:r="http://schemas.openxmlformats.org/officeDocument/2006/relationships" xmlns:p="http://schemas.openxmlformats.org/presentationml/2006/main">
   <p:cSld>
     <p:spTree>
@@ -4051,222 +6478,43 @@
           <a:lstStyle/>
           <a:p>
             <a:r>
-              <a:rPr lang="en-US" dirty="0"/>
-              <a:t>D</a:t>
-            </a:r>
-            <a:r>
-              <a:rPr lang="en-US" dirty="0" smtClean="0"/>
-              <a:t>FS</a:t>
+              <a:rPr lang="ru-RU" smtClean="0"/>
+              <a:t>Получение списка ходов</a:t>
             </a:r>
             <a:endParaRPr lang="ru-RU" dirty="0"/>
           </a:p>
         </p:txBody>
       </p:sp>
-      <p:sp>
-        <p:nvSpPr>
-          <p:cNvPr id="3" name="Объект 2"/>
-          <p:cNvSpPr>
-            <a:spLocks noGrp="1"/>
-          </p:cNvSpPr>
+      <p:pic>
+        <p:nvPicPr>
+          <p:cNvPr id="9" name="Объект 8"/>
+          <p:cNvPicPr>
+            <a:picLocks noGrp="1" noChangeAspect="1"/>
+          </p:cNvPicPr>
           <p:nvPr>
             <p:ph idx="1"/>
           </p:nvPr>
-        </p:nvSpPr>
-        <p:spPr/>
-        <p:txBody>
-          <a:bodyPr/>
-          <a:lstStyle/>
-          <a:p>
-            <a:pPr>
-              <a:buAutoNum type="arabicPeriod"/>
-            </a:pPr>
-            <a:r>
-              <a:rPr lang="ru-RU" dirty="0" smtClean="0"/>
-              <a:t>Пометить клетку как использованную, добавить ее в "ход"</a:t>
-            </a:r>
-          </a:p>
-          <a:p>
-            <a:pPr>
-              <a:buAutoNum type="arabicPeriod"/>
-            </a:pPr>
-            <a:r>
-              <a:rPr lang="ru-RU" dirty="0" smtClean="0"/>
-              <a:t>Перебрать все не использованные соседние клетки того же цвета</a:t>
-            </a:r>
-            <a:endParaRPr lang="en-US" dirty="0" smtClean="0"/>
-          </a:p>
-          <a:p>
-            <a:pPr lvl="1">
-              <a:buAutoNum type="arabicPeriod"/>
-            </a:pPr>
-            <a:r>
-              <a:rPr lang="ru-RU" dirty="0" smtClean="0"/>
-              <a:t>Запустить рекурсивно </a:t>
-            </a:r>
-            <a:r>
-              <a:rPr lang="en-US" dirty="0" smtClean="0"/>
-              <a:t>DFS</a:t>
-            </a:r>
-            <a:r>
-              <a:rPr lang="ru-RU" dirty="0" smtClean="0"/>
-              <a:t> из каждой такой соседней клетки</a:t>
-            </a:r>
-            <a:endParaRPr lang="en-US" dirty="0" smtClean="0"/>
-          </a:p>
-          <a:p>
-            <a:pPr marL="0" indent="0">
-              <a:buNone/>
-            </a:pPr>
-            <a:endParaRPr lang="en-US" dirty="0"/>
-          </a:p>
-          <a:p>
-            <a:pPr marL="0" indent="0">
-              <a:buNone/>
-            </a:pPr>
-            <a:r>
-              <a:rPr lang="en-US" dirty="0" err="1" smtClean="0"/>
-              <a:t>def</a:t>
-            </a:r>
-            <a:r>
-              <a:rPr lang="en-US" dirty="0" smtClean="0"/>
-              <a:t> </a:t>
-            </a:r>
-            <a:r>
-              <a:rPr lang="en-US" dirty="0" err="1" smtClean="0"/>
-              <a:t>dfs</a:t>
-            </a:r>
-            <a:r>
-              <a:rPr lang="en-US" dirty="0" smtClean="0"/>
-              <a:t>(self, x, y, used, </a:t>
-            </a:r>
-            <a:r>
-              <a:rPr lang="en-US" dirty="0" err="1" smtClean="0"/>
-              <a:t>move_cells</a:t>
-            </a:r>
-            <a:r>
-              <a:rPr lang="en-US" dirty="0" smtClean="0"/>
-              <a:t>):</a:t>
-            </a:r>
-          </a:p>
-          <a:p>
-            <a:pPr marL="0" indent="0">
-              <a:buNone/>
-            </a:pPr>
-            <a:r>
-              <a:rPr lang="en-US" dirty="0" smtClean="0"/>
-              <a:t>  # </a:t>
-            </a:r>
-            <a:r>
-              <a:rPr lang="ru-RU" dirty="0" smtClean="0"/>
-              <a:t>пометить </a:t>
-            </a:r>
-            <a:r>
-              <a:rPr lang="en-US" dirty="0" smtClean="0"/>
-              <a:t>(x, y) </a:t>
-            </a:r>
-            <a:r>
-              <a:rPr lang="ru-RU" dirty="0" smtClean="0"/>
-              <a:t>как использованную</a:t>
-            </a:r>
-          </a:p>
-          <a:p>
-            <a:pPr marL="0" indent="0">
-              <a:buNone/>
-            </a:pPr>
-            <a:r>
-              <a:rPr lang="ru-RU" dirty="0"/>
-              <a:t> </a:t>
-            </a:r>
-            <a:r>
-              <a:rPr lang="ru-RU" dirty="0" smtClean="0"/>
-              <a:t> </a:t>
-            </a:r>
-            <a:r>
-              <a:rPr lang="en-US" dirty="0" smtClean="0"/>
-              <a:t># </a:t>
-            </a:r>
-            <a:r>
-              <a:rPr lang="ru-RU" dirty="0" smtClean="0"/>
-              <a:t>для всех не использованных соседей того же цвета </a:t>
-            </a:r>
-            <a:r>
-              <a:rPr lang="en-US" dirty="0" smtClean="0"/>
-              <a:t>(</a:t>
-            </a:r>
-            <a:r>
-              <a:rPr lang="en-US" dirty="0" err="1" smtClean="0"/>
-              <a:t>nx</a:t>
-            </a:r>
-            <a:r>
-              <a:rPr lang="en-US" dirty="0" smtClean="0"/>
-              <a:t>, </a:t>
-            </a:r>
-            <a:r>
-              <a:rPr lang="en-US" dirty="0" err="1" smtClean="0"/>
-              <a:t>ny</a:t>
-            </a:r>
-            <a:r>
-              <a:rPr lang="en-US" dirty="0" smtClean="0"/>
-              <a:t>)</a:t>
-            </a:r>
-          </a:p>
-          <a:p>
-            <a:pPr marL="0" indent="0">
-              <a:buNone/>
-            </a:pPr>
-            <a:r>
-              <a:rPr lang="en-US" dirty="0"/>
-              <a:t> </a:t>
-            </a:r>
-            <a:r>
-              <a:rPr lang="en-US" dirty="0" smtClean="0"/>
-              <a:t>   </a:t>
-            </a:r>
-            <a:r>
-              <a:rPr lang="en-US" dirty="0" err="1" smtClean="0"/>
-              <a:t>self.dfs</a:t>
-            </a:r>
-            <a:r>
-              <a:rPr lang="en-US" dirty="0" smtClean="0"/>
-              <a:t>(</a:t>
-            </a:r>
-            <a:r>
-              <a:rPr lang="en-US" dirty="0" err="1" smtClean="0"/>
-              <a:t>nx</a:t>
-            </a:r>
-            <a:r>
-              <a:rPr lang="en-US" dirty="0" smtClean="0"/>
-              <a:t>, </a:t>
-            </a:r>
-            <a:r>
-              <a:rPr lang="en-US" dirty="0" err="1" smtClean="0"/>
-              <a:t>ny</a:t>
-            </a:r>
-            <a:r>
-              <a:rPr lang="en-US" dirty="0" smtClean="0"/>
-              <a:t>, used, </a:t>
-            </a:r>
-            <a:r>
-              <a:rPr lang="en-US" dirty="0" err="1" smtClean="0"/>
-              <a:t>move_cells</a:t>
-            </a:r>
-            <a:endParaRPr lang="ru-RU" dirty="0" smtClean="0"/>
-          </a:p>
-          <a:p>
-            <a:pPr marL="609600" lvl="1" indent="0">
-              <a:buNone/>
-            </a:pPr>
-            <a:r>
-              <a:rPr lang="en-US" dirty="0"/>
-              <a:t>	</a:t>
-            </a:r>
-          </a:p>
-        </p:txBody>
-      </p:sp>
+        </p:nvPicPr>
+        <p:blipFill>
+          <a:blip r:embed="rId2"/>
+          <a:stretch>
+            <a:fillRect/>
+          </a:stretch>
+        </p:blipFill>
+        <p:spPr>
+          <a:xfrm>
+            <a:off x="623887" y="1651667"/>
+            <a:ext cx="8159709" cy="8168049"/>
+          </a:xfrm>
+          <a:prstGeom prst="rect">
+            <a:avLst/>
+          </a:prstGeom>
+        </p:spPr>
+      </p:pic>
     </p:spTree>
     <p:extLst>
       <p:ext uri="{BB962C8B-B14F-4D97-AF65-F5344CB8AC3E}">
-        <p14:creationId xmlns:p14="http://schemas.microsoft.com/office/powerpoint/2010/main" val="476830131"/>
+        <p14:creationId xmlns:p14="http://schemas.microsoft.com/office/powerpoint/2010/main" val="2380811850"/>
       </p:ext>
     </p:extLst>
   </p:cSld>
@@ -4283,7 +6531,7 @@
 </p:sld>
 </file>
 
-<file path=ppt/slides/slide14.xml><?xml version="1.0" encoding="utf-8"?>
+<file path=ppt/slides/slide18.xml><?xml version="1.0" encoding="utf-8"?>
 <p:sld xmlns:a="http://schemas.openxmlformats.org/drawingml/2006/main" xmlns:r="http://schemas.openxmlformats.org/officeDocument/2006/relationships" xmlns:p="http://schemas.openxmlformats.org/presentationml/2006/main">
   <p:cSld>
     <p:spTree>
@@ -4316,15 +6564,16 @@
           <a:lstStyle/>
           <a:p>
             <a:r>
-              <a:rPr lang="ru-RU" dirty="0"/>
+              <a:rPr lang="ru-RU" smtClean="0"/>
               <a:t>Получение списка ходов</a:t>
             </a:r>
+            <a:endParaRPr lang="ru-RU" dirty="0"/>
           </a:p>
         </p:txBody>
       </p:sp>
       <p:sp>
         <p:nvSpPr>
-          <p:cNvPr id="3" name="Объект 2"/>
+          <p:cNvPr id="5" name="Объект 4"/>
           <p:cNvSpPr>
             <a:spLocks noGrp="1"/>
           </p:cNvSpPr>
@@ -4337,54 +6586,215 @@
           <a:bodyPr/>
           <a:lstStyle/>
           <a:p>
+            <a:pPr>
+              <a:buFont typeface="+mj-lt"/>
+              <a:buAutoNum type="arabicPeriod"/>
+            </a:pPr>
             <a:r>
               <a:rPr lang="ru-RU" dirty="0" smtClean="0"/>
-              <a:t>Обход одноцветной области из </a:t>
-            </a:r>
+              <a:t>Создайте </a:t>
+            </a:r>
+            <a:r>
+              <a:rPr lang="ru-RU" dirty="0"/>
+              <a:t>множество уже </a:t>
+            </a:r>
+            <a:r>
+              <a:rPr lang="ru-RU" dirty="0">
+                <a:solidFill>
+                  <a:schemeClr val="accent2"/>
+                </a:solidFill>
+              </a:rPr>
+              <a:t>посещённых</a:t>
+            </a:r>
+            <a:r>
+              <a:rPr lang="ru-RU" dirty="0"/>
+              <a:t> </a:t>
+            </a:r>
+            <a:r>
+              <a:rPr lang="ru-RU" dirty="0" err="1" smtClean="0"/>
+              <a:t>тайлов</a:t>
+            </a:r>
+            <a:endParaRPr lang="ru-RU" dirty="0" smtClean="0"/>
+          </a:p>
+          <a:p>
+            <a:pPr>
+              <a:buFont typeface="+mj-lt"/>
+              <a:buAutoNum type="arabicPeriod"/>
+            </a:pPr>
             <a:r>
               <a:rPr lang="ru-RU" dirty="0" smtClean="0"/>
-              <a:t>каждой, ещё не посещённой </a:t>
+              <a:t>Создайте </a:t>
+            </a:r>
+            <a:r>
+              <a:rPr lang="ru-RU" dirty="0">
+                <a:solidFill>
+                  <a:schemeClr val="accent1"/>
+                </a:solidFill>
+              </a:rPr>
+              <a:t>список ходов</a:t>
+            </a:r>
+            <a:r>
+              <a:rPr lang="ru-RU" dirty="0"/>
+              <a:t>, в котором будет накапливаться </a:t>
             </a:r>
             <a:r>
               <a:rPr lang="ru-RU" dirty="0" smtClean="0"/>
-              <a:t>точки</a:t>
-            </a:r>
-          </a:p>
-          <a:p>
-            <a:r>
-              <a:rPr lang="en-US" dirty="0" smtClean="0"/>
-              <a:t>DFS</a:t>
-            </a:r>
-            <a:endParaRPr lang="en-US" dirty="0" smtClean="0"/>
-          </a:p>
-          <a:p>
+              <a:t>результат</a:t>
+            </a:r>
+            <a:endParaRPr lang="ru-RU" dirty="0"/>
+          </a:p>
+          <a:p>
+            <a:pPr>
+              <a:buFont typeface="+mj-lt"/>
+              <a:buAutoNum type="arabicPeriod"/>
+            </a:pPr>
             <a:r>
               <a:rPr lang="ru-RU" dirty="0" smtClean="0"/>
-              <a:t>Как представлять ход?</a:t>
-            </a:r>
-            <a:endParaRPr lang="en-US" dirty="0" smtClean="0"/>
-          </a:p>
-          <a:p>
-            <a:pPr lvl="1"/>
-            <a:r>
-              <a:rPr lang="ru-RU" dirty="0" smtClean="0"/>
-              <a:t>ход — это список координат</a:t>
-            </a:r>
-            <a:endParaRPr lang="en-US" dirty="0" smtClean="0"/>
+              <a:t>Из </a:t>
+            </a:r>
+            <a:r>
+              <a:rPr lang="ru-RU" dirty="0"/>
+              <a:t>каждого </a:t>
+            </a:r>
+            <a:r>
+              <a:rPr lang="ru-RU" dirty="0">
+                <a:solidFill>
+                  <a:schemeClr val="accent2"/>
+                </a:solidFill>
+              </a:rPr>
+              <a:t>ещё не посещённого </a:t>
+            </a:r>
+            <a:r>
+              <a:rPr lang="ru-RU" dirty="0" err="1"/>
+              <a:t>тайла</a:t>
+            </a:r>
+            <a:endParaRPr lang="ru-RU" dirty="0"/>
           </a:p>
           <a:p>
             <a:pPr lvl="1">
               <a:buFont typeface="+mj-lt"/>
               <a:buAutoNum type="arabicPeriod"/>
             </a:pPr>
-            <a:endParaRPr lang="ru-RU" dirty="0" smtClean="0"/>
+            <a:r>
+              <a:rPr lang="ru-RU" dirty="0" smtClean="0"/>
+              <a:t>Запустите </a:t>
+            </a:r>
+            <a:r>
+              <a:rPr lang="ru-RU" dirty="0"/>
+              <a:t>обход одноцветной области </a:t>
+            </a:r>
+            <a:r>
+              <a:rPr lang="ru-RU" dirty="0" smtClean="0"/>
+              <a:t>(</a:t>
+            </a:r>
+            <a:r>
+              <a:rPr lang="ru-RU" dirty="0" err="1" smtClean="0"/>
+              <a:t>dfs</a:t>
+            </a:r>
+            <a:r>
+              <a:rPr lang="ru-RU" dirty="0" smtClean="0"/>
+              <a:t>)</a:t>
+            </a:r>
+            <a:endParaRPr lang="ru-RU" dirty="0"/>
+          </a:p>
+          <a:p>
+            <a:pPr lvl="1">
+              <a:buFont typeface="+mj-lt"/>
+              <a:buAutoNum type="arabicPeriod"/>
+            </a:pPr>
+            <a:r>
+              <a:rPr lang="ru-RU" dirty="0" smtClean="0"/>
+              <a:t>Найденную </a:t>
+            </a:r>
+            <a:r>
+              <a:rPr lang="ru-RU" dirty="0"/>
+              <a:t>область добавьте в </a:t>
+            </a:r>
+            <a:r>
+              <a:rPr lang="ru-RU" dirty="0">
+                <a:solidFill>
+                  <a:schemeClr val="accent2"/>
+                </a:solidFill>
+              </a:rPr>
+              <a:t>список </a:t>
+            </a:r>
+            <a:r>
+              <a:rPr lang="ru-RU" dirty="0" smtClean="0">
+                <a:solidFill>
+                  <a:schemeClr val="accent2"/>
+                </a:solidFill>
+              </a:rPr>
+              <a:t>ходов</a:t>
+            </a:r>
+            <a:r>
+              <a:rPr lang="ru-RU" dirty="0"/>
+              <a:t>, если </a:t>
+            </a:r>
+            <a:r>
+              <a:rPr lang="ru-RU" dirty="0" smtClean="0"/>
+              <a:t>в ней более 1 </a:t>
+            </a:r>
+            <a:r>
+              <a:rPr lang="ru-RU" dirty="0" err="1" smtClean="0"/>
+              <a:t>тайла</a:t>
+            </a:r>
+            <a:endParaRPr lang="ru-RU" dirty="0">
+              <a:solidFill>
+                <a:schemeClr val="accent2"/>
+              </a:solidFill>
+            </a:endParaRPr>
+          </a:p>
+          <a:p>
+            <a:pPr lvl="1">
+              <a:buFont typeface="+mj-lt"/>
+              <a:buAutoNum type="arabicPeriod"/>
+            </a:pPr>
+            <a:r>
+              <a:rPr lang="ru-RU" dirty="0" smtClean="0"/>
+              <a:t>Все </a:t>
+            </a:r>
+            <a:r>
+              <a:rPr lang="ru-RU" dirty="0"/>
+              <a:t>клетки найденной области добавьте в </a:t>
+            </a:r>
+            <a:r>
+              <a:rPr lang="ru-RU" dirty="0" smtClean="0">
+                <a:solidFill>
+                  <a:schemeClr val="accent2"/>
+                </a:solidFill>
+              </a:rPr>
+              <a:t>посещённые</a:t>
+            </a:r>
+            <a:endParaRPr lang="ru-RU" dirty="0">
+              <a:solidFill>
+                <a:schemeClr val="accent2"/>
+              </a:solidFill>
+            </a:endParaRPr>
+          </a:p>
+          <a:p>
+            <a:pPr>
+              <a:buFont typeface="+mj-lt"/>
+              <a:buAutoNum type="arabicPeriod"/>
+            </a:pPr>
+            <a:r>
+              <a:rPr lang="ru-RU" dirty="0" smtClean="0"/>
+              <a:t>Верните </a:t>
+            </a:r>
+            <a:r>
+              <a:rPr lang="ru-RU" dirty="0">
+                <a:solidFill>
+                  <a:schemeClr val="accent2"/>
+                </a:solidFill>
+              </a:rPr>
+              <a:t>список ходов</a:t>
+            </a:r>
           </a:p>
         </p:txBody>
       </p:sp>
     </p:spTree>
     <p:extLst>
       <p:ext uri="{BB962C8B-B14F-4D97-AF65-F5344CB8AC3E}">
-        <p14:creationId xmlns:p14="http://schemas.microsoft.com/office/powerpoint/2010/main" val="2380811850"/>
+        <p14:creationId xmlns:p14="http://schemas.microsoft.com/office/powerpoint/2010/main" val="208786843"/>
       </p:ext>
     </p:extLst>
   </p:cSld>
@@ -4394,85 +6804,14 @@
   <p:timing>
     <p:tnLst>
       <p:par>
-        <p:cTn id="1" dur="indefinite" restart="never" nodeType="tmRoot">
-          <p:childTnLst>
-            <p:seq concurrent="1" nextAc="seek">
-              <p:cTn id="2" dur="indefinite" nodeType="mainSeq">
-                <p:childTnLst>
-                  <p:par>
-                    <p:cTn id="3" fill="hold">
-                      <p:stCondLst>
-                        <p:cond delay="indefinite"/>
-                      </p:stCondLst>
-                      <p:childTnLst>
-                        <p:par>
-                          <p:cTn id="4" fill="hold">
-                            <p:stCondLst>
-                              <p:cond delay="0"/>
-                            </p:stCondLst>
-                            <p:childTnLst>
-                              <p:par>
-                                <p:cTn id="5" presetID="1" presetClass="entr" presetSubtype="0" fill="hold" grpId="0" nodeType="clickEffect">
-                                  <p:stCondLst>
-                                    <p:cond delay="0"/>
-                                  </p:stCondLst>
-                                  <p:childTnLst>
-                                    <p:set>
-                                      <p:cBhvr>
-                                        <p:cTn id="6" dur="1" fill="hold">
-                                          <p:stCondLst>
-                                            <p:cond delay="0"/>
-                                          </p:stCondLst>
-                                        </p:cTn>
-                                        <p:tgtEl>
-                                          <p:spTgt spid="3"/>
-                                        </p:tgtEl>
-                                        <p:attrNameLst>
-                                          <p:attrName>style.visibility</p:attrName>
-                                        </p:attrNameLst>
-                                      </p:cBhvr>
-                                      <p:to>
-                                        <p:strVal val="visible"/>
-                                      </p:to>
-                                    </p:set>
-                                  </p:childTnLst>
-                                </p:cTn>
-                              </p:par>
-                            </p:childTnLst>
-                          </p:cTn>
-                        </p:par>
-                      </p:childTnLst>
-                    </p:cTn>
-                  </p:par>
-                </p:childTnLst>
-              </p:cTn>
-              <p:prevCondLst>
-                <p:cond evt="onPrev" delay="0">
-                  <p:tgtEl>
-                    <p:sldTgt/>
-                  </p:tgtEl>
-                </p:cond>
-              </p:prevCondLst>
-              <p:nextCondLst>
-                <p:cond evt="onNext" delay="0">
-                  <p:tgtEl>
-                    <p:sldTgt/>
-                  </p:tgtEl>
-                </p:cond>
-              </p:nextCondLst>
-            </p:seq>
-          </p:childTnLst>
-        </p:cTn>
+        <p:cTn id="1" dur="indefinite" restart="never" nodeType="tmRoot"/>
       </p:par>
     </p:tnLst>
-    <p:bldLst>
-      <p:bldP spid="3" grpId="0"/>
-    </p:bldLst>
   </p:timing>
 </p:sld>
 </file>
 
-<file path=ppt/slides/slide15.xml><?xml version="1.0" encoding="utf-8"?>
+<file path=ppt/slides/slide19.xml><?xml version="1.0" encoding="utf-8"?>
 <p:sld xmlns:a="http://schemas.openxmlformats.org/drawingml/2006/main" xmlns:r="http://schemas.openxmlformats.org/officeDocument/2006/relationships" xmlns:p="http://schemas.openxmlformats.org/presentationml/2006/main">
   <p:cSld>
     <p:spTree>
@@ -4538,7 +6877,209 @@
 </p:sld>
 </file>
 
-<file path=ppt/slides/slide16.xml><?xml version="1.0" encoding="utf-8"?>
+<file path=ppt/slides/slide2.xml><?xml version="1.0" encoding="utf-8"?>
+<p:sld xmlns:a="http://schemas.openxmlformats.org/drawingml/2006/main" xmlns:r="http://schemas.openxmlformats.org/officeDocument/2006/relationships" xmlns:p="http://schemas.openxmlformats.org/presentationml/2006/main">
+  <p:cSld>
+    <p:spTree>
+      <p:nvGrpSpPr>
+        <p:cNvPr id="1" name=""/>
+        <p:cNvGrpSpPr/>
+        <p:nvPr/>
+      </p:nvGrpSpPr>
+      <p:grpSpPr>
+        <a:xfrm>
+          <a:off x="0" y="0"/>
+          <a:ext cx="0" cy="0"/>
+          <a:chOff x="0" y="0"/>
+          <a:chExt cx="0" cy="0"/>
+        </a:xfrm>
+      </p:grpSpPr>
+      <p:pic>
+        <p:nvPicPr>
+          <p:cNvPr id="1026" name="Picture 2" descr="https://static.codingame.com/servlet/fileservlet?id=47342404462729&amp;format=puzzle_cover"/>
+          <p:cNvPicPr>
+            <a:picLocks noGrp="1" noChangeAspect="1" noChangeArrowheads="1"/>
+          </p:cNvPicPr>
+          <p:nvPr>
+            <p:ph idx="1"/>
+          </p:nvPr>
+        </p:nvPicPr>
+        <p:blipFill>
+          <a:blip r:embed="rId3">
+            <a:extLst>
+              <a:ext uri="{28A0092B-C50C-407E-A947-70E740481C1C}">
+                <a14:useLocalDpi xmlns:a14="http://schemas.microsoft.com/office/drawing/2010/main" val="0"/>
+              </a:ext>
+            </a:extLst>
+          </a:blip>
+          <a:srcRect/>
+          <a:stretch>
+            <a:fillRect/>
+          </a:stretch>
+        </p:blipFill>
+        <p:spPr bwMode="auto">
+          <a:xfrm>
+            <a:off x="1" y="0"/>
+            <a:ext cx="12192000" cy="6858001"/>
+          </a:xfrm>
+          <a:prstGeom prst="rect">
+            <a:avLst/>
+          </a:prstGeom>
+          <a:noFill/>
+          <a:extLst>
+            <a:ext uri="{909E8E84-426E-40DD-AFC4-6F175D3DCCD1}">
+              <a14:hiddenFill xmlns:a14="http://schemas.microsoft.com/office/drawing/2010/main">
+                <a:solidFill>
+                  <a:srgbClr val="FFFFFF"/>
+                </a:solidFill>
+              </a14:hiddenFill>
+            </a:ext>
+          </a:extLst>
+        </p:spPr>
+      </p:pic>
+      <p:sp>
+        <p:nvSpPr>
+          <p:cNvPr id="4" name="Прямоугольник 3"/>
+          <p:cNvSpPr/>
+          <p:nvPr/>
+        </p:nvSpPr>
+        <p:spPr>
+          <a:xfrm>
+            <a:off x="0" y="4898867"/>
+            <a:ext cx="12192000" cy="1959133"/>
+          </a:xfrm>
+          <a:prstGeom prst="rect">
+            <a:avLst/>
+          </a:prstGeom>
+          <a:solidFill>
+            <a:srgbClr val="110F2C"/>
+          </a:solidFill>
+          <a:ln>
+            <a:noFill/>
+          </a:ln>
+        </p:spPr>
+        <p:style>
+          <a:lnRef idx="2">
+            <a:schemeClr val="accent1">
+              <a:shade val="50000"/>
+            </a:schemeClr>
+          </a:lnRef>
+          <a:fillRef idx="1">
+            <a:schemeClr val="accent1"/>
+          </a:fillRef>
+          <a:effectRef idx="0">
+            <a:schemeClr val="accent1"/>
+          </a:effectRef>
+          <a:fontRef idx="minor">
+            <a:schemeClr val="lt1"/>
+          </a:fontRef>
+        </p:style>
+        <p:txBody>
+          <a:bodyPr rtlCol="0" anchor="ctr"/>
+          <a:lstStyle/>
+          <a:p>
+            <a:pPr algn="ctr"/>
+            <a:endParaRPr lang="ru-RU"/>
+          </a:p>
+        </p:txBody>
+      </p:sp>
+      <p:sp>
+        <p:nvSpPr>
+          <p:cNvPr id="2" name="Заголовок 1"/>
+          <p:cNvSpPr>
+            <a:spLocks noGrp="1"/>
+          </p:cNvSpPr>
+          <p:nvPr>
+            <p:ph type="title"/>
+          </p:nvPr>
+        </p:nvSpPr>
+        <p:spPr>
+          <a:xfrm>
+            <a:off x="479073" y="5190056"/>
+            <a:ext cx="10980737" cy="1138236"/>
+          </a:xfrm>
+        </p:spPr>
+        <p:txBody>
+          <a:bodyPr/>
+          <a:lstStyle/>
+          <a:p>
+            <a:pPr algn="ctr"/>
+            <a:r>
+              <a:rPr lang="en-US" b="1" dirty="0">
+                <a:latin typeface="Golos Text" panose="020B0503020202020204" pitchFamily="34" charset="-52"/>
+                <a:cs typeface="Golos Text" panose="020B0503020202020204" pitchFamily="34" charset="-52"/>
+              </a:rPr>
+              <a:t>Same Game</a:t>
+            </a:r>
+            <a:br>
+              <a:rPr lang="en-US" b="1" dirty="0">
+                <a:latin typeface="Golos Text" panose="020B0503020202020204" pitchFamily="34" charset="-52"/>
+                <a:cs typeface="Golos Text" panose="020B0503020202020204" pitchFamily="34" charset="-52"/>
+              </a:rPr>
+            </a:br>
+            <a:r>
+              <a:rPr lang="en-US" sz="2400" b="1" dirty="0">
+                <a:solidFill>
+                  <a:schemeClr val="accent2"/>
+                </a:solidFill>
+                <a:latin typeface="Golos Text" panose="020B0503020202020204" pitchFamily="34" charset="-52"/>
+                <a:cs typeface="Golos Text" panose="020B0503020202020204" pitchFamily="34" charset="-52"/>
+                <a:hlinkClick r:id="rId4"/>
+              </a:rPr>
+              <a:t>https://</a:t>
+            </a:r>
+            <a:r>
+              <a:rPr lang="en-US" sz="2400" b="1" dirty="0" smtClean="0">
+                <a:solidFill>
+                  <a:schemeClr val="accent2"/>
+                </a:solidFill>
+                <a:latin typeface="Golos Text" panose="020B0503020202020204" pitchFamily="34" charset="-52"/>
+                <a:cs typeface="Golos Text" panose="020B0503020202020204" pitchFamily="34" charset="-52"/>
+                <a:hlinkClick r:id="rId4"/>
+              </a:rPr>
+              <a:t>www.codingame.com/multiplayer/optimization/samegame</a:t>
+            </a:r>
+            <a:r>
+              <a:rPr lang="en-US" sz="2400" b="1" dirty="0" smtClean="0">
+                <a:solidFill>
+                  <a:schemeClr val="accent2"/>
+                </a:solidFill>
+                <a:latin typeface="Golos Text" panose="020B0503020202020204" pitchFamily="34" charset="-52"/>
+                <a:cs typeface="Golos Text" panose="020B0503020202020204" pitchFamily="34" charset="-52"/>
+              </a:rPr>
+              <a:t> </a:t>
+            </a:r>
+            <a:endParaRPr lang="ru-RU" b="1" dirty="0">
+              <a:solidFill>
+                <a:schemeClr val="accent2"/>
+              </a:solidFill>
+              <a:latin typeface="Golos Text" panose="020B0503020202020204" pitchFamily="34" charset="-52"/>
+              <a:cs typeface="Golos Text" panose="020B0503020202020204" pitchFamily="34" charset="-52"/>
+            </a:endParaRPr>
+          </a:p>
+        </p:txBody>
+      </p:sp>
+    </p:spTree>
+    <p:extLst>
+      <p:ext uri="{BB962C8B-B14F-4D97-AF65-F5344CB8AC3E}">
+        <p14:creationId xmlns:p14="http://schemas.microsoft.com/office/powerpoint/2010/main" val="732412654"/>
+      </p:ext>
+    </p:extLst>
+  </p:cSld>
+  <p:clrMapOvr>
+    <a:masterClrMapping/>
+  </p:clrMapOvr>
+  <p:timing>
+    <p:tnLst>
+      <p:par>
+        <p:cTn id="1" dur="indefinite" restart="never" nodeType="tmRoot"/>
+      </p:par>
+    </p:tnLst>
+  </p:timing>
+</p:sld>
+</file>
+
+<file path=ppt/slides/slide20.xml><?xml version="1.0" encoding="utf-8"?>
 <p:sld xmlns:a="http://schemas.openxmlformats.org/drawingml/2006/main" xmlns:r="http://schemas.openxmlformats.org/officeDocument/2006/relationships" xmlns:p="http://schemas.openxmlformats.org/presentationml/2006/main">
   <p:cSld>
     <p:spTree>
@@ -4997,7 +7538,7 @@
 </p:sld>
 </file>
 
-<file path=ppt/slides/slide17.xml><?xml version="1.0" encoding="utf-8"?>
+<file path=ppt/slides/slide21.xml><?xml version="1.0" encoding="utf-8"?>
 <p:sld xmlns:a="http://schemas.openxmlformats.org/drawingml/2006/main" xmlns:r="http://schemas.openxmlformats.org/officeDocument/2006/relationships" xmlns:p="http://schemas.openxmlformats.org/presentationml/2006/main">
   <p:cSld>
     <p:spTree>
@@ -5127,55 +7668,6 @@
                                         <p:tgtEl>
                                           <p:spTgt spid="3">
                                             <p:txEl>
-                                              <p:pRg st="1" end="1"/>
-                                            </p:txEl>
-                                          </p:spTgt>
-                                        </p:tgtEl>
-                                        <p:attrNameLst>
-                                          <p:attrName>style.visibility</p:attrName>
-                                        </p:attrNameLst>
-                                      </p:cBhvr>
-                                      <p:to>
-                                        <p:strVal val="visible"/>
-                                      </p:to>
-                                    </p:set>
-                                  </p:childTnLst>
-                                </p:cTn>
-                              </p:par>
-                            </p:childTnLst>
-                          </p:cTn>
-                        </p:par>
-                      </p:childTnLst>
-                    </p:cTn>
-                  </p:par>
-                  <p:par>
-                    <p:cTn id="7" fill="hold">
-                      <p:stCondLst>
-                        <p:cond delay="indefinite"/>
-                      </p:stCondLst>
-                      <p:childTnLst>
-                        <p:par>
-                          <p:cTn id="8" fill="hold">
-                            <p:stCondLst>
-                              <p:cond delay="0"/>
-                            </p:stCondLst>
-                            <p:childTnLst>
-                              <p:par>
-                                <p:cTn id="9" presetID="1" presetClass="entr" presetSubtype="0" fill="hold" nodeType="clickEffect">
-                                  <p:stCondLst>
-                                    <p:cond delay="0"/>
-                                  </p:stCondLst>
-                                  <p:childTnLst>
-                                    <p:set>
-                                      <p:cBhvr>
-                                        <p:cTn id="10" dur="1" fill="hold">
-                                          <p:stCondLst>
-                                            <p:cond delay="0"/>
-                                          </p:stCondLst>
-                                        </p:cTn>
-                                        <p:tgtEl>
-                                          <p:spTgt spid="3">
-                                            <p:txEl>
                                               <p:pRg st="0" end="0"/>
                                             </p:txEl>
                                           </p:spTgt>
@@ -5192,14 +7684,45 @@
                                 </p:cTn>
                               </p:par>
                               <p:par>
-                                <p:cTn id="11" presetID="1" presetClass="entr" presetSubtype="0" fill="hold" nodeType="withEffect">
+                                <p:cTn id="7" presetID="1" presetClass="entr" presetSubtype="0" fill="hold" nodeType="withEffect">
                                   <p:stCondLst>
                                     <p:cond delay="0"/>
                                   </p:stCondLst>
                                   <p:childTnLst>
                                     <p:set>
                                       <p:cBhvr>
-                                        <p:cTn id="12" dur="1" fill="hold">
+                                        <p:cTn id="8" dur="1" fill="hold">
+                                          <p:stCondLst>
+                                            <p:cond delay="0"/>
+                                          </p:stCondLst>
+                                        </p:cTn>
+                                        <p:tgtEl>
+                                          <p:spTgt spid="3">
+                                            <p:txEl>
+                                              <p:pRg st="1" end="1"/>
+                                            </p:txEl>
+                                          </p:spTgt>
+                                        </p:tgtEl>
+                                        <p:attrNameLst>
+                                          <p:attrName>style.visibility</p:attrName>
+                                        </p:attrNameLst>
+                                      </p:cBhvr>
+                                      <p:to>
+                                        <p:strVal val="visible"/>
+                                      </p:to>
+                                    </p:set>
+                                  </p:childTnLst>
+                                </p:cTn>
+                              </p:par>
+                              <p:par>
+                                <p:cTn id="9" presetID="1" presetClass="entr" presetSubtype="0" fill="hold" nodeType="withEffect">
+                                  <p:stCondLst>
+                                    <p:cond delay="0"/>
+                                  </p:stCondLst>
+                                  <p:childTnLst>
+                                    <p:set>
+                                      <p:cBhvr>
+                                        <p:cTn id="10" dur="1" fill="hold">
                                           <p:stCondLst>
                                             <p:cond delay="0"/>
                                           </p:stCondLst>
@@ -5253,7 +7776,7 @@
 </p:sld>
 </file>
 
-<file path=ppt/slides/slide18.xml><?xml version="1.0" encoding="utf-8"?>
+<file path=ppt/slides/slide22.xml><?xml version="1.0" encoding="utf-8"?>
 <p:sld xmlns:a="http://schemas.openxmlformats.org/drawingml/2006/main" xmlns:r="http://schemas.openxmlformats.org/officeDocument/2006/relationships" xmlns:p="http://schemas.openxmlformats.org/presentationml/2006/main">
   <p:cSld>
     <p:spTree>
@@ -5451,280 +7974,14 @@
   <p:timing>
     <p:tnLst>
       <p:par>
-        <p:cTn id="1" dur="indefinite" restart="never" nodeType="tmRoot">
-          <p:childTnLst>
-            <p:seq concurrent="1" nextAc="seek">
-              <p:cTn id="2" dur="indefinite" nodeType="mainSeq">
-                <p:childTnLst>
-                  <p:par>
-                    <p:cTn id="3" fill="hold">
-                      <p:stCondLst>
-                        <p:cond delay="indefinite"/>
-                      </p:stCondLst>
-                      <p:childTnLst>
-                        <p:par>
-                          <p:cTn id="4" fill="hold">
-                            <p:stCondLst>
-                              <p:cond delay="0"/>
-                            </p:stCondLst>
-                            <p:childTnLst>
-                              <p:par>
-                                <p:cTn id="5" presetID="1" presetClass="entr" presetSubtype="0" fill="hold" grpId="0" nodeType="clickEffect">
-                                  <p:stCondLst>
-                                    <p:cond delay="0"/>
-                                  </p:stCondLst>
-                                  <p:childTnLst>
-                                    <p:set>
-                                      <p:cBhvr>
-                                        <p:cTn id="6" dur="1" fill="hold">
-                                          <p:stCondLst>
-                                            <p:cond delay="0"/>
-                                          </p:stCondLst>
-                                        </p:cTn>
-                                        <p:tgtEl>
-                                          <p:spTgt spid="3">
-                                            <p:txEl>
-                                              <p:pRg st="0" end="0"/>
-                                            </p:txEl>
-                                          </p:spTgt>
-                                        </p:tgtEl>
-                                        <p:attrNameLst>
-                                          <p:attrName>style.visibility</p:attrName>
-                                        </p:attrNameLst>
-                                      </p:cBhvr>
-                                      <p:to>
-                                        <p:strVal val="visible"/>
-                                      </p:to>
-                                    </p:set>
-                                  </p:childTnLst>
-                                </p:cTn>
-                              </p:par>
-                              <p:par>
-                                <p:cTn id="7" presetID="1" presetClass="entr" presetSubtype="0" fill="hold" grpId="0" nodeType="withEffect">
-                                  <p:stCondLst>
-                                    <p:cond delay="0"/>
-                                  </p:stCondLst>
-                                  <p:childTnLst>
-                                    <p:set>
-                                      <p:cBhvr>
-                                        <p:cTn id="8" dur="1" fill="hold">
-                                          <p:stCondLst>
-                                            <p:cond delay="0"/>
-                                          </p:stCondLst>
-                                        </p:cTn>
-                                        <p:tgtEl>
-                                          <p:spTgt spid="3">
-                                            <p:txEl>
-                                              <p:pRg st="1" end="1"/>
-                                            </p:txEl>
-                                          </p:spTgt>
-                                        </p:tgtEl>
-                                        <p:attrNameLst>
-                                          <p:attrName>style.visibility</p:attrName>
-                                        </p:attrNameLst>
-                                      </p:cBhvr>
-                                      <p:to>
-                                        <p:strVal val="visible"/>
-                                      </p:to>
-                                    </p:set>
-                                  </p:childTnLst>
-                                </p:cTn>
-                              </p:par>
-                              <p:par>
-                                <p:cTn id="9" presetID="1" presetClass="entr" presetSubtype="0" fill="hold" grpId="0" nodeType="withEffect">
-                                  <p:stCondLst>
-                                    <p:cond delay="0"/>
-                                  </p:stCondLst>
-                                  <p:childTnLst>
-                                    <p:set>
-                                      <p:cBhvr>
-                                        <p:cTn id="10" dur="1" fill="hold">
-                                          <p:stCondLst>
-                                            <p:cond delay="0"/>
-                                          </p:stCondLst>
-                                        </p:cTn>
-                                        <p:tgtEl>
-                                          <p:spTgt spid="3">
-                                            <p:txEl>
-                                              <p:pRg st="2" end="2"/>
-                                            </p:txEl>
-                                          </p:spTgt>
-                                        </p:tgtEl>
-                                        <p:attrNameLst>
-                                          <p:attrName>style.visibility</p:attrName>
-                                        </p:attrNameLst>
-                                      </p:cBhvr>
-                                      <p:to>
-                                        <p:strVal val="visible"/>
-                                      </p:to>
-                                    </p:set>
-                                  </p:childTnLst>
-                                </p:cTn>
-                              </p:par>
-                              <p:par>
-                                <p:cTn id="11" presetID="1" presetClass="entr" presetSubtype="0" fill="hold" grpId="0" nodeType="withEffect">
-                                  <p:stCondLst>
-                                    <p:cond delay="0"/>
-                                  </p:stCondLst>
-                                  <p:childTnLst>
-                                    <p:set>
-                                      <p:cBhvr>
-                                        <p:cTn id="12" dur="1" fill="hold">
-                                          <p:stCondLst>
-                                            <p:cond delay="0"/>
-                                          </p:stCondLst>
-                                        </p:cTn>
-                                        <p:tgtEl>
-                                          <p:spTgt spid="3">
-                                            <p:txEl>
-                                              <p:pRg st="3" end="3"/>
-                                            </p:txEl>
-                                          </p:spTgt>
-                                        </p:tgtEl>
-                                        <p:attrNameLst>
-                                          <p:attrName>style.visibility</p:attrName>
-                                        </p:attrNameLst>
-                                      </p:cBhvr>
-                                      <p:to>
-                                        <p:strVal val="visible"/>
-                                      </p:to>
-                                    </p:set>
-                                  </p:childTnLst>
-                                </p:cTn>
-                              </p:par>
-                            </p:childTnLst>
-                          </p:cTn>
-                        </p:par>
-                      </p:childTnLst>
-                    </p:cTn>
-                  </p:par>
-                  <p:par>
-                    <p:cTn id="13" fill="hold">
-                      <p:stCondLst>
-                        <p:cond delay="indefinite"/>
-                      </p:stCondLst>
-                      <p:childTnLst>
-                        <p:par>
-                          <p:cTn id="14" fill="hold">
-                            <p:stCondLst>
-                              <p:cond delay="0"/>
-                            </p:stCondLst>
-                            <p:childTnLst>
-                              <p:par>
-                                <p:cTn id="15" presetID="1" presetClass="entr" presetSubtype="0" fill="hold" grpId="0" nodeType="clickEffect">
-                                  <p:stCondLst>
-                                    <p:cond delay="0"/>
-                                  </p:stCondLst>
-                                  <p:childTnLst>
-                                    <p:set>
-                                      <p:cBhvr>
-                                        <p:cTn id="16" dur="1" fill="hold">
-                                          <p:stCondLst>
-                                            <p:cond delay="0"/>
-                                          </p:stCondLst>
-                                        </p:cTn>
-                                        <p:tgtEl>
-                                          <p:spTgt spid="3">
-                                            <p:txEl>
-                                              <p:pRg st="4" end="4"/>
-                                            </p:txEl>
-                                          </p:spTgt>
-                                        </p:tgtEl>
-                                        <p:attrNameLst>
-                                          <p:attrName>style.visibility</p:attrName>
-                                        </p:attrNameLst>
-                                      </p:cBhvr>
-                                      <p:to>
-                                        <p:strVal val="visible"/>
-                                      </p:to>
-                                    </p:set>
-                                  </p:childTnLst>
-                                </p:cTn>
-                              </p:par>
-                            </p:childTnLst>
-                          </p:cTn>
-                        </p:par>
-                      </p:childTnLst>
-                    </p:cTn>
-                  </p:par>
-                  <p:par>
-                    <p:cTn id="17" fill="hold">
-                      <p:stCondLst>
-                        <p:cond delay="indefinite"/>
-                      </p:stCondLst>
-                      <p:childTnLst>
-                        <p:par>
-                          <p:cTn id="18" fill="hold">
-                            <p:stCondLst>
-                              <p:cond delay="0"/>
-                            </p:stCondLst>
-                            <p:childTnLst>
-                              <p:par>
-                                <p:cTn id="19" presetID="1" presetClass="entr" presetSubtype="0" fill="hold" grpId="0" nodeType="clickEffect">
-                                  <p:stCondLst>
-                                    <p:cond delay="0"/>
-                                  </p:stCondLst>
-                                  <p:childTnLst>
-                                    <p:set>
-                                      <p:cBhvr>
-                                        <p:cTn id="20" dur="1" fill="hold">
-                                          <p:stCondLst>
-                                            <p:cond delay="0"/>
-                                          </p:stCondLst>
-                                        </p:cTn>
-                                        <p:tgtEl>
-                                          <p:spTgt spid="3">
-                                            <p:txEl>
-                                              <p:pRg st="5" end="5"/>
-                                            </p:txEl>
-                                          </p:spTgt>
-                                        </p:tgtEl>
-                                        <p:attrNameLst>
-                                          <p:attrName>style.visibility</p:attrName>
-                                        </p:attrNameLst>
-                                      </p:cBhvr>
-                                      <p:to>
-                                        <p:strVal val="visible"/>
-                                      </p:to>
-                                    </p:set>
-                                  </p:childTnLst>
-                                </p:cTn>
-                              </p:par>
-                            </p:childTnLst>
-                          </p:cTn>
-                        </p:par>
-                      </p:childTnLst>
-                    </p:cTn>
-                  </p:par>
-                </p:childTnLst>
-              </p:cTn>
-              <p:prevCondLst>
-                <p:cond evt="onPrev" delay="0">
-                  <p:tgtEl>
-                    <p:sldTgt/>
-                  </p:tgtEl>
-                </p:cond>
-              </p:prevCondLst>
-              <p:nextCondLst>
-                <p:cond evt="onNext" delay="0">
-                  <p:tgtEl>
-                    <p:sldTgt/>
-                  </p:tgtEl>
-                </p:cond>
-              </p:nextCondLst>
-            </p:seq>
-          </p:childTnLst>
-        </p:cTn>
+        <p:cTn id="1" dur="indefinite" restart="never" nodeType="tmRoot"/>
       </p:par>
     </p:tnLst>
-    <p:bldLst>
-      <p:bldP spid="3" grpId="0" build="p"/>
-    </p:bldLst>
   </p:timing>
 </p:sld>
 </file>
 
-<file path=ppt/slides/slide19.xml><?xml version="1.0" encoding="utf-8"?>
+<file path=ppt/slides/slide23.xml><?xml version="1.0" encoding="utf-8"?>
 <p:sld xmlns:a="http://schemas.openxmlformats.org/drawingml/2006/main" xmlns:r="http://schemas.openxmlformats.org/officeDocument/2006/relationships" xmlns:p="http://schemas.openxmlformats.org/presentationml/2006/main">
   <p:cSld>
     <p:spTree>
@@ -5750,7 +8007,7 @@
           <p:nvPr/>
         </p:nvPicPr>
         <p:blipFill>
-          <a:blip r:embed="rId2"/>
+          <a:blip r:embed="rId3"/>
           <a:stretch>
             <a:fillRect/>
           </a:stretch>
@@ -5785,115 +8042,7 @@
 </p:sld>
 </file>
 
-<file path=ppt/slides/slide2.xml><?xml version="1.0" encoding="utf-8"?>
-<p:sld xmlns:a="http://schemas.openxmlformats.org/drawingml/2006/main" xmlns:r="http://schemas.openxmlformats.org/officeDocument/2006/relationships" xmlns:p="http://schemas.openxmlformats.org/presentationml/2006/main">
-  <p:cSld>
-    <p:spTree>
-      <p:nvGrpSpPr>
-        <p:cNvPr id="1" name=""/>
-        <p:cNvGrpSpPr/>
-        <p:nvPr/>
-      </p:nvGrpSpPr>
-      <p:grpSpPr>
-        <a:xfrm>
-          <a:off x="0" y="0"/>
-          <a:ext cx="0" cy="0"/>
-          <a:chOff x="0" y="0"/>
-          <a:chExt cx="0" cy="0"/>
-        </a:xfrm>
-      </p:grpSpPr>
-      <p:sp>
-        <p:nvSpPr>
-          <p:cNvPr id="2" name="Заголовок 1"/>
-          <p:cNvSpPr>
-            <a:spLocks noGrp="1"/>
-          </p:cNvSpPr>
-          <p:nvPr>
-            <p:ph type="title"/>
-          </p:nvPr>
-        </p:nvSpPr>
-        <p:spPr/>
-        <p:txBody>
-          <a:bodyPr/>
-          <a:lstStyle/>
-          <a:p>
-            <a:r>
-              <a:rPr lang="ru-RU" dirty="0"/>
-              <a:t>Организационные вопросы</a:t>
-            </a:r>
-          </a:p>
-        </p:txBody>
-      </p:sp>
-      <p:sp>
-        <p:nvSpPr>
-          <p:cNvPr id="3" name="Объект 2"/>
-          <p:cNvSpPr>
-            <a:spLocks noGrp="1"/>
-          </p:cNvSpPr>
-          <p:nvPr>
-            <p:ph idx="1"/>
-          </p:nvPr>
-        </p:nvSpPr>
-        <p:spPr/>
-        <p:txBody>
-          <a:bodyPr/>
-          <a:lstStyle/>
-          <a:p>
-            <a:pPr marL="0" indent="0">
-              <a:buNone/>
-            </a:pPr>
-            <a:r>
-              <a:rPr lang="en-US" dirty="0" err="1" smtClean="0"/>
-              <a:t>PyCharm</a:t>
-            </a:r>
-            <a:endParaRPr lang="ru-RU" dirty="0" smtClean="0"/>
-          </a:p>
-          <a:p>
-            <a:pPr marL="0" indent="0">
-              <a:buNone/>
-            </a:pPr>
-            <a:r>
-              <a:rPr lang="ru-RU" dirty="0" smtClean="0"/>
-              <a:t>Делать задания дома. Иначе — не успеть</a:t>
-            </a:r>
-            <a:r>
-              <a:rPr lang="ru-RU" dirty="0" smtClean="0"/>
-              <a:t>!</a:t>
-            </a:r>
-          </a:p>
-          <a:p>
-            <a:pPr marL="0" indent="0">
-              <a:buNone/>
-            </a:pPr>
-            <a:r>
-              <a:rPr lang="ru-RU" dirty="0" smtClean="0"/>
-              <a:t>Чат</a:t>
-            </a:r>
-            <a:endParaRPr lang="en-US" dirty="0"/>
-          </a:p>
-        </p:txBody>
-      </p:sp>
-    </p:spTree>
-    <p:extLst>
-      <p:ext uri="{BB962C8B-B14F-4D97-AF65-F5344CB8AC3E}">
-        <p14:creationId xmlns:p14="http://schemas.microsoft.com/office/powerpoint/2010/main" val="4204945666"/>
-      </p:ext>
-    </p:extLst>
-  </p:cSld>
-  <p:clrMapOvr>
-    <a:masterClrMapping/>
-  </p:clrMapOvr>
-  <p:timing>
-    <p:tnLst>
-      <p:par>
-        <p:cTn id="1" dur="indefinite" restart="never" nodeType="tmRoot"/>
-      </p:par>
-    </p:tnLst>
-  </p:timing>
-</p:sld>
-</file>
-
-<file path=ppt/slides/slide20.xml><?xml version="1.0" encoding="utf-8"?>
+<file path=ppt/slides/slide24.xml><?xml version="1.0" encoding="utf-8"?>
 <p:sld xmlns:a="http://schemas.openxmlformats.org/drawingml/2006/main" xmlns:r="http://schemas.openxmlformats.org/officeDocument/2006/relationships" xmlns:p="http://schemas.openxmlformats.org/presentationml/2006/main">
   <p:cSld>
     <p:spTree>
@@ -6449,7 +8598,7 @@
 </p:sld>
 </file>
 
-<file path=ppt/slides/slide21.xml><?xml version="1.0" encoding="utf-8"?>
+<file path=ppt/slides/slide25.xml><?xml version="1.0" encoding="utf-8"?>
 <p:sld xmlns:a="http://schemas.openxmlformats.org/drawingml/2006/main" xmlns:r="http://schemas.openxmlformats.org/officeDocument/2006/relationships" xmlns:p="http://schemas.openxmlformats.org/presentationml/2006/main">
   <p:cSld>
     <p:spTree>
@@ -8219,7 +10368,7 @@
 </p:sld>
 </file>
 
-<file path=ppt/slides/slide22.xml><?xml version="1.0" encoding="utf-8"?>
+<file path=ppt/slides/slide26.xml><?xml version="1.0" encoding="utf-8"?>
 <p:sld xmlns:a="http://schemas.openxmlformats.org/drawingml/2006/main" xmlns:r="http://schemas.openxmlformats.org/officeDocument/2006/relationships" xmlns:p="http://schemas.openxmlformats.org/presentationml/2006/main">
   <p:cSld>
     <p:spTree>
@@ -8288,7 +10437,19 @@
             </a:pPr>
             <a:r>
               <a:rPr lang="ru-RU" dirty="0" smtClean="0"/>
-              <a:t>Получить список возможных ходов</a:t>
+              <a:t>Получит</a:t>
+            </a:r>
+            <a:r>
+              <a:rPr lang="ru-RU" dirty="0"/>
+              <a:t>е</a:t>
+            </a:r>
+            <a:r>
+              <a:rPr lang="ru-RU" dirty="0" smtClean="0"/>
+              <a:t> </a:t>
+            </a:r>
+            <a:r>
+              <a:rPr lang="ru-RU" dirty="0" smtClean="0"/>
+              <a:t>список возможных ходов</a:t>
             </a:r>
             <a:r>
               <a:rPr lang="en-US" dirty="0" smtClean="0"/>
@@ -8317,7 +10478,23 @@
             </a:pPr>
             <a:r>
               <a:rPr lang="ru-RU" dirty="0" smtClean="0"/>
-              <a:t>Каждый ход применить и оценить результат</a:t>
+              <a:t>Каждый ход </a:t>
+            </a:r>
+            <a:r>
+              <a:rPr lang="ru-RU" dirty="0" smtClean="0"/>
+              <a:t>примените </a:t>
+            </a:r>
+            <a:r>
+              <a:rPr lang="ru-RU" dirty="0" smtClean="0"/>
+              <a:t>и </a:t>
+            </a:r>
+            <a:r>
+              <a:rPr lang="ru-RU" dirty="0" smtClean="0"/>
+              <a:t>оцените </a:t>
+            </a:r>
+            <a:r>
+              <a:rPr lang="ru-RU" dirty="0" smtClean="0"/>
+              <a:t>результат</a:t>
             </a:r>
             <a:r>
               <a:rPr lang="en-US" dirty="0"/>
@@ -8352,7 +10529,19 @@
             </a:pPr>
             <a:r>
               <a:rPr lang="ru-RU" dirty="0" smtClean="0"/>
-              <a:t>Выбрать из ходов, с максимальной оценкой</a:t>
+              <a:t>Выберите </a:t>
+            </a:r>
+            <a:r>
+              <a:rPr lang="ru-RU" dirty="0" smtClean="0"/>
+              <a:t>из ходов, </a:t>
+            </a:r>
+            <a:r>
+              <a:rPr lang="ru-RU" dirty="0" smtClean="0"/>
+              <a:t>тот, что с </a:t>
+            </a:r>
+            <a:r>
+              <a:rPr lang="ru-RU" dirty="0" smtClean="0"/>
+              <a:t>максимальной оценкой</a:t>
             </a:r>
             <a:endParaRPr lang="ru-RU" dirty="0"/>
           </a:p>
@@ -8378,7 +10567,7 @@
 </p:sld>
 </file>
 
-<file path=ppt/slides/slide23.xml><?xml version="1.0" encoding="utf-8"?>
+<file path=ppt/slides/slide27.xml><?xml version="1.0" encoding="utf-8"?>
 <p:sld xmlns:a="http://schemas.openxmlformats.org/drawingml/2006/main" xmlns:r="http://schemas.openxmlformats.org/officeDocument/2006/relationships" xmlns:p="http://schemas.openxmlformats.org/presentationml/2006/main">
   <p:cSld>
     <p:spTree>
@@ -8439,6 +10628,10 @@
           <a:bodyPr/>
           <a:lstStyle/>
           <a:p>
+            <a:pPr>
+              <a:buFont typeface="+mj-lt"/>
+              <a:buAutoNum type="arabicPeriod"/>
+            </a:pPr>
             <a:r>
               <a:rPr lang="ru-RU" dirty="0" smtClean="0"/>
               <a:t>Откройте стартовый код </a:t>
@@ -8453,6 +10646,10 @@
             </a:r>
           </a:p>
           <a:p>
+            <a:pPr>
+              <a:buFont typeface="+mj-lt"/>
+              <a:buAutoNum type="arabicPeriod"/>
+            </a:pPr>
             <a:r>
               <a:rPr lang="ru-RU" dirty="0" smtClean="0"/>
               <a:t>Реализуйте метод </a:t>
@@ -8467,6 +10664,10 @@
             </a:r>
           </a:p>
           <a:p>
+            <a:pPr>
+              <a:buFont typeface="+mj-lt"/>
+              <a:buAutoNum type="arabicPeriod"/>
+            </a:pPr>
             <a:r>
               <a:rPr lang="ru-RU" dirty="0"/>
               <a:t>Реализуйте метод </a:t>
@@ -8485,24 +10686,25 @@
             </a:r>
           </a:p>
           <a:p>
+            <a:pPr>
+              <a:buFont typeface="+mj-lt"/>
+              <a:buAutoNum type="arabicPeriod"/>
+            </a:pPr>
             <a:r>
               <a:rPr lang="ru-RU" dirty="0"/>
-              <a:t>Реализуйте оценку состояния: </a:t>
-            </a:r>
-            <a:r>
-              <a:rPr lang="en-US" dirty="0"/>
-              <a:t>score + </a:t>
-            </a:r>
-            <a:r>
-              <a:rPr lang="ru-RU" dirty="0"/>
-              <a:t>стоимость </a:t>
+              <a:t>Реализуйте </a:t>
             </a:r>
             <a:r>
               <a:rPr lang="ru-RU" dirty="0" smtClean="0"/>
-              <a:t>ходов</a:t>
-            </a:r>
-          </a:p>
-          <a:p>
+              <a:t>функцию оценки состояния</a:t>
+            </a:r>
+            <a:endParaRPr lang="ru-RU" dirty="0" smtClean="0"/>
+          </a:p>
+          <a:p>
+            <a:pPr>
+              <a:buFont typeface="+mj-lt"/>
+              <a:buAutoNum type="arabicPeriod"/>
+            </a:pPr>
             <a:r>
               <a:rPr lang="ru-RU" dirty="0" smtClean="0"/>
               <a:t>Реализуйте </a:t>
@@ -8513,7 +10715,15 @@
             </a:r>
             <a:r>
               <a:rPr lang="ru-RU" dirty="0" smtClean="0"/>
-              <a:t>, проверьте на тестах и отправьте решение!</a:t>
+              <a:t>, </a:t>
+            </a:r>
+            <a:r>
+              <a:rPr lang="ru-RU" dirty="0" smtClean="0"/>
+              <a:t>отправьте решение на </a:t>
+            </a:r>
+            <a:r>
+              <a:rPr lang="en-US" dirty="0" smtClean="0"/>
+              <a:t>CodinGame.com</a:t>
             </a:r>
             <a:endParaRPr lang="en-US" dirty="0" smtClean="0"/>
           </a:p>
@@ -8590,7 +10800,7 @@
 </p:sld>
 </file>
 
-<file path=ppt/slides/slide24.xml><?xml version="1.0" encoding="utf-8"?>
+<file path=ppt/slides/slide28.xml><?xml version="1.0" encoding="utf-8"?>
 <p:sld xmlns:a="http://schemas.openxmlformats.org/drawingml/2006/main" xmlns:r="http://schemas.openxmlformats.org/officeDocument/2006/relationships" xmlns:p="http://schemas.openxmlformats.org/presentationml/2006/main" show="0">
   <p:cSld>
     <p:spTree>
@@ -10050,7 +12260,7 @@
 </p:sld>
 </file>
 
-<file path=ppt/slides/slide25.xml><?xml version="1.0" encoding="utf-8"?>
+<file path=ppt/slides/slide29.xml><?xml version="1.0" encoding="utf-8"?>
 <p:sld xmlns:a="http://schemas.openxmlformats.org/drawingml/2006/main" xmlns:r="http://schemas.openxmlformats.org/officeDocument/2006/relationships" xmlns:p="http://schemas.openxmlformats.org/presentationml/2006/main" show="0">
   <p:cSld>
     <p:spTree>
@@ -11592,7 +13802,176 @@
 </p:sld>
 </file>
 
-<file path=ppt/slides/slide26.xml><?xml version="1.0" encoding="utf-8"?>
+<file path=ppt/slides/slide3.xml><?xml version="1.0" encoding="utf-8"?>
+<p:sld xmlns:a="http://schemas.openxmlformats.org/drawingml/2006/main" xmlns:r="http://schemas.openxmlformats.org/officeDocument/2006/relationships" xmlns:p="http://schemas.openxmlformats.org/presentationml/2006/main">
+  <p:cSld>
+    <p:spTree>
+      <p:nvGrpSpPr>
+        <p:cNvPr id="1" name=""/>
+        <p:cNvGrpSpPr/>
+        <p:nvPr/>
+      </p:nvGrpSpPr>
+      <p:grpSpPr>
+        <a:xfrm>
+          <a:off x="0" y="0"/>
+          <a:ext cx="0" cy="0"/>
+          <a:chOff x="0" y="0"/>
+          <a:chExt cx="0" cy="0"/>
+        </a:xfrm>
+      </p:grpSpPr>
+      <p:sp>
+        <p:nvSpPr>
+          <p:cNvPr id="2" name="Заголовок 1"/>
+          <p:cNvSpPr>
+            <a:spLocks noGrp="1"/>
+          </p:cNvSpPr>
+          <p:nvPr>
+            <p:ph type="title"/>
+          </p:nvPr>
+        </p:nvSpPr>
+        <p:spPr/>
+        <p:txBody>
+          <a:bodyPr/>
+          <a:lstStyle/>
+          <a:p>
+            <a:r>
+              <a:rPr lang="en-US" dirty="0" smtClean="0"/>
+              <a:t>Same Game</a:t>
+            </a:r>
+            <a:endParaRPr lang="ru-RU" dirty="0"/>
+          </a:p>
+        </p:txBody>
+      </p:sp>
+      <p:sp>
+        <p:nvSpPr>
+          <p:cNvPr id="3" name="Объект 2"/>
+          <p:cNvSpPr>
+            <a:spLocks noGrp="1"/>
+          </p:cNvSpPr>
+          <p:nvPr>
+            <p:ph idx="1"/>
+          </p:nvPr>
+        </p:nvSpPr>
+        <p:spPr/>
+        <p:txBody>
+          <a:bodyPr/>
+          <a:lstStyle/>
+          <a:p>
+            <a:pPr marL="0" indent="0">
+              <a:buNone/>
+            </a:pPr>
+            <a:r>
+              <a:rPr lang="ru-RU" dirty="0" smtClean="0"/>
+              <a:t>Поле 15 </a:t>
+            </a:r>
+            <a:r>
+              <a:rPr lang="en-US" dirty="0" smtClean="0"/>
+              <a:t>x</a:t>
+            </a:r>
+            <a:r>
+              <a:rPr lang="ru-RU" dirty="0" smtClean="0"/>
+              <a:t> 15,  5 цветов</a:t>
+            </a:r>
+            <a:endParaRPr lang="en-US" dirty="0" smtClean="0"/>
+          </a:p>
+          <a:p>
+            <a:pPr marL="0" indent="0">
+              <a:buNone/>
+            </a:pPr>
+            <a:r>
+              <a:rPr lang="en-US" dirty="0" smtClean="0"/>
+              <a:t>score</a:t>
+            </a:r>
+            <a:r>
+              <a:rPr lang="ru-RU" dirty="0" smtClean="0"/>
+              <a:t>(</a:t>
+            </a:r>
+            <a:r>
+              <a:rPr lang="en-US" dirty="0" smtClean="0"/>
+              <a:t>n) = (n-2)²</a:t>
+            </a:r>
+          </a:p>
+          <a:p>
+            <a:endParaRPr lang="en-US" dirty="0"/>
+          </a:p>
+          <a:p>
+            <a:pPr marL="0" indent="0">
+              <a:buNone/>
+            </a:pPr>
+            <a:r>
+              <a:rPr lang="en-US" dirty="0" smtClean="0"/>
+              <a:t>score(2) = 0</a:t>
+            </a:r>
+          </a:p>
+          <a:p>
+            <a:pPr marL="0" indent="0">
+              <a:buNone/>
+            </a:pPr>
+            <a:r>
+              <a:rPr lang="en-US" dirty="0" smtClean="0"/>
+              <a:t>score(3) = 1</a:t>
+            </a:r>
+          </a:p>
+          <a:p>
+            <a:pPr marL="0" indent="0">
+              <a:buNone/>
+            </a:pPr>
+            <a:r>
+              <a:rPr lang="en-US" dirty="0" smtClean="0"/>
+              <a:t>score(4) = 4</a:t>
+            </a:r>
+          </a:p>
+          <a:p>
+            <a:pPr marL="0" indent="0">
+              <a:buNone/>
+            </a:pPr>
+            <a:r>
+              <a:rPr lang="en-US" dirty="0" smtClean="0"/>
+              <a:t>score(5) = 9</a:t>
+            </a:r>
+          </a:p>
+          <a:p>
+            <a:pPr marL="0" indent="0">
+              <a:buNone/>
+            </a:pPr>
+            <a:r>
+              <a:rPr lang="en-US" dirty="0" smtClean="0"/>
+              <a:t>score(12) = 100</a:t>
+            </a:r>
+          </a:p>
+          <a:p>
+            <a:pPr marL="0" indent="0">
+              <a:buNone/>
+            </a:pPr>
+            <a:r>
+              <a:rPr lang="en-US" dirty="0" smtClean="0"/>
+              <a:t>score(42) = 1600</a:t>
+            </a:r>
+            <a:endParaRPr lang="ru-RU" dirty="0"/>
+          </a:p>
+        </p:txBody>
+      </p:sp>
+    </p:spTree>
+    <p:extLst>
+      <p:ext uri="{BB962C8B-B14F-4D97-AF65-F5344CB8AC3E}">
+        <p14:creationId xmlns:p14="http://schemas.microsoft.com/office/powerpoint/2010/main" val="2706428516"/>
+      </p:ext>
+    </p:extLst>
+  </p:cSld>
+  <p:clrMapOvr>
+    <a:masterClrMapping/>
+  </p:clrMapOvr>
+  <p:timing>
+    <p:tnLst>
+      <p:par>
+        <p:cTn id="1" dur="indefinite" restart="never" nodeType="tmRoot"/>
+      </p:par>
+    </p:tnLst>
+  </p:timing>
+</p:sld>
+</file>
+
+<file path=ppt/slides/slide30.xml><?xml version="1.0" encoding="utf-8"?>
 <p:sld xmlns:a="http://schemas.openxmlformats.org/drawingml/2006/main" xmlns:r="http://schemas.openxmlformats.org/officeDocument/2006/relationships" xmlns:p="http://schemas.openxmlformats.org/presentationml/2006/main" show="0">
   <p:cSld>
     <p:spTree>
@@ -13496,7 +15875,7 @@
 </p:sld>
 </file>
 
-<file path=ppt/slides/slide27.xml><?xml version="1.0" encoding="utf-8"?>
+<file path=ppt/slides/slide31.xml><?xml version="1.0" encoding="utf-8"?>
 <p:sld xmlns:a="http://schemas.openxmlformats.org/drawingml/2006/main" xmlns:r="http://schemas.openxmlformats.org/officeDocument/2006/relationships" xmlns:p="http://schemas.openxmlformats.org/presentationml/2006/main" show="0">
   <p:cSld>
     <p:spTree>
@@ -15137,208 +17516,6 @@
 </p:sld>
 </file>
 
-<file path=ppt/slides/slide3.xml><?xml version="1.0" encoding="utf-8"?>
-<p:sld xmlns:a="http://schemas.openxmlformats.org/drawingml/2006/main" xmlns:r="http://schemas.openxmlformats.org/officeDocument/2006/relationships" xmlns:p="http://schemas.openxmlformats.org/presentationml/2006/main">
-  <p:cSld>
-    <p:spTree>
-      <p:nvGrpSpPr>
-        <p:cNvPr id="1" name=""/>
-        <p:cNvGrpSpPr/>
-        <p:nvPr/>
-      </p:nvGrpSpPr>
-      <p:grpSpPr>
-        <a:xfrm>
-          <a:off x="0" y="0"/>
-          <a:ext cx="0" cy="0"/>
-          <a:chOff x="0" y="0"/>
-          <a:chExt cx="0" cy="0"/>
-        </a:xfrm>
-      </p:grpSpPr>
-      <p:pic>
-        <p:nvPicPr>
-          <p:cNvPr id="1026" name="Picture 2" descr="https://static.codingame.com/servlet/fileservlet?id=47342404462729&amp;format=puzzle_cover"/>
-          <p:cNvPicPr>
-            <a:picLocks noGrp="1" noChangeAspect="1" noChangeArrowheads="1"/>
-          </p:cNvPicPr>
-          <p:nvPr>
-            <p:ph idx="1"/>
-          </p:nvPr>
-        </p:nvPicPr>
-        <p:blipFill>
-          <a:blip r:embed="rId3">
-            <a:extLst>
-              <a:ext uri="{28A0092B-C50C-407E-A947-70E740481C1C}">
-                <a14:useLocalDpi xmlns:a14="http://schemas.microsoft.com/office/drawing/2010/main" val="0"/>
-              </a:ext>
-            </a:extLst>
-          </a:blip>
-          <a:srcRect/>
-          <a:stretch>
-            <a:fillRect/>
-          </a:stretch>
-        </p:blipFill>
-        <p:spPr bwMode="auto">
-          <a:xfrm>
-            <a:off x="1" y="0"/>
-            <a:ext cx="12192000" cy="6858001"/>
-          </a:xfrm>
-          <a:prstGeom prst="rect">
-            <a:avLst/>
-          </a:prstGeom>
-          <a:noFill/>
-          <a:extLst>
-            <a:ext uri="{909E8E84-426E-40DD-AFC4-6F175D3DCCD1}">
-              <a14:hiddenFill xmlns:a14="http://schemas.microsoft.com/office/drawing/2010/main">
-                <a:solidFill>
-                  <a:srgbClr val="FFFFFF"/>
-                </a:solidFill>
-              </a14:hiddenFill>
-            </a:ext>
-          </a:extLst>
-        </p:spPr>
-      </p:pic>
-      <p:sp>
-        <p:nvSpPr>
-          <p:cNvPr id="4" name="Прямоугольник 3"/>
-          <p:cNvSpPr/>
-          <p:nvPr/>
-        </p:nvSpPr>
-        <p:spPr>
-          <a:xfrm>
-            <a:off x="0" y="4898867"/>
-            <a:ext cx="12192000" cy="1959133"/>
-          </a:xfrm>
-          <a:prstGeom prst="rect">
-            <a:avLst/>
-          </a:prstGeom>
-          <a:solidFill>
-            <a:srgbClr val="110F2C"/>
-          </a:solidFill>
-          <a:ln>
-            <a:noFill/>
-          </a:ln>
-        </p:spPr>
-        <p:style>
-          <a:lnRef idx="2">
-            <a:schemeClr val="accent1">
-              <a:shade val="50000"/>
-            </a:schemeClr>
-          </a:lnRef>
-          <a:fillRef idx="1">
-            <a:schemeClr val="accent1"/>
-          </a:fillRef>
-          <a:effectRef idx="0">
-            <a:schemeClr val="accent1"/>
-          </a:effectRef>
-          <a:fontRef idx="minor">
-            <a:schemeClr val="lt1"/>
-          </a:fontRef>
-        </p:style>
-        <p:txBody>
-          <a:bodyPr rtlCol="0" anchor="ctr"/>
-          <a:lstStyle/>
-          <a:p>
-            <a:pPr algn="ctr"/>
-            <a:endParaRPr lang="ru-RU"/>
-          </a:p>
-        </p:txBody>
-      </p:sp>
-      <p:sp>
-        <p:nvSpPr>
-          <p:cNvPr id="2" name="Заголовок 1"/>
-          <p:cNvSpPr>
-            <a:spLocks noGrp="1"/>
-          </p:cNvSpPr>
-          <p:nvPr>
-            <p:ph type="title"/>
-          </p:nvPr>
-        </p:nvSpPr>
-        <p:spPr>
-          <a:xfrm>
-            <a:off x="479073" y="5190056"/>
-            <a:ext cx="10980737" cy="1138236"/>
-          </a:xfrm>
-        </p:spPr>
-        <p:txBody>
-          <a:bodyPr/>
-          <a:lstStyle/>
-          <a:p>
-            <a:pPr algn="ctr"/>
-            <a:r>
-              <a:rPr lang="en-US" b="1" dirty="0">
-                <a:latin typeface="Golos Text" panose="020B0503020202020204" pitchFamily="34" charset="-52"/>
-                <a:cs typeface="Golos Text" panose="020B0503020202020204" pitchFamily="34" charset="-52"/>
-              </a:rPr>
-              <a:t>Same Game</a:t>
-            </a:r>
-            <a:br>
-              <a:rPr lang="en-US" b="1" dirty="0">
-                <a:latin typeface="Golos Text" panose="020B0503020202020204" pitchFamily="34" charset="-52"/>
-                <a:cs typeface="Golos Text" panose="020B0503020202020204" pitchFamily="34" charset="-52"/>
-              </a:rPr>
-            </a:br>
-            <a:r>
-              <a:rPr lang="en-US" sz="2400" b="1" dirty="0">
-                <a:solidFill>
-                  <a:schemeClr val="accent2"/>
-                </a:solidFill>
-                <a:latin typeface="Golos Text" panose="020B0503020202020204" pitchFamily="34" charset="-52"/>
-                <a:cs typeface="Golos Text" panose="020B0503020202020204" pitchFamily="34" charset="-52"/>
-                <a:hlinkClick r:id="rId4"/>
-              </a:rPr>
-              <a:t>https://</a:t>
-            </a:r>
-            <a:r>
-              <a:rPr lang="en-US" sz="2400" b="1" dirty="0" smtClean="0">
-                <a:solidFill>
-                  <a:schemeClr val="accent2"/>
-                </a:solidFill>
-                <a:latin typeface="Golos Text" panose="020B0503020202020204" pitchFamily="34" charset="-52"/>
-                <a:cs typeface="Golos Text" panose="020B0503020202020204" pitchFamily="34" charset="-52"/>
-                <a:hlinkClick r:id="rId4"/>
-              </a:rPr>
-              <a:t>www.codingame.com/multiplayer/optimization/samegame</a:t>
-            </a:r>
-            <a:r>
-              <a:rPr lang="en-US" sz="2400" b="1" dirty="0" smtClean="0">
-                <a:solidFill>
-                  <a:schemeClr val="accent2"/>
-                </a:solidFill>
-                <a:latin typeface="Golos Text" panose="020B0503020202020204" pitchFamily="34" charset="-52"/>
-                <a:cs typeface="Golos Text" panose="020B0503020202020204" pitchFamily="34" charset="-52"/>
-              </a:rPr>
-              <a:t> </a:t>
-            </a:r>
-            <a:endParaRPr lang="ru-RU" b="1" dirty="0">
-              <a:solidFill>
-                <a:schemeClr val="accent2"/>
-              </a:solidFill>
-              <a:latin typeface="Golos Text" panose="020B0503020202020204" pitchFamily="34" charset="-52"/>
-              <a:cs typeface="Golos Text" panose="020B0503020202020204" pitchFamily="34" charset="-52"/>
-            </a:endParaRPr>
-          </a:p>
-        </p:txBody>
-      </p:sp>
-    </p:spTree>
-    <p:extLst>
-      <p:ext uri="{BB962C8B-B14F-4D97-AF65-F5344CB8AC3E}">
-        <p14:creationId xmlns:p14="http://schemas.microsoft.com/office/powerpoint/2010/main" val="732412654"/>
-      </p:ext>
-    </p:extLst>
-  </p:cSld>
-  <p:clrMapOvr>
-    <a:masterClrMapping/>
-  </p:clrMapOvr>
-  <p:timing>
-    <p:tnLst>
-      <p:par>
-        <p:cTn id="1" dur="indefinite" restart="never" nodeType="tmRoot"/>
-      </p:par>
-    </p:tnLst>
-  </p:timing>
-</p:sld>
-</file>
-
 <file path=ppt/slides/slide4.xml><?xml version="1.0" encoding="utf-8"?>
 <p:sld xmlns:a="http://schemas.openxmlformats.org/drawingml/2006/main" xmlns:r="http://schemas.openxmlformats.org/officeDocument/2006/relationships" xmlns:p="http://schemas.openxmlformats.org/presentationml/2006/main">
   <p:cSld>
@@ -15372,10 +17549,9 @@
           <a:lstStyle/>
           <a:p>
             <a:r>
-              <a:rPr lang="en-US" dirty="0" smtClean="0"/>
-              <a:t>Same Game</a:t>
-            </a:r>
-            <a:endParaRPr lang="ru-RU" dirty="0"/>
+              <a:rPr lang="ru-RU" dirty="0"/>
+              <a:t>Составляющие решения</a:t>
+            </a:r>
           </a:p>
         </p:txBody>
       </p:sp>
@@ -15394,100 +17570,77 @@
           <a:bodyPr/>
           <a:lstStyle/>
           <a:p>
-            <a:pPr marL="0" indent="0">
-              <a:buNone/>
+            <a:pPr>
+              <a:buFont typeface="+mj-lt"/>
+              <a:buAutoNum type="arabicPeriod"/>
             </a:pPr>
             <a:r>
+              <a:rPr lang="ru-RU" dirty="0"/>
+              <a:t>Симуляция</a:t>
+            </a:r>
+            <a:endParaRPr lang="en-US" dirty="0"/>
+          </a:p>
+          <a:p>
+            <a:pPr lvl="1">
+              <a:buFont typeface="+mj-lt"/>
+              <a:buAutoNum type="arabicPeriod"/>
+            </a:pPr>
+            <a:r>
+              <a:rPr lang="ru-RU" dirty="0"/>
+              <a:t>Всё состояние игры</a:t>
+            </a:r>
+          </a:p>
+          <a:p>
+            <a:pPr lvl="1">
+              <a:buFont typeface="+mj-lt"/>
+              <a:buAutoNum type="arabicPeriod"/>
+            </a:pPr>
+            <a:r>
+              <a:rPr lang="ru-RU" dirty="0"/>
+              <a:t>Применение одного хода</a:t>
+            </a:r>
+          </a:p>
+          <a:p>
+            <a:pPr lvl="1">
+              <a:buFont typeface="+mj-lt"/>
+              <a:buAutoNum type="arabicPeriod"/>
+            </a:pPr>
+            <a:r>
+              <a:rPr lang="ru-RU" dirty="0"/>
+              <a:t>Получение списка доступных ходов</a:t>
+            </a:r>
+            <a:endParaRPr lang="en-US" dirty="0"/>
+          </a:p>
+          <a:p>
+            <a:pPr>
+              <a:buFont typeface="+mj-lt"/>
+              <a:buAutoNum type="arabicPeriod"/>
+            </a:pPr>
+            <a:r>
               <a:rPr lang="ru-RU" dirty="0" smtClean="0"/>
-              <a:t>Поле 15 </a:t>
-            </a:r>
-            <a:r>
-              <a:rPr lang="en-US" dirty="0" smtClean="0"/>
-              <a:t>x</a:t>
-            </a:r>
+              <a:t>Оценк</a:t>
+            </a:r>
+            <a:r>
+              <a:rPr lang="ru-RU" dirty="0"/>
+              <a:t>а</a:t>
+            </a:r>
+            <a:endParaRPr lang="ru-RU" dirty="0" smtClean="0"/>
+          </a:p>
+          <a:p>
+            <a:pPr>
+              <a:buFont typeface="+mj-lt"/>
+              <a:buAutoNum type="arabicPeriod"/>
+            </a:pPr>
             <a:r>
               <a:rPr lang="ru-RU" dirty="0" smtClean="0"/>
-              <a:t> 15,  5 цветов</a:t>
-            </a:r>
-            <a:endParaRPr lang="en-US" dirty="0" smtClean="0"/>
-          </a:p>
-          <a:p>
-            <a:pPr marL="0" indent="0">
-              <a:buNone/>
+              <a:t>Алгоритм поиска</a:t>
+            </a:r>
+          </a:p>
+          <a:p>
+            <a:pPr lvl="1">
+              <a:buFont typeface="+mj-lt"/>
+              <a:buAutoNum type="arabicPeriod"/>
             </a:pPr>
-            <a:r>
-              <a:rPr lang="en-US" dirty="0" smtClean="0"/>
-              <a:t>score</a:t>
-            </a:r>
-            <a:r>
-              <a:rPr lang="ru-RU" dirty="0" smtClean="0"/>
-              <a:t>(</a:t>
-            </a:r>
-            <a:r>
-              <a:rPr lang="en-US" dirty="0" smtClean="0"/>
-              <a:t>n) = (n-2)²</a:t>
-            </a:r>
-          </a:p>
-          <a:p>
-            <a:endParaRPr lang="en-US" dirty="0"/>
-          </a:p>
-          <a:p>
-            <a:pPr marL="0" indent="0">
-              <a:buNone/>
-            </a:pPr>
-            <a:r>
-              <a:rPr lang="en-US" dirty="0" smtClean="0"/>
-              <a:t>score(2) = 0</a:t>
-            </a:r>
-          </a:p>
-          <a:p>
-            <a:pPr marL="0" indent="0">
-              <a:buNone/>
-            </a:pPr>
-            <a:r>
-              <a:rPr lang="en-US" dirty="0" smtClean="0"/>
-              <a:t>score(3) = 1</a:t>
-            </a:r>
-          </a:p>
-          <a:p>
-            <a:pPr marL="0" indent="0">
-              <a:buNone/>
-            </a:pPr>
-            <a:r>
-              <a:rPr lang="en-US" dirty="0" smtClean="0"/>
-              <a:t>score(4) = 4</a:t>
-            </a:r>
-          </a:p>
-          <a:p>
-            <a:pPr marL="0" indent="0">
-              <a:buNone/>
-            </a:pPr>
-            <a:r>
-              <a:rPr lang="en-US" dirty="0" smtClean="0"/>
-              <a:t>score(5) = 9</a:t>
-            </a:r>
-          </a:p>
-          <a:p>
-            <a:pPr marL="0" indent="0">
-              <a:buNone/>
-            </a:pPr>
-            <a:r>
-              <a:rPr lang="en-US" dirty="0" smtClean="0"/>
-              <a:t>score(12) = 100</a:t>
-            </a:r>
-          </a:p>
-          <a:p>
-            <a:pPr marL="0" indent="0">
-              <a:buNone/>
-            </a:pPr>
-            <a:r>
-              <a:rPr lang="en-US" dirty="0" smtClean="0"/>
-              <a:t>score(42</a:t>
-            </a:r>
-            <a:r>
-              <a:rPr lang="en-US" dirty="0" smtClean="0"/>
-              <a:t>) = 1600</a:t>
-            </a:r>
             <a:endParaRPr lang="ru-RU" dirty="0"/>
           </a:p>
         </p:txBody>
@@ -15495,7 +17648,7 @@
     </p:spTree>
     <p:extLst>
       <p:ext uri="{BB962C8B-B14F-4D97-AF65-F5344CB8AC3E}">
-        <p14:creationId xmlns:p14="http://schemas.microsoft.com/office/powerpoint/2010/main" val="2706428516"/>
+        <p14:creationId xmlns:p14="http://schemas.microsoft.com/office/powerpoint/2010/main" val="1241705899"/>
       </p:ext>
     </p:extLst>
   </p:cSld>
@@ -15648,7 +17801,783 @@
     </p:spTree>
     <p:extLst>
       <p:ext uri="{BB962C8B-B14F-4D97-AF65-F5344CB8AC3E}">
-        <p14:creationId xmlns:p14="http://schemas.microsoft.com/office/powerpoint/2010/main" val="1241705899"/>
+        <p14:creationId xmlns:p14="http://schemas.microsoft.com/office/powerpoint/2010/main" val="2476317749"/>
+      </p:ext>
+    </p:extLst>
+  </p:cSld>
+  <p:clrMapOvr>
+    <a:masterClrMapping/>
+  </p:clrMapOvr>
+  <p:timing>
+    <p:tnLst>
+      <p:par>
+        <p:cTn id="1" dur="indefinite" restart="never" nodeType="tmRoot"/>
+      </p:par>
+    </p:tnLst>
+  </p:timing>
+</p:sld>
+</file>
+
+<file path=ppt/slides/slide6.xml><?xml version="1.0" encoding="utf-8"?>
+<p:sld xmlns:a="http://schemas.openxmlformats.org/drawingml/2006/main" xmlns:r="http://schemas.openxmlformats.org/officeDocument/2006/relationships" xmlns:p="http://schemas.openxmlformats.org/presentationml/2006/main">
+  <p:cSld>
+    <p:spTree>
+      <p:nvGrpSpPr>
+        <p:cNvPr id="1" name=""/>
+        <p:cNvGrpSpPr/>
+        <p:nvPr/>
+      </p:nvGrpSpPr>
+      <p:grpSpPr>
+        <a:xfrm>
+          <a:off x="0" y="0"/>
+          <a:ext cx="0" cy="0"/>
+          <a:chOff x="0" y="0"/>
+          <a:chExt cx="0" cy="0"/>
+        </a:xfrm>
+      </p:grpSpPr>
+      <p:sp>
+        <p:nvSpPr>
+          <p:cNvPr id="2" name="Заголовок 1"/>
+          <p:cNvSpPr>
+            <a:spLocks noGrp="1"/>
+          </p:cNvSpPr>
+          <p:nvPr>
+            <p:ph type="title"/>
+          </p:nvPr>
+        </p:nvSpPr>
+        <p:spPr/>
+        <p:txBody>
+          <a:bodyPr/>
+          <a:lstStyle/>
+          <a:p>
+            <a:r>
+              <a:rPr lang="ru-RU" dirty="0" smtClean="0"/>
+              <a:t>Состояние игры</a:t>
+            </a:r>
+            <a:endParaRPr lang="ru-RU" dirty="0"/>
+          </a:p>
+        </p:txBody>
+      </p:sp>
+      <p:sp>
+        <p:nvSpPr>
+          <p:cNvPr id="3" name="Объект 2"/>
+          <p:cNvSpPr>
+            <a:spLocks noGrp="1"/>
+          </p:cNvSpPr>
+          <p:nvPr>
+            <p:ph idx="1"/>
+          </p:nvPr>
+        </p:nvSpPr>
+        <p:spPr/>
+        <p:txBody>
+          <a:bodyPr/>
+          <a:lstStyle/>
+          <a:p>
+            <a:r>
+              <a:rPr lang="ru-RU" dirty="0" smtClean="0"/>
+              <a:t>Цвета </a:t>
+            </a:r>
+            <a:r>
+              <a:rPr lang="ru-RU" dirty="0" err="1" smtClean="0"/>
+              <a:t>тайлов</a:t>
+            </a:r>
+            <a:endParaRPr lang="ru-RU" dirty="0" smtClean="0"/>
+          </a:p>
+          <a:p>
+            <a:r>
+              <a:rPr lang="ru-RU" dirty="0" smtClean="0"/>
+              <a:t>Набранные очки</a:t>
+            </a:r>
+          </a:p>
+          <a:p>
+            <a:pPr marL="0" indent="0">
+              <a:buNone/>
+            </a:pPr>
+            <a:r>
+              <a:rPr lang="ru-RU" dirty="0" smtClean="0"/>
+              <a:t>Как хранить </a:t>
+            </a:r>
+            <a:r>
+              <a:rPr lang="ru-RU" dirty="0" err="1" smtClean="0"/>
+              <a:t>тайлы</a:t>
+            </a:r>
+            <a:r>
+              <a:rPr lang="ru-RU" dirty="0" smtClean="0"/>
+              <a:t>?</a:t>
+            </a:r>
+            <a:endParaRPr lang="ru-RU" dirty="0" smtClean="0"/>
+          </a:p>
+        </p:txBody>
+      </p:sp>
+      <p:sp>
+        <p:nvSpPr>
+          <p:cNvPr id="5" name="TextBox 4"/>
+          <p:cNvSpPr txBox="1"/>
+          <p:nvPr/>
+        </p:nvSpPr>
+        <p:spPr>
+          <a:xfrm>
+            <a:off x="4727805" y="3261738"/>
+            <a:ext cx="3073277" cy="2677656"/>
+          </a:xfrm>
+          <a:prstGeom prst="rect">
+            <a:avLst/>
+          </a:prstGeom>
+          <a:noFill/>
+        </p:spPr>
+        <p:txBody>
+          <a:bodyPr wrap="none" rtlCol="0">
+            <a:spAutoFit/>
+          </a:bodyPr>
+          <a:lstStyle/>
+          <a:p>
+            <a:r>
+              <a:rPr lang="en-US" sz="2400" dirty="0" smtClean="0">
+                <a:solidFill>
+                  <a:schemeClr val="bg1"/>
+                </a:solidFill>
+                <a:latin typeface="Consolas" panose="020B0609020204030204" pitchFamily="49" charset="0"/>
+              </a:rPr>
+              <a:t>columns = [</a:t>
+            </a:r>
+          </a:p>
+          <a:p>
+            <a:r>
+              <a:rPr lang="en-US" sz="2400" dirty="0">
+                <a:solidFill>
+                  <a:schemeClr val="bg1"/>
+                </a:solidFill>
+                <a:latin typeface="Consolas" panose="020B0609020204030204" pitchFamily="49" charset="0"/>
+              </a:rPr>
+              <a:t> </a:t>
+            </a:r>
+            <a:r>
+              <a:rPr lang="en-US" sz="2400" dirty="0" smtClean="0">
+                <a:solidFill>
+                  <a:schemeClr val="bg1"/>
+                </a:solidFill>
+                <a:latin typeface="Consolas" panose="020B0609020204030204" pitchFamily="49" charset="0"/>
+              </a:rPr>
+              <a:t>   [</a:t>
+            </a:r>
+            <a:r>
+              <a:rPr lang="en-US" sz="2400" b="1" dirty="0" smtClean="0">
+                <a:solidFill>
+                  <a:schemeClr val="accent5"/>
+                </a:solidFill>
+                <a:latin typeface="Consolas" panose="020B0609020204030204" pitchFamily="49" charset="0"/>
+              </a:rPr>
+              <a:t>G</a:t>
+            </a:r>
+            <a:r>
+              <a:rPr lang="en-US" sz="2400" dirty="0" smtClean="0">
+                <a:solidFill>
+                  <a:schemeClr val="bg1"/>
+                </a:solidFill>
+                <a:latin typeface="Consolas" panose="020B0609020204030204" pitchFamily="49" charset="0"/>
+              </a:rPr>
+              <a:t>, </a:t>
+            </a:r>
+            <a:r>
+              <a:rPr lang="en-US" sz="2400" b="1" dirty="0" smtClean="0">
+                <a:solidFill>
+                  <a:schemeClr val="accent5"/>
+                </a:solidFill>
+                <a:latin typeface="Consolas" panose="020B0609020204030204" pitchFamily="49" charset="0"/>
+              </a:rPr>
+              <a:t>G</a:t>
+            </a:r>
+            <a:r>
+              <a:rPr lang="en-US" sz="2400" dirty="0" smtClean="0">
+                <a:solidFill>
+                  <a:schemeClr val="bg1"/>
+                </a:solidFill>
+                <a:latin typeface="Consolas" panose="020B0609020204030204" pitchFamily="49" charset="0"/>
+              </a:rPr>
+              <a:t>, </a:t>
+            </a:r>
+            <a:r>
+              <a:rPr lang="en-US" sz="2400" b="1" dirty="0" smtClean="0">
+                <a:solidFill>
+                  <a:schemeClr val="accent3">
+                    <a:lumMod val="60000"/>
+                    <a:lumOff val="40000"/>
+                  </a:schemeClr>
+                </a:solidFill>
+                <a:latin typeface="Consolas" panose="020B0609020204030204" pitchFamily="49" charset="0"/>
+              </a:rPr>
+              <a:t>V</a:t>
+            </a:r>
+            <a:r>
+              <a:rPr lang="en-US" sz="2400" dirty="0" smtClean="0">
+                <a:solidFill>
+                  <a:schemeClr val="bg1"/>
+                </a:solidFill>
+                <a:latin typeface="Consolas" panose="020B0609020204030204" pitchFamily="49" charset="0"/>
+              </a:rPr>
+              <a:t>, </a:t>
+            </a:r>
+            <a:r>
+              <a:rPr lang="en-US" sz="2400" b="1" dirty="0" smtClean="0">
+                <a:solidFill>
+                  <a:srgbClr val="FF0000"/>
+                </a:solidFill>
+                <a:latin typeface="Consolas" panose="020B0609020204030204" pitchFamily="49" charset="0"/>
+              </a:rPr>
+              <a:t>R</a:t>
+            </a:r>
+            <a:r>
+              <a:rPr lang="en-US" sz="2400" dirty="0" smtClean="0">
+                <a:solidFill>
+                  <a:schemeClr val="bg1"/>
+                </a:solidFill>
+                <a:latin typeface="Consolas" panose="020B0609020204030204" pitchFamily="49" charset="0"/>
+              </a:rPr>
+              <a:t>],</a:t>
+            </a:r>
+          </a:p>
+          <a:p>
+            <a:r>
+              <a:rPr lang="en-US" sz="2400" dirty="0">
+                <a:solidFill>
+                  <a:schemeClr val="bg1"/>
+                </a:solidFill>
+                <a:latin typeface="Consolas" panose="020B0609020204030204" pitchFamily="49" charset="0"/>
+              </a:rPr>
+              <a:t> </a:t>
+            </a:r>
+            <a:r>
+              <a:rPr lang="en-US" sz="2400" dirty="0" smtClean="0">
+                <a:solidFill>
+                  <a:schemeClr val="bg1"/>
+                </a:solidFill>
+                <a:latin typeface="Consolas" panose="020B0609020204030204" pitchFamily="49" charset="0"/>
+              </a:rPr>
+              <a:t>   [</a:t>
+            </a:r>
+            <a:r>
+              <a:rPr lang="en-US" sz="2400" b="1" dirty="0" smtClean="0">
+                <a:solidFill>
+                  <a:schemeClr val="accent5"/>
+                </a:solidFill>
+                <a:latin typeface="Consolas" panose="020B0609020204030204" pitchFamily="49" charset="0"/>
+              </a:rPr>
+              <a:t>G</a:t>
+            </a:r>
+            <a:r>
+              <a:rPr lang="en-US" sz="2400" dirty="0" smtClean="0">
+                <a:solidFill>
+                  <a:schemeClr val="bg1"/>
+                </a:solidFill>
+                <a:latin typeface="Consolas" panose="020B0609020204030204" pitchFamily="49" charset="0"/>
+              </a:rPr>
+              <a:t>, </a:t>
+            </a:r>
+            <a:r>
+              <a:rPr lang="en-US" sz="2400" b="1" dirty="0" smtClean="0">
+                <a:solidFill>
+                  <a:schemeClr val="accent5"/>
+                </a:solidFill>
+                <a:latin typeface="Consolas" panose="020B0609020204030204" pitchFamily="49" charset="0"/>
+              </a:rPr>
+              <a:t>G</a:t>
+            </a:r>
+            <a:r>
+              <a:rPr lang="en-US" sz="2400" dirty="0" smtClean="0">
+                <a:solidFill>
+                  <a:schemeClr val="bg1"/>
+                </a:solidFill>
+                <a:latin typeface="Consolas" panose="020B0609020204030204" pitchFamily="49" charset="0"/>
+              </a:rPr>
+              <a:t>],</a:t>
+            </a:r>
+          </a:p>
+          <a:p>
+            <a:r>
+              <a:rPr lang="en-US" sz="2400" dirty="0" smtClean="0">
+                <a:solidFill>
+                  <a:schemeClr val="bg1"/>
+                </a:solidFill>
+                <a:latin typeface="Consolas" panose="020B0609020204030204" pitchFamily="49" charset="0"/>
+              </a:rPr>
+              <a:t>    [</a:t>
+            </a:r>
+            <a:r>
+              <a:rPr lang="en-US" sz="2400" b="1" dirty="0" smtClean="0">
+                <a:solidFill>
+                  <a:schemeClr val="accent3">
+                    <a:lumMod val="60000"/>
+                    <a:lumOff val="40000"/>
+                  </a:schemeClr>
+                </a:solidFill>
+                <a:latin typeface="Consolas" panose="020B0609020204030204" pitchFamily="49" charset="0"/>
+              </a:rPr>
+              <a:t>V</a:t>
+            </a:r>
+            <a:r>
+              <a:rPr lang="en-US" sz="2400" dirty="0" smtClean="0">
+                <a:solidFill>
+                  <a:schemeClr val="bg1"/>
+                </a:solidFill>
+                <a:latin typeface="Consolas" panose="020B0609020204030204" pitchFamily="49" charset="0"/>
+              </a:rPr>
+              <a:t>, </a:t>
+            </a:r>
+            <a:r>
+              <a:rPr lang="en-US" sz="2400" b="1" dirty="0" smtClean="0">
+                <a:solidFill>
+                  <a:srgbClr val="FF0000"/>
+                </a:solidFill>
+                <a:latin typeface="Consolas" panose="020B0609020204030204" pitchFamily="49" charset="0"/>
+              </a:rPr>
+              <a:t>R</a:t>
+            </a:r>
+            <a:r>
+              <a:rPr lang="en-US" sz="2400" dirty="0" smtClean="0">
+                <a:solidFill>
+                  <a:schemeClr val="bg1"/>
+                </a:solidFill>
+                <a:latin typeface="Consolas" panose="020B0609020204030204" pitchFamily="49" charset="0"/>
+              </a:rPr>
+              <a:t>, </a:t>
+            </a:r>
+            <a:r>
+              <a:rPr lang="en-US" sz="2400" b="1" dirty="0" smtClean="0">
+                <a:solidFill>
+                  <a:schemeClr val="accent3">
+                    <a:lumMod val="60000"/>
+                    <a:lumOff val="40000"/>
+                  </a:schemeClr>
+                </a:solidFill>
+                <a:latin typeface="Consolas" panose="020B0609020204030204" pitchFamily="49" charset="0"/>
+              </a:rPr>
+              <a:t>V</a:t>
+            </a:r>
+            <a:r>
+              <a:rPr lang="en-US" sz="2400" dirty="0" smtClean="0">
+                <a:solidFill>
+                  <a:schemeClr val="bg1"/>
+                </a:solidFill>
+                <a:latin typeface="Consolas" panose="020B0609020204030204" pitchFamily="49" charset="0"/>
+              </a:rPr>
+              <a:t>],</a:t>
+            </a:r>
+          </a:p>
+          <a:p>
+            <a:r>
+              <a:rPr lang="en-US" sz="2400" dirty="0" smtClean="0">
+                <a:solidFill>
+                  <a:schemeClr val="bg1"/>
+                </a:solidFill>
+                <a:latin typeface="Consolas" panose="020B0609020204030204" pitchFamily="49" charset="0"/>
+              </a:rPr>
+              <a:t>    [</a:t>
+            </a:r>
+            <a:r>
+              <a:rPr lang="en-US" sz="2400" b="1" dirty="0" smtClean="0">
+                <a:solidFill>
+                  <a:srgbClr val="FFFF00"/>
+                </a:solidFill>
+                <a:latin typeface="Consolas" panose="020B0609020204030204" pitchFamily="49" charset="0"/>
+              </a:rPr>
+              <a:t>Y</a:t>
+            </a:r>
+            <a:r>
+              <a:rPr lang="en-US" sz="2400" dirty="0" smtClean="0">
+                <a:solidFill>
+                  <a:schemeClr val="bg1"/>
+                </a:solidFill>
+                <a:latin typeface="Consolas" panose="020B0609020204030204" pitchFamily="49" charset="0"/>
+              </a:rPr>
+              <a:t>, </a:t>
+            </a:r>
+            <a:r>
+              <a:rPr lang="en-US" sz="2400" b="1" dirty="0" smtClean="0">
+                <a:solidFill>
+                  <a:schemeClr val="accent3">
+                    <a:lumMod val="60000"/>
+                    <a:lumOff val="40000"/>
+                  </a:schemeClr>
+                </a:solidFill>
+                <a:latin typeface="Consolas" panose="020B0609020204030204" pitchFamily="49" charset="0"/>
+              </a:rPr>
+              <a:t>V</a:t>
+            </a:r>
+            <a:r>
+              <a:rPr lang="en-US" sz="2400" dirty="0" smtClean="0">
+                <a:solidFill>
+                  <a:schemeClr val="bg1"/>
+                </a:solidFill>
+                <a:latin typeface="Consolas" panose="020B0609020204030204" pitchFamily="49" charset="0"/>
+              </a:rPr>
+              <a:t>, </a:t>
+            </a:r>
+            <a:r>
+              <a:rPr lang="en-US" sz="2400" b="1" dirty="0" smtClean="0">
+                <a:solidFill>
+                  <a:srgbClr val="FF0000"/>
+                </a:solidFill>
+                <a:latin typeface="Consolas" panose="020B0609020204030204" pitchFamily="49" charset="0"/>
+              </a:rPr>
+              <a:t>R</a:t>
+            </a:r>
+            <a:r>
+              <a:rPr lang="en-US" sz="2400" dirty="0" smtClean="0">
+                <a:solidFill>
+                  <a:schemeClr val="bg1"/>
+                </a:solidFill>
+                <a:latin typeface="Consolas" panose="020B0609020204030204" pitchFamily="49" charset="0"/>
+              </a:rPr>
+              <a:t>, </a:t>
+            </a:r>
+            <a:r>
+              <a:rPr lang="en-US" sz="2400" b="1" dirty="0" smtClean="0">
+                <a:solidFill>
+                  <a:schemeClr val="accent3">
+                    <a:lumMod val="60000"/>
+                    <a:lumOff val="40000"/>
+                  </a:schemeClr>
+                </a:solidFill>
+                <a:latin typeface="Consolas" panose="020B0609020204030204" pitchFamily="49" charset="0"/>
+              </a:rPr>
+              <a:t>V</a:t>
+            </a:r>
+            <a:r>
+              <a:rPr lang="en-US" sz="2400" dirty="0" smtClean="0">
+                <a:solidFill>
+                  <a:schemeClr val="bg1"/>
+                </a:solidFill>
+                <a:latin typeface="Consolas" panose="020B0609020204030204" pitchFamily="49" charset="0"/>
+              </a:rPr>
+              <a:t>],</a:t>
+            </a:r>
+          </a:p>
+          <a:p>
+            <a:r>
+              <a:rPr lang="en-US" sz="2400" dirty="0" smtClean="0">
+                <a:solidFill>
+                  <a:schemeClr val="bg1"/>
+                </a:solidFill>
+                <a:latin typeface="Consolas" panose="020B0609020204030204" pitchFamily="49" charset="0"/>
+              </a:rPr>
+              <a:t>    [</a:t>
+            </a:r>
+            <a:r>
+              <a:rPr lang="en-US" sz="2400" b="1" dirty="0" smtClean="0">
+                <a:solidFill>
+                  <a:srgbClr val="FFFF00"/>
+                </a:solidFill>
+                <a:latin typeface="Consolas" panose="020B0609020204030204" pitchFamily="49" charset="0"/>
+              </a:rPr>
+              <a:t>Y</a:t>
+            </a:r>
+            <a:r>
+              <a:rPr lang="en-US" sz="2400" dirty="0" smtClean="0">
+                <a:solidFill>
+                  <a:schemeClr val="bg1"/>
+                </a:solidFill>
+                <a:latin typeface="Consolas" panose="020B0609020204030204" pitchFamily="49" charset="0"/>
+              </a:rPr>
+              <a:t>, </a:t>
+            </a:r>
+            <a:r>
+              <a:rPr lang="en-US" sz="2400" b="1" dirty="0" smtClean="0">
+                <a:solidFill>
+                  <a:schemeClr val="accent5"/>
+                </a:solidFill>
+                <a:latin typeface="Consolas" panose="020B0609020204030204" pitchFamily="49" charset="0"/>
+              </a:rPr>
+              <a:t>G</a:t>
+            </a:r>
+            <a:r>
+              <a:rPr lang="en-US" sz="2400" dirty="0" smtClean="0">
+                <a:solidFill>
+                  <a:schemeClr val="bg1"/>
+                </a:solidFill>
+                <a:latin typeface="Consolas" panose="020B0609020204030204" pitchFamily="49" charset="0"/>
+              </a:rPr>
+              <a:t>, </a:t>
+            </a:r>
+            <a:r>
+              <a:rPr lang="en-US" sz="2400" b="1" dirty="0" smtClean="0">
+                <a:solidFill>
+                  <a:schemeClr val="accent5"/>
+                </a:solidFill>
+                <a:latin typeface="Consolas" panose="020B0609020204030204" pitchFamily="49" charset="0"/>
+              </a:rPr>
+              <a:t>G</a:t>
+            </a:r>
+            <a:r>
+              <a:rPr lang="en-US" sz="2400" dirty="0" smtClean="0">
+                <a:solidFill>
+                  <a:schemeClr val="bg1"/>
+                </a:solidFill>
+                <a:latin typeface="Consolas" panose="020B0609020204030204" pitchFamily="49" charset="0"/>
+              </a:rPr>
+              <a:t>]</a:t>
+            </a:r>
+            <a:endParaRPr lang="en-US" sz="2400" dirty="0">
+              <a:solidFill>
+                <a:schemeClr val="bg1"/>
+              </a:solidFill>
+              <a:latin typeface="Consolas" panose="020B0609020204030204" pitchFamily="49" charset="0"/>
+            </a:endParaRPr>
+          </a:p>
+          <a:p>
+            <a:r>
+              <a:rPr lang="en-US" sz="2400" dirty="0" smtClean="0">
+                <a:solidFill>
+                  <a:schemeClr val="bg1"/>
+                </a:solidFill>
+                <a:latin typeface="Consolas" panose="020B0609020204030204" pitchFamily="49" charset="0"/>
+              </a:rPr>
+              <a:t>]</a:t>
+            </a:r>
+          </a:p>
+        </p:txBody>
+      </p:sp>
+      <p:pic>
+        <p:nvPicPr>
+          <p:cNvPr id="6" name="Рисунок 5"/>
+          <p:cNvPicPr>
+            <a:picLocks noChangeAspect="1"/>
+          </p:cNvPicPr>
+          <p:nvPr/>
+        </p:nvPicPr>
+        <p:blipFill>
+          <a:blip r:embed="rId3"/>
+          <a:stretch>
+            <a:fillRect/>
+          </a:stretch>
+        </p:blipFill>
+        <p:spPr>
+          <a:xfrm>
+            <a:off x="623887" y="3386138"/>
+            <a:ext cx="3373655" cy="2466022"/>
+          </a:xfrm>
+          <a:prstGeom prst="rect">
+            <a:avLst/>
+          </a:prstGeom>
+        </p:spPr>
+      </p:pic>
+      <p:sp>
+        <p:nvSpPr>
+          <p:cNvPr id="7" name="TextBox 6"/>
+          <p:cNvSpPr txBox="1"/>
+          <p:nvPr/>
+        </p:nvSpPr>
+        <p:spPr>
+          <a:xfrm>
+            <a:off x="8506051" y="3261738"/>
+            <a:ext cx="2393604" cy="461665"/>
+          </a:xfrm>
+          <a:prstGeom prst="rect">
+            <a:avLst/>
+          </a:prstGeom>
+          <a:noFill/>
+        </p:spPr>
+        <p:txBody>
+          <a:bodyPr wrap="none" rtlCol="0">
+            <a:spAutoFit/>
+          </a:bodyPr>
+          <a:lstStyle/>
+          <a:p>
+            <a:r>
+              <a:rPr lang="en-US" sz="2400" dirty="0" smtClean="0">
+                <a:solidFill>
+                  <a:schemeClr val="bg1"/>
+                </a:solidFill>
+                <a:latin typeface="Consolas" panose="020B0609020204030204" pitchFamily="49" charset="0"/>
+              </a:rPr>
+              <a:t>move = (3, 0)</a:t>
+            </a:r>
+          </a:p>
+        </p:txBody>
+      </p:sp>
+      <p:sp>
+        <p:nvSpPr>
+          <p:cNvPr id="13" name="Двойные круглые скобки 12"/>
+          <p:cNvSpPr/>
+          <p:nvPr/>
+        </p:nvSpPr>
+        <p:spPr>
+          <a:xfrm>
+            <a:off x="556511" y="4128260"/>
+            <a:ext cx="632210" cy="1862489"/>
+          </a:xfrm>
+          <a:prstGeom prst="bracketPair">
+            <a:avLst/>
+          </a:prstGeom>
+          <a:ln w="57150">
+            <a:solidFill>
+              <a:srgbClr val="CC17D8"/>
+            </a:solidFill>
+          </a:ln>
+        </p:spPr>
+        <p:style>
+          <a:lnRef idx="1">
+            <a:schemeClr val="accent1"/>
+          </a:lnRef>
+          <a:fillRef idx="0">
+            <a:schemeClr val="accent1"/>
+          </a:fillRef>
+          <a:effectRef idx="0">
+            <a:schemeClr val="accent1"/>
+          </a:effectRef>
+          <a:fontRef idx="minor">
+            <a:schemeClr val="tx1"/>
+          </a:fontRef>
+        </p:style>
+        <p:txBody>
+          <a:bodyPr rtlCol="0" anchor="ctr"/>
+          <a:lstStyle/>
+          <a:p>
+            <a:pPr algn="ctr"/>
+            <a:endParaRPr lang="ru-RU">
+              <a:solidFill>
+                <a:schemeClr val="accent1"/>
+              </a:solidFill>
+            </a:endParaRPr>
+          </a:p>
+        </p:txBody>
+      </p:sp>
+      <p:sp>
+        <p:nvSpPr>
+          <p:cNvPr id="14" name="Двойные круглые скобки 13"/>
+          <p:cNvSpPr/>
+          <p:nvPr/>
+        </p:nvSpPr>
+        <p:spPr>
+          <a:xfrm>
+            <a:off x="5348286" y="3644231"/>
+            <a:ext cx="2452795" cy="460944"/>
+          </a:xfrm>
+          <a:prstGeom prst="bracketPair">
+            <a:avLst/>
+          </a:prstGeom>
+          <a:ln w="57150">
+            <a:solidFill>
+              <a:srgbClr val="CC17D8"/>
+            </a:solidFill>
+          </a:ln>
+        </p:spPr>
+        <p:style>
+          <a:lnRef idx="1">
+            <a:schemeClr val="accent1"/>
+          </a:lnRef>
+          <a:fillRef idx="0">
+            <a:schemeClr val="accent1"/>
+          </a:fillRef>
+          <a:effectRef idx="0">
+            <a:schemeClr val="accent1"/>
+          </a:effectRef>
+          <a:fontRef idx="minor">
+            <a:schemeClr val="tx1"/>
+          </a:fontRef>
+        </p:style>
+        <p:txBody>
+          <a:bodyPr rtlCol="0" anchor="ctr"/>
+          <a:lstStyle/>
+          <a:p>
+            <a:pPr algn="ctr"/>
+            <a:endParaRPr lang="ru-RU">
+              <a:solidFill>
+                <a:schemeClr val="accent1"/>
+              </a:solidFill>
+            </a:endParaRPr>
+          </a:p>
+        </p:txBody>
+      </p:sp>
+      <p:sp>
+        <p:nvSpPr>
+          <p:cNvPr id="15" name="Двойные круглые скобки 14"/>
+          <p:cNvSpPr/>
+          <p:nvPr/>
+        </p:nvSpPr>
+        <p:spPr>
+          <a:xfrm>
+            <a:off x="1668878" y="5312374"/>
+            <a:ext cx="632210" cy="600602"/>
+          </a:xfrm>
+          <a:prstGeom prst="bracketPair">
+            <a:avLst/>
+          </a:prstGeom>
+          <a:ln w="57150">
+            <a:solidFill>
+              <a:schemeClr val="accent2"/>
+            </a:solidFill>
+          </a:ln>
+        </p:spPr>
+        <p:style>
+          <a:lnRef idx="1">
+            <a:schemeClr val="accent1"/>
+          </a:lnRef>
+          <a:fillRef idx="0">
+            <a:schemeClr val="accent1"/>
+          </a:fillRef>
+          <a:effectRef idx="0">
+            <a:schemeClr val="accent1"/>
+          </a:effectRef>
+          <a:fontRef idx="minor">
+            <a:schemeClr val="tx1"/>
+          </a:fontRef>
+        </p:style>
+        <p:txBody>
+          <a:bodyPr rtlCol="0" anchor="ctr"/>
+          <a:lstStyle/>
+          <a:p>
+            <a:pPr algn="ctr"/>
+            <a:endParaRPr lang="ru-RU"/>
+          </a:p>
+        </p:txBody>
+      </p:sp>
+      <p:sp>
+        <p:nvSpPr>
+          <p:cNvPr id="16" name="Двойные круглые скобки 15"/>
+          <p:cNvSpPr/>
+          <p:nvPr/>
+        </p:nvSpPr>
+        <p:spPr>
+          <a:xfrm>
+            <a:off x="8422105" y="3218422"/>
+            <a:ext cx="2569946" cy="600602"/>
+          </a:xfrm>
+          <a:prstGeom prst="bracketPair">
+            <a:avLst/>
+          </a:prstGeom>
+          <a:ln w="57150">
+            <a:solidFill>
+              <a:schemeClr val="accent2"/>
+            </a:solidFill>
+          </a:ln>
+        </p:spPr>
+        <p:style>
+          <a:lnRef idx="1">
+            <a:schemeClr val="accent1"/>
+          </a:lnRef>
+          <a:fillRef idx="0">
+            <a:schemeClr val="accent1"/>
+          </a:fillRef>
+          <a:effectRef idx="0">
+            <a:schemeClr val="accent1"/>
+          </a:effectRef>
+          <a:fontRef idx="minor">
+            <a:schemeClr val="tx1"/>
+          </a:fontRef>
+        </p:style>
+        <p:txBody>
+          <a:bodyPr rtlCol="0" anchor="ctr"/>
+          <a:lstStyle/>
+          <a:p>
+            <a:pPr algn="ctr"/>
+            <a:endParaRPr lang="ru-RU"/>
+          </a:p>
+        </p:txBody>
+      </p:sp>
+    </p:spTree>
+    <p:extLst>
+      <p:ext uri="{BB962C8B-B14F-4D97-AF65-F5344CB8AC3E}">
+        <p14:creationId xmlns:p14="http://schemas.microsoft.com/office/powerpoint/2010/main" val="3350859468"/>
       </p:ext>
     </p:extLst>
   </p:cSld>
@@ -15676,7 +18605,7 @@
                             </p:stCondLst>
                             <p:childTnLst>
                               <p:par>
-                                <p:cTn id="5" presetID="1" presetClass="entr" presetSubtype="0" fill="hold" grpId="0" nodeType="clickEffect">
+                                <p:cTn id="5" presetID="1" presetClass="entr" presetSubtype="0" fill="hold" nodeType="clickEffect">
                                   <p:stCondLst>
                                     <p:cond delay="0"/>
                                   </p:stCondLst>
@@ -15707,7 +18636,7 @@
                                 </p:cTn>
                               </p:par>
                               <p:par>
-                                <p:cTn id="7" presetID="1" presetClass="entr" presetSubtype="0" fill="hold" grpId="0" nodeType="withEffect">
+                                <p:cTn id="7" presetID="1" presetClass="entr" presetSubtype="0" fill="hold" nodeType="withEffect">
                                   <p:stCondLst>
                                     <p:cond delay="0"/>
                                   </p:stCondLst>
@@ -15737,39 +18666,26 @@
                                   </p:childTnLst>
                                 </p:cTn>
                               </p:par>
+                            </p:childTnLst>
+                          </p:cTn>
+                        </p:par>
+                      </p:childTnLst>
+                    </p:cTn>
+                  </p:par>
+                  <p:par>
+                    <p:cTn id="9" fill="hold">
+                      <p:stCondLst>
+                        <p:cond delay="indefinite"/>
+                      </p:stCondLst>
+                      <p:childTnLst>
+                        <p:par>
+                          <p:cTn id="10" fill="hold">
+                            <p:stCondLst>
+                              <p:cond delay="0"/>
+                            </p:stCondLst>
+                            <p:childTnLst>
                               <p:par>
-                                <p:cTn id="9" presetID="1" presetClass="entr" presetSubtype="0" fill="hold" grpId="0" nodeType="withEffect">
-                                  <p:stCondLst>
-                                    <p:cond delay="0"/>
-                                  </p:stCondLst>
-                                  <p:childTnLst>
-                                    <p:set>
-                                      <p:cBhvr>
-                                        <p:cTn id="10" dur="1" fill="hold">
-                                          <p:stCondLst>
-                                            <p:cond delay="0"/>
-                                          </p:stCondLst>
-                                        </p:cTn>
-                                        <p:tgtEl>
-                                          <p:spTgt spid="3">
-                                            <p:txEl>
-                                              <p:pRg st="2" end="2"/>
-                                            </p:txEl>
-                                          </p:spTgt>
-                                        </p:tgtEl>
-                                        <p:attrNameLst>
-                                          <p:attrName>style.visibility</p:attrName>
-                                        </p:attrNameLst>
-                                      </p:cBhvr>
-                                      <p:to>
-                                        <p:strVal val="visible"/>
-                                      </p:to>
-                                    </p:set>
-                                  </p:childTnLst>
-                                </p:cTn>
-                              </p:par>
-                              <p:par>
-                                <p:cTn id="11" presetID="1" presetClass="entr" presetSubtype="0" fill="hold" grpId="0" nodeType="withEffect">
+                                <p:cTn id="11" presetID="1" presetClass="entr" presetSubtype="0" fill="hold" nodeType="clickEffect">
                                   <p:stCondLst>
                                     <p:cond delay="0"/>
                                   </p:stCondLst>
@@ -15784,7 +18700,7 @@
                                         <p:tgtEl>
                                           <p:spTgt spid="3">
                                             <p:txEl>
-                                              <p:pRg st="3" end="3"/>
+                                              <p:pRg st="2" end="2"/>
                                             </p:txEl>
                                           </p:spTgt>
                                         </p:tgtEl>
@@ -15818,7 +18734,7 @@
                             </p:stCondLst>
                             <p:childTnLst>
                               <p:par>
-                                <p:cTn id="15" presetID="1" presetClass="entr" presetSubtype="0" fill="hold" grpId="0" nodeType="clickEffect">
+                                <p:cTn id="15" presetID="1" presetClass="entr" presetSubtype="0" fill="hold" nodeType="clickEffect">
                                   <p:stCondLst>
                                     <p:cond delay="0"/>
                                   </p:stCondLst>
@@ -15831,1005 +18747,7 @@
                                           </p:stCondLst>
                                         </p:cTn>
                                         <p:tgtEl>
-                                          <p:spTgt spid="3">
-                                            <p:txEl>
-                                              <p:pRg st="4" end="4"/>
-                                            </p:txEl>
-                                          </p:spTgt>
-                                        </p:tgtEl>
-                                        <p:attrNameLst>
-                                          <p:attrName>style.visibility</p:attrName>
-                                        </p:attrNameLst>
-                                      </p:cBhvr>
-                                      <p:to>
-                                        <p:strVal val="visible"/>
-                                      </p:to>
-                                    </p:set>
-                                  </p:childTnLst>
-                                </p:cTn>
-                              </p:par>
-                            </p:childTnLst>
-                          </p:cTn>
-                        </p:par>
-                      </p:childTnLst>
-                    </p:cTn>
-                  </p:par>
-                  <p:par>
-                    <p:cTn id="17" fill="hold">
-                      <p:stCondLst>
-                        <p:cond delay="indefinite"/>
-                      </p:stCondLst>
-                      <p:childTnLst>
-                        <p:par>
-                          <p:cTn id="18" fill="hold">
-                            <p:stCondLst>
-                              <p:cond delay="0"/>
-                            </p:stCondLst>
-                            <p:childTnLst>
-                              <p:par>
-                                <p:cTn id="19" presetID="1" presetClass="entr" presetSubtype="0" fill="hold" grpId="0" nodeType="clickEffect">
-                                  <p:stCondLst>
-                                    <p:cond delay="0"/>
-                                  </p:stCondLst>
-                                  <p:childTnLst>
-                                    <p:set>
-                                      <p:cBhvr>
-                                        <p:cTn id="20" dur="1" fill="hold">
-                                          <p:stCondLst>
-                                            <p:cond delay="0"/>
-                                          </p:stCondLst>
-                                        </p:cTn>
-                                        <p:tgtEl>
-                                          <p:spTgt spid="3">
-                                            <p:txEl>
-                                              <p:pRg st="5" end="5"/>
-                                            </p:txEl>
-                                          </p:spTgt>
-                                        </p:tgtEl>
-                                        <p:attrNameLst>
-                                          <p:attrName>style.visibility</p:attrName>
-                                        </p:attrNameLst>
-                                      </p:cBhvr>
-                                      <p:to>
-                                        <p:strVal val="visible"/>
-                                      </p:to>
-                                    </p:set>
-                                  </p:childTnLst>
-                                </p:cTn>
-                              </p:par>
-                            </p:childTnLst>
-                          </p:cTn>
-                        </p:par>
-                      </p:childTnLst>
-                    </p:cTn>
-                  </p:par>
-                </p:childTnLst>
-              </p:cTn>
-              <p:prevCondLst>
-                <p:cond evt="onPrev" delay="0">
-                  <p:tgtEl>
-                    <p:sldTgt/>
-                  </p:tgtEl>
-                </p:cond>
-              </p:prevCondLst>
-              <p:nextCondLst>
-                <p:cond evt="onNext" delay="0">
-                  <p:tgtEl>
-                    <p:sldTgt/>
-                  </p:tgtEl>
-                </p:cond>
-              </p:nextCondLst>
-            </p:seq>
-          </p:childTnLst>
-        </p:cTn>
-      </p:par>
-    </p:tnLst>
-    <p:bldLst>
-      <p:bldP spid="3" grpId="0" build="p"/>
-    </p:bldLst>
-  </p:timing>
-</p:sld>
-</file>
-
-<file path=ppt/slides/slide6.xml><?xml version="1.0" encoding="utf-8"?>
-<p:sld xmlns:a="http://schemas.openxmlformats.org/drawingml/2006/main" xmlns:r="http://schemas.openxmlformats.org/officeDocument/2006/relationships" xmlns:p="http://schemas.openxmlformats.org/presentationml/2006/main">
-  <p:cSld>
-    <p:spTree>
-      <p:nvGrpSpPr>
-        <p:cNvPr id="1" name=""/>
-        <p:cNvGrpSpPr/>
-        <p:nvPr/>
-      </p:nvGrpSpPr>
-      <p:grpSpPr>
-        <a:xfrm>
-          <a:off x="0" y="0"/>
-          <a:ext cx="0" cy="0"/>
-          <a:chOff x="0" y="0"/>
-          <a:chExt cx="0" cy="0"/>
-        </a:xfrm>
-      </p:grpSpPr>
-      <p:sp>
-        <p:nvSpPr>
-          <p:cNvPr id="2" name="Заголовок 1"/>
-          <p:cNvSpPr>
-            <a:spLocks noGrp="1"/>
-          </p:cNvSpPr>
-          <p:nvPr>
-            <p:ph type="title"/>
-          </p:nvPr>
-        </p:nvSpPr>
-        <p:spPr/>
-        <p:txBody>
-          <a:bodyPr/>
-          <a:lstStyle/>
-          <a:p>
-            <a:r>
-              <a:rPr lang="ru-RU" dirty="0"/>
-              <a:t>Состояние игры</a:t>
-            </a:r>
-          </a:p>
-        </p:txBody>
-      </p:sp>
-      <p:sp>
-        <p:nvSpPr>
-          <p:cNvPr id="3" name="Объект 2"/>
-          <p:cNvSpPr>
-            <a:spLocks noGrp="1"/>
-          </p:cNvSpPr>
-          <p:nvPr>
-            <p:ph idx="1"/>
-          </p:nvPr>
-        </p:nvSpPr>
-        <p:spPr/>
-        <p:txBody>
-          <a:bodyPr/>
-          <a:lstStyle/>
-          <a:p>
-            <a:r>
-              <a:rPr lang="ru-RU" dirty="0" smtClean="0"/>
-              <a:t>Список столбцов с </a:t>
-            </a:r>
-            <a:r>
-              <a:rPr lang="ru-RU" dirty="0" err="1" smtClean="0"/>
-              <a:t>тайлами</a:t>
-            </a:r>
-            <a:endParaRPr lang="ru-RU" dirty="0" smtClean="0"/>
-          </a:p>
-          <a:p>
-            <a:r>
-              <a:rPr lang="ru-RU" dirty="0" smtClean="0"/>
-              <a:t>Набранные очки</a:t>
-            </a:r>
-          </a:p>
-        </p:txBody>
-      </p:sp>
-      <p:sp>
-        <p:nvSpPr>
-          <p:cNvPr id="5" name="TextBox 4"/>
-          <p:cNvSpPr txBox="1"/>
-          <p:nvPr/>
-        </p:nvSpPr>
-        <p:spPr>
-          <a:xfrm>
-            <a:off x="4727805" y="3261738"/>
-            <a:ext cx="3073277" cy="2677656"/>
-          </a:xfrm>
-          <a:prstGeom prst="rect">
-            <a:avLst/>
-          </a:prstGeom>
-          <a:noFill/>
-        </p:spPr>
-        <p:txBody>
-          <a:bodyPr wrap="none" rtlCol="0">
-            <a:spAutoFit/>
-          </a:bodyPr>
-          <a:lstStyle/>
-          <a:p>
-            <a:r>
-              <a:rPr lang="en-US" sz="2400" dirty="0" smtClean="0">
-                <a:solidFill>
-                  <a:schemeClr val="bg1"/>
-                </a:solidFill>
-                <a:latin typeface="Consolas" panose="020B0609020204030204" pitchFamily="49" charset="0"/>
-              </a:rPr>
-              <a:t>columns = [</a:t>
-            </a:r>
-          </a:p>
-          <a:p>
-            <a:r>
-              <a:rPr lang="en-US" sz="2400" dirty="0">
-                <a:solidFill>
-                  <a:schemeClr val="bg1"/>
-                </a:solidFill>
-                <a:latin typeface="Consolas" panose="020B0609020204030204" pitchFamily="49" charset="0"/>
-              </a:rPr>
-              <a:t> </a:t>
-            </a:r>
-            <a:r>
-              <a:rPr lang="en-US" sz="2400" dirty="0" smtClean="0">
-                <a:solidFill>
-                  <a:schemeClr val="bg1"/>
-                </a:solidFill>
-                <a:latin typeface="Consolas" panose="020B0609020204030204" pitchFamily="49" charset="0"/>
-              </a:rPr>
-              <a:t>   [</a:t>
-            </a:r>
-            <a:r>
-              <a:rPr lang="en-US" sz="2400" b="1" dirty="0" smtClean="0">
-                <a:solidFill>
-                  <a:schemeClr val="accent5"/>
-                </a:solidFill>
-                <a:latin typeface="Consolas" panose="020B0609020204030204" pitchFamily="49" charset="0"/>
-              </a:rPr>
-              <a:t>G</a:t>
-            </a:r>
-            <a:r>
-              <a:rPr lang="en-US" sz="2400" dirty="0" smtClean="0">
-                <a:solidFill>
-                  <a:schemeClr val="bg1"/>
-                </a:solidFill>
-                <a:latin typeface="Consolas" panose="020B0609020204030204" pitchFamily="49" charset="0"/>
-              </a:rPr>
-              <a:t>, </a:t>
-            </a:r>
-            <a:r>
-              <a:rPr lang="en-US" sz="2400" b="1" dirty="0" smtClean="0">
-                <a:solidFill>
-                  <a:schemeClr val="accent5"/>
-                </a:solidFill>
-                <a:latin typeface="Consolas" panose="020B0609020204030204" pitchFamily="49" charset="0"/>
-              </a:rPr>
-              <a:t>G</a:t>
-            </a:r>
-            <a:r>
-              <a:rPr lang="en-US" sz="2400" dirty="0" smtClean="0">
-                <a:solidFill>
-                  <a:schemeClr val="bg1"/>
-                </a:solidFill>
-                <a:latin typeface="Consolas" panose="020B0609020204030204" pitchFamily="49" charset="0"/>
-              </a:rPr>
-              <a:t>, </a:t>
-            </a:r>
-            <a:r>
-              <a:rPr lang="en-US" sz="2400" b="1" dirty="0" smtClean="0">
-                <a:solidFill>
-                  <a:schemeClr val="accent3">
-                    <a:lumMod val="60000"/>
-                    <a:lumOff val="40000"/>
-                  </a:schemeClr>
-                </a:solidFill>
-                <a:latin typeface="Consolas" panose="020B0609020204030204" pitchFamily="49" charset="0"/>
-              </a:rPr>
-              <a:t>V</a:t>
-            </a:r>
-            <a:r>
-              <a:rPr lang="en-US" sz="2400" dirty="0" smtClean="0">
-                <a:solidFill>
-                  <a:schemeClr val="bg1"/>
-                </a:solidFill>
-                <a:latin typeface="Consolas" panose="020B0609020204030204" pitchFamily="49" charset="0"/>
-              </a:rPr>
-              <a:t>, </a:t>
-            </a:r>
-            <a:r>
-              <a:rPr lang="en-US" sz="2400" b="1" dirty="0" smtClean="0">
-                <a:solidFill>
-                  <a:srgbClr val="FF0000"/>
-                </a:solidFill>
-                <a:latin typeface="Consolas" panose="020B0609020204030204" pitchFamily="49" charset="0"/>
-              </a:rPr>
-              <a:t>R</a:t>
-            </a:r>
-            <a:r>
-              <a:rPr lang="en-US" sz="2400" dirty="0" smtClean="0">
-                <a:solidFill>
-                  <a:schemeClr val="bg1"/>
-                </a:solidFill>
-                <a:latin typeface="Consolas" panose="020B0609020204030204" pitchFamily="49" charset="0"/>
-              </a:rPr>
-              <a:t>],</a:t>
-            </a:r>
-          </a:p>
-          <a:p>
-            <a:r>
-              <a:rPr lang="en-US" sz="2400" dirty="0">
-                <a:solidFill>
-                  <a:schemeClr val="bg1"/>
-                </a:solidFill>
-                <a:latin typeface="Consolas" panose="020B0609020204030204" pitchFamily="49" charset="0"/>
-              </a:rPr>
-              <a:t> </a:t>
-            </a:r>
-            <a:r>
-              <a:rPr lang="en-US" sz="2400" dirty="0" smtClean="0">
-                <a:solidFill>
-                  <a:schemeClr val="bg1"/>
-                </a:solidFill>
-                <a:latin typeface="Consolas" panose="020B0609020204030204" pitchFamily="49" charset="0"/>
-              </a:rPr>
-              <a:t>   [</a:t>
-            </a:r>
-            <a:r>
-              <a:rPr lang="en-US" sz="2400" b="1" dirty="0" smtClean="0">
-                <a:solidFill>
-                  <a:schemeClr val="accent5"/>
-                </a:solidFill>
-                <a:latin typeface="Consolas" panose="020B0609020204030204" pitchFamily="49" charset="0"/>
-              </a:rPr>
-              <a:t>G</a:t>
-            </a:r>
-            <a:r>
-              <a:rPr lang="en-US" sz="2400" dirty="0" smtClean="0">
-                <a:solidFill>
-                  <a:schemeClr val="bg1"/>
-                </a:solidFill>
-                <a:latin typeface="Consolas" panose="020B0609020204030204" pitchFamily="49" charset="0"/>
-              </a:rPr>
-              <a:t>, </a:t>
-            </a:r>
-            <a:r>
-              <a:rPr lang="en-US" sz="2400" b="1" dirty="0" smtClean="0">
-                <a:solidFill>
-                  <a:schemeClr val="accent5"/>
-                </a:solidFill>
-                <a:latin typeface="Consolas" panose="020B0609020204030204" pitchFamily="49" charset="0"/>
-              </a:rPr>
-              <a:t>G</a:t>
-            </a:r>
-            <a:r>
-              <a:rPr lang="en-US" sz="2400" dirty="0" smtClean="0">
-                <a:solidFill>
-                  <a:schemeClr val="bg1"/>
-                </a:solidFill>
-                <a:latin typeface="Consolas" panose="020B0609020204030204" pitchFamily="49" charset="0"/>
-              </a:rPr>
-              <a:t>],</a:t>
-            </a:r>
-          </a:p>
-          <a:p>
-            <a:r>
-              <a:rPr lang="en-US" sz="2400" dirty="0" smtClean="0">
-                <a:solidFill>
-                  <a:schemeClr val="bg1"/>
-                </a:solidFill>
-                <a:latin typeface="Consolas" panose="020B0609020204030204" pitchFamily="49" charset="0"/>
-              </a:rPr>
-              <a:t>    [</a:t>
-            </a:r>
-            <a:r>
-              <a:rPr lang="en-US" sz="2400" b="1" dirty="0" smtClean="0">
-                <a:solidFill>
-                  <a:schemeClr val="accent3">
-                    <a:lumMod val="60000"/>
-                    <a:lumOff val="40000"/>
-                  </a:schemeClr>
-                </a:solidFill>
-                <a:latin typeface="Consolas" panose="020B0609020204030204" pitchFamily="49" charset="0"/>
-              </a:rPr>
-              <a:t>V</a:t>
-            </a:r>
-            <a:r>
-              <a:rPr lang="en-US" sz="2400" dirty="0" smtClean="0">
-                <a:solidFill>
-                  <a:schemeClr val="bg1"/>
-                </a:solidFill>
-                <a:latin typeface="Consolas" panose="020B0609020204030204" pitchFamily="49" charset="0"/>
-              </a:rPr>
-              <a:t>, </a:t>
-            </a:r>
-            <a:r>
-              <a:rPr lang="en-US" sz="2400" b="1" dirty="0" smtClean="0">
-                <a:solidFill>
-                  <a:srgbClr val="FF0000"/>
-                </a:solidFill>
-                <a:latin typeface="Consolas" panose="020B0609020204030204" pitchFamily="49" charset="0"/>
-              </a:rPr>
-              <a:t>R</a:t>
-            </a:r>
-            <a:r>
-              <a:rPr lang="en-US" sz="2400" dirty="0" smtClean="0">
-                <a:solidFill>
-                  <a:schemeClr val="bg1"/>
-                </a:solidFill>
-                <a:latin typeface="Consolas" panose="020B0609020204030204" pitchFamily="49" charset="0"/>
-              </a:rPr>
-              <a:t>, </a:t>
-            </a:r>
-            <a:r>
-              <a:rPr lang="en-US" sz="2400" b="1" dirty="0" smtClean="0">
-                <a:solidFill>
-                  <a:schemeClr val="accent3">
-                    <a:lumMod val="60000"/>
-                    <a:lumOff val="40000"/>
-                  </a:schemeClr>
-                </a:solidFill>
-                <a:latin typeface="Consolas" panose="020B0609020204030204" pitchFamily="49" charset="0"/>
-              </a:rPr>
-              <a:t>V</a:t>
-            </a:r>
-            <a:r>
-              <a:rPr lang="en-US" sz="2400" dirty="0" smtClean="0">
-                <a:solidFill>
-                  <a:schemeClr val="bg1"/>
-                </a:solidFill>
-                <a:latin typeface="Consolas" panose="020B0609020204030204" pitchFamily="49" charset="0"/>
-              </a:rPr>
-              <a:t>],</a:t>
-            </a:r>
-          </a:p>
-          <a:p>
-            <a:r>
-              <a:rPr lang="en-US" sz="2400" dirty="0" smtClean="0">
-                <a:solidFill>
-                  <a:schemeClr val="bg1"/>
-                </a:solidFill>
-                <a:latin typeface="Consolas" panose="020B0609020204030204" pitchFamily="49" charset="0"/>
-              </a:rPr>
-              <a:t>    [</a:t>
-            </a:r>
-            <a:r>
-              <a:rPr lang="en-US" sz="2400" b="1" dirty="0" smtClean="0">
-                <a:solidFill>
-                  <a:srgbClr val="FFFF00"/>
-                </a:solidFill>
-                <a:latin typeface="Consolas" panose="020B0609020204030204" pitchFamily="49" charset="0"/>
-              </a:rPr>
-              <a:t>Y</a:t>
-            </a:r>
-            <a:r>
-              <a:rPr lang="en-US" sz="2400" dirty="0" smtClean="0">
-                <a:solidFill>
-                  <a:schemeClr val="bg1"/>
-                </a:solidFill>
-                <a:latin typeface="Consolas" panose="020B0609020204030204" pitchFamily="49" charset="0"/>
-              </a:rPr>
-              <a:t>, </a:t>
-            </a:r>
-            <a:r>
-              <a:rPr lang="en-US" sz="2400" b="1" dirty="0" smtClean="0">
-                <a:solidFill>
-                  <a:schemeClr val="accent3">
-                    <a:lumMod val="60000"/>
-                    <a:lumOff val="40000"/>
-                  </a:schemeClr>
-                </a:solidFill>
-                <a:latin typeface="Consolas" panose="020B0609020204030204" pitchFamily="49" charset="0"/>
-              </a:rPr>
-              <a:t>V</a:t>
-            </a:r>
-            <a:r>
-              <a:rPr lang="en-US" sz="2400" dirty="0" smtClean="0">
-                <a:solidFill>
-                  <a:schemeClr val="bg1"/>
-                </a:solidFill>
-                <a:latin typeface="Consolas" panose="020B0609020204030204" pitchFamily="49" charset="0"/>
-              </a:rPr>
-              <a:t>, </a:t>
-            </a:r>
-            <a:r>
-              <a:rPr lang="en-US" sz="2400" b="1" dirty="0" smtClean="0">
-                <a:solidFill>
-                  <a:srgbClr val="FF0000"/>
-                </a:solidFill>
-                <a:latin typeface="Consolas" panose="020B0609020204030204" pitchFamily="49" charset="0"/>
-              </a:rPr>
-              <a:t>R</a:t>
-            </a:r>
-            <a:r>
-              <a:rPr lang="en-US" sz="2400" dirty="0" smtClean="0">
-                <a:solidFill>
-                  <a:schemeClr val="bg1"/>
-                </a:solidFill>
-                <a:latin typeface="Consolas" panose="020B0609020204030204" pitchFamily="49" charset="0"/>
-              </a:rPr>
-              <a:t>, </a:t>
-            </a:r>
-            <a:r>
-              <a:rPr lang="en-US" sz="2400" b="1" dirty="0" smtClean="0">
-                <a:solidFill>
-                  <a:schemeClr val="accent3">
-                    <a:lumMod val="60000"/>
-                    <a:lumOff val="40000"/>
-                  </a:schemeClr>
-                </a:solidFill>
-                <a:latin typeface="Consolas" panose="020B0609020204030204" pitchFamily="49" charset="0"/>
-              </a:rPr>
-              <a:t>V</a:t>
-            </a:r>
-            <a:r>
-              <a:rPr lang="en-US" sz="2400" dirty="0" smtClean="0">
-                <a:solidFill>
-                  <a:schemeClr val="bg1"/>
-                </a:solidFill>
-                <a:latin typeface="Consolas" panose="020B0609020204030204" pitchFamily="49" charset="0"/>
-              </a:rPr>
-              <a:t>],</a:t>
-            </a:r>
-          </a:p>
-          <a:p>
-            <a:r>
-              <a:rPr lang="en-US" sz="2400" dirty="0" smtClean="0">
-                <a:solidFill>
-                  <a:schemeClr val="bg1"/>
-                </a:solidFill>
-                <a:latin typeface="Consolas" panose="020B0609020204030204" pitchFamily="49" charset="0"/>
-              </a:rPr>
-              <a:t>    [</a:t>
-            </a:r>
-            <a:r>
-              <a:rPr lang="en-US" sz="2400" b="1" dirty="0" smtClean="0">
-                <a:solidFill>
-                  <a:srgbClr val="FFFF00"/>
-                </a:solidFill>
-                <a:latin typeface="Consolas" panose="020B0609020204030204" pitchFamily="49" charset="0"/>
-              </a:rPr>
-              <a:t>Y</a:t>
-            </a:r>
-            <a:r>
-              <a:rPr lang="en-US" sz="2400" dirty="0" smtClean="0">
-                <a:solidFill>
-                  <a:schemeClr val="bg1"/>
-                </a:solidFill>
-                <a:latin typeface="Consolas" panose="020B0609020204030204" pitchFamily="49" charset="0"/>
-              </a:rPr>
-              <a:t>, </a:t>
-            </a:r>
-            <a:r>
-              <a:rPr lang="en-US" sz="2400" b="1" dirty="0" smtClean="0">
-                <a:solidFill>
-                  <a:schemeClr val="accent5"/>
-                </a:solidFill>
-                <a:latin typeface="Consolas" panose="020B0609020204030204" pitchFamily="49" charset="0"/>
-              </a:rPr>
-              <a:t>G</a:t>
-            </a:r>
-            <a:r>
-              <a:rPr lang="en-US" sz="2400" dirty="0" smtClean="0">
-                <a:solidFill>
-                  <a:schemeClr val="bg1"/>
-                </a:solidFill>
-                <a:latin typeface="Consolas" panose="020B0609020204030204" pitchFamily="49" charset="0"/>
-              </a:rPr>
-              <a:t>, </a:t>
-            </a:r>
-            <a:r>
-              <a:rPr lang="en-US" sz="2400" b="1" dirty="0" smtClean="0">
-                <a:solidFill>
-                  <a:schemeClr val="accent5"/>
-                </a:solidFill>
-                <a:latin typeface="Consolas" panose="020B0609020204030204" pitchFamily="49" charset="0"/>
-              </a:rPr>
-              <a:t>G</a:t>
-            </a:r>
-            <a:r>
-              <a:rPr lang="en-US" sz="2400" dirty="0" smtClean="0">
-                <a:solidFill>
-                  <a:schemeClr val="bg1"/>
-                </a:solidFill>
-                <a:latin typeface="Consolas" panose="020B0609020204030204" pitchFamily="49" charset="0"/>
-              </a:rPr>
-              <a:t>]</a:t>
-            </a:r>
-            <a:endParaRPr lang="en-US" sz="2400" dirty="0">
-              <a:solidFill>
-                <a:schemeClr val="bg1"/>
-              </a:solidFill>
-              <a:latin typeface="Consolas" panose="020B0609020204030204" pitchFamily="49" charset="0"/>
-            </a:endParaRPr>
-          </a:p>
-          <a:p>
-            <a:r>
-              <a:rPr lang="en-US" sz="2400" dirty="0" smtClean="0">
-                <a:solidFill>
-                  <a:schemeClr val="bg1"/>
-                </a:solidFill>
-                <a:latin typeface="Consolas" panose="020B0609020204030204" pitchFamily="49" charset="0"/>
-              </a:rPr>
-              <a:t>]</a:t>
-            </a:r>
-          </a:p>
-        </p:txBody>
-      </p:sp>
-      <p:pic>
-        <p:nvPicPr>
-          <p:cNvPr id="6" name="Рисунок 5"/>
-          <p:cNvPicPr>
-            <a:picLocks noChangeAspect="1"/>
-          </p:cNvPicPr>
-          <p:nvPr/>
-        </p:nvPicPr>
-        <p:blipFill>
-          <a:blip r:embed="rId3"/>
-          <a:stretch>
-            <a:fillRect/>
-          </a:stretch>
-        </p:blipFill>
-        <p:spPr>
-          <a:xfrm>
-            <a:off x="623887" y="3386138"/>
-            <a:ext cx="3373655" cy="2466022"/>
-          </a:xfrm>
-          <a:prstGeom prst="rect">
-            <a:avLst/>
-          </a:prstGeom>
-        </p:spPr>
-      </p:pic>
-      <p:sp>
-        <p:nvSpPr>
-          <p:cNvPr id="7" name="TextBox 6"/>
-          <p:cNvSpPr txBox="1"/>
-          <p:nvPr/>
-        </p:nvSpPr>
-        <p:spPr>
-          <a:xfrm>
-            <a:off x="8506051" y="3261738"/>
-            <a:ext cx="2393604" cy="461665"/>
-          </a:xfrm>
-          <a:prstGeom prst="rect">
-            <a:avLst/>
-          </a:prstGeom>
-          <a:noFill/>
-        </p:spPr>
-        <p:txBody>
-          <a:bodyPr wrap="none" rtlCol="0">
-            <a:spAutoFit/>
-          </a:bodyPr>
-          <a:lstStyle/>
-          <a:p>
-            <a:r>
-              <a:rPr lang="en-US" sz="2400" dirty="0" smtClean="0">
-                <a:solidFill>
-                  <a:schemeClr val="bg1"/>
-                </a:solidFill>
-                <a:latin typeface="Consolas" panose="020B0609020204030204" pitchFamily="49" charset="0"/>
-              </a:rPr>
-              <a:t>move = (3, 0)</a:t>
-            </a:r>
-          </a:p>
-        </p:txBody>
-      </p:sp>
-      <p:sp>
-        <p:nvSpPr>
-          <p:cNvPr id="13" name="Двойные круглые скобки 12"/>
-          <p:cNvSpPr/>
-          <p:nvPr/>
-        </p:nvSpPr>
-        <p:spPr>
-          <a:xfrm>
-            <a:off x="556511" y="4128260"/>
-            <a:ext cx="632210" cy="1862489"/>
-          </a:xfrm>
-          <a:prstGeom prst="bracketPair">
-            <a:avLst/>
-          </a:prstGeom>
-          <a:ln w="57150">
-            <a:solidFill>
-              <a:srgbClr val="CC17D8"/>
-            </a:solidFill>
-          </a:ln>
-        </p:spPr>
-        <p:style>
-          <a:lnRef idx="1">
-            <a:schemeClr val="accent1"/>
-          </a:lnRef>
-          <a:fillRef idx="0">
-            <a:schemeClr val="accent1"/>
-          </a:fillRef>
-          <a:effectRef idx="0">
-            <a:schemeClr val="accent1"/>
-          </a:effectRef>
-          <a:fontRef idx="minor">
-            <a:schemeClr val="tx1"/>
-          </a:fontRef>
-        </p:style>
-        <p:txBody>
-          <a:bodyPr rtlCol="0" anchor="ctr"/>
-          <a:lstStyle/>
-          <a:p>
-            <a:pPr algn="ctr"/>
-            <a:endParaRPr lang="ru-RU">
-              <a:solidFill>
-                <a:schemeClr val="accent1"/>
-              </a:solidFill>
-            </a:endParaRPr>
-          </a:p>
-        </p:txBody>
-      </p:sp>
-      <p:sp>
-        <p:nvSpPr>
-          <p:cNvPr id="14" name="Двойные круглые скобки 13"/>
-          <p:cNvSpPr/>
-          <p:nvPr/>
-        </p:nvSpPr>
-        <p:spPr>
-          <a:xfrm>
-            <a:off x="5348286" y="3644231"/>
-            <a:ext cx="2452795" cy="460944"/>
-          </a:xfrm>
-          <a:prstGeom prst="bracketPair">
-            <a:avLst/>
-          </a:prstGeom>
-          <a:ln w="57150">
-            <a:solidFill>
-              <a:srgbClr val="CC17D8"/>
-            </a:solidFill>
-          </a:ln>
-        </p:spPr>
-        <p:style>
-          <a:lnRef idx="1">
-            <a:schemeClr val="accent1"/>
-          </a:lnRef>
-          <a:fillRef idx="0">
-            <a:schemeClr val="accent1"/>
-          </a:fillRef>
-          <a:effectRef idx="0">
-            <a:schemeClr val="accent1"/>
-          </a:effectRef>
-          <a:fontRef idx="minor">
-            <a:schemeClr val="tx1"/>
-          </a:fontRef>
-        </p:style>
-        <p:txBody>
-          <a:bodyPr rtlCol="0" anchor="ctr"/>
-          <a:lstStyle/>
-          <a:p>
-            <a:pPr algn="ctr"/>
-            <a:endParaRPr lang="ru-RU">
-              <a:solidFill>
-                <a:schemeClr val="accent1"/>
-              </a:solidFill>
-            </a:endParaRPr>
-          </a:p>
-        </p:txBody>
-      </p:sp>
-      <p:sp>
-        <p:nvSpPr>
-          <p:cNvPr id="15" name="Двойные круглые скобки 14"/>
-          <p:cNvSpPr/>
-          <p:nvPr/>
-        </p:nvSpPr>
-        <p:spPr>
-          <a:xfrm>
-            <a:off x="1668878" y="5312374"/>
-            <a:ext cx="632210" cy="600602"/>
-          </a:xfrm>
-          <a:prstGeom prst="bracketPair">
-            <a:avLst/>
-          </a:prstGeom>
-          <a:ln w="57150">
-            <a:solidFill>
-              <a:schemeClr val="accent2"/>
-            </a:solidFill>
-          </a:ln>
-        </p:spPr>
-        <p:style>
-          <a:lnRef idx="1">
-            <a:schemeClr val="accent1"/>
-          </a:lnRef>
-          <a:fillRef idx="0">
-            <a:schemeClr val="accent1"/>
-          </a:fillRef>
-          <a:effectRef idx="0">
-            <a:schemeClr val="accent1"/>
-          </a:effectRef>
-          <a:fontRef idx="minor">
-            <a:schemeClr val="tx1"/>
-          </a:fontRef>
-        </p:style>
-        <p:txBody>
-          <a:bodyPr rtlCol="0" anchor="ctr"/>
-          <a:lstStyle/>
-          <a:p>
-            <a:pPr algn="ctr"/>
-            <a:endParaRPr lang="ru-RU"/>
-          </a:p>
-        </p:txBody>
-      </p:sp>
-      <p:sp>
-        <p:nvSpPr>
-          <p:cNvPr id="16" name="Двойные круглые скобки 15"/>
-          <p:cNvSpPr/>
-          <p:nvPr/>
-        </p:nvSpPr>
-        <p:spPr>
-          <a:xfrm>
-            <a:off x="8422105" y="3218422"/>
-            <a:ext cx="2569946" cy="600602"/>
-          </a:xfrm>
-          <a:prstGeom prst="bracketPair">
-            <a:avLst/>
-          </a:prstGeom>
-          <a:ln w="57150">
-            <a:solidFill>
-              <a:schemeClr val="accent2"/>
-            </a:solidFill>
-          </a:ln>
-        </p:spPr>
-        <p:style>
-          <a:lnRef idx="1">
-            <a:schemeClr val="accent1"/>
-          </a:lnRef>
-          <a:fillRef idx="0">
-            <a:schemeClr val="accent1"/>
-          </a:fillRef>
-          <a:effectRef idx="0">
-            <a:schemeClr val="accent1"/>
-          </a:effectRef>
-          <a:fontRef idx="minor">
-            <a:schemeClr val="tx1"/>
-          </a:fontRef>
-        </p:style>
-        <p:txBody>
-          <a:bodyPr rtlCol="0" anchor="ctr"/>
-          <a:lstStyle/>
-          <a:p>
-            <a:pPr algn="ctr"/>
-            <a:endParaRPr lang="ru-RU"/>
-          </a:p>
-        </p:txBody>
-      </p:sp>
-    </p:spTree>
-    <p:extLst>
-      <p:ext uri="{BB962C8B-B14F-4D97-AF65-F5344CB8AC3E}">
-        <p14:creationId xmlns:p14="http://schemas.microsoft.com/office/powerpoint/2010/main" val="3350859468"/>
-      </p:ext>
-    </p:extLst>
-  </p:cSld>
-  <p:clrMapOvr>
-    <a:masterClrMapping/>
-  </p:clrMapOvr>
-  <p:timing>
-    <p:tnLst>
-      <p:par>
-        <p:cTn id="1" dur="indefinite" restart="never" nodeType="tmRoot">
-          <p:childTnLst>
-            <p:seq concurrent="1" nextAc="seek">
-              <p:cTn id="2" dur="indefinite" nodeType="mainSeq">
-                <p:childTnLst>
-                  <p:par>
-                    <p:cTn id="3" fill="hold">
-                      <p:stCondLst>
-                        <p:cond delay="indefinite"/>
-                      </p:stCondLst>
-                      <p:childTnLst>
-                        <p:par>
-                          <p:cTn id="4" fill="hold">
-                            <p:stCondLst>
-                              <p:cond delay="0"/>
-                            </p:stCondLst>
-                            <p:childTnLst>
-                              <p:par>
-                                <p:cTn id="5" presetID="1" presetClass="entr" presetSubtype="0" fill="hold" grpId="0" nodeType="clickEffect">
-                                  <p:stCondLst>
-                                    <p:cond delay="0"/>
-                                  </p:stCondLst>
-                                  <p:childTnLst>
-                                    <p:set>
-                                      <p:cBhvr>
-                                        <p:cTn id="6" dur="1" fill="hold">
-                                          <p:stCondLst>
-                                            <p:cond delay="0"/>
-                                          </p:stCondLst>
-                                        </p:cTn>
-                                        <p:tgtEl>
-                                          <p:spTgt spid="3"/>
-                                        </p:tgtEl>
-                                        <p:attrNameLst>
-                                          <p:attrName>style.visibility</p:attrName>
-                                        </p:attrNameLst>
-                                      </p:cBhvr>
-                                      <p:to>
-                                        <p:strVal val="visible"/>
-                                      </p:to>
-                                    </p:set>
-                                  </p:childTnLst>
-                                </p:cTn>
-                              </p:par>
-                            </p:childTnLst>
-                          </p:cTn>
-                        </p:par>
-                      </p:childTnLst>
-                    </p:cTn>
-                  </p:par>
-                  <p:par>
-                    <p:cTn id="7" fill="hold">
-                      <p:stCondLst>
-                        <p:cond delay="indefinite"/>
-                      </p:stCondLst>
-                      <p:childTnLst>
-                        <p:par>
-                          <p:cTn id="8" fill="hold">
-                            <p:stCondLst>
-                              <p:cond delay="0"/>
-                            </p:stCondLst>
-                            <p:childTnLst>
-                              <p:par>
-                                <p:cTn id="9" presetID="1" presetClass="entr" presetSubtype="0" fill="hold" nodeType="clickEffect">
-                                  <p:stCondLst>
-                                    <p:cond delay="0"/>
-                                  </p:stCondLst>
-                                  <p:childTnLst>
-                                    <p:set>
-                                      <p:cBhvr>
-                                        <p:cTn id="10" dur="1" fill="hold">
-                                          <p:stCondLst>
-                                            <p:cond delay="0"/>
-                                          </p:stCondLst>
-                                        </p:cTn>
-                                        <p:tgtEl>
                                           <p:spTgt spid="6"/>
-                                        </p:tgtEl>
-                                        <p:attrNameLst>
-                                          <p:attrName>style.visibility</p:attrName>
-                                        </p:attrNameLst>
-                                      </p:cBhvr>
-                                      <p:to>
-                                        <p:strVal val="visible"/>
-                                      </p:to>
-                                    </p:set>
-                                  </p:childTnLst>
-                                </p:cTn>
-                              </p:par>
-                              <p:par>
-                                <p:cTn id="11" presetID="1" presetClass="entr" presetSubtype="0" fill="hold" grpId="0" nodeType="withEffect">
-                                  <p:stCondLst>
-                                    <p:cond delay="0"/>
-                                  </p:stCondLst>
-                                  <p:childTnLst>
-                                    <p:set>
-                                      <p:cBhvr>
-                                        <p:cTn id="12" dur="1" fill="hold">
-                                          <p:stCondLst>
-                                            <p:cond delay="0"/>
-                                          </p:stCondLst>
-                                        </p:cTn>
-                                        <p:tgtEl>
-                                          <p:spTgt spid="5"/>
-                                        </p:tgtEl>
-                                        <p:attrNameLst>
-                                          <p:attrName>style.visibility</p:attrName>
-                                        </p:attrNameLst>
-                                      </p:cBhvr>
-                                      <p:to>
-                                        <p:strVal val="visible"/>
-                                      </p:to>
-                                    </p:set>
-                                  </p:childTnLst>
-                                </p:cTn>
-                              </p:par>
-                            </p:childTnLst>
-                          </p:cTn>
-                        </p:par>
-                      </p:childTnLst>
-                    </p:cTn>
-                  </p:par>
-                  <p:par>
-                    <p:cTn id="13" fill="hold">
-                      <p:stCondLst>
-                        <p:cond delay="indefinite"/>
-                      </p:stCondLst>
-                      <p:childTnLst>
-                        <p:par>
-                          <p:cTn id="14" fill="hold">
-                            <p:stCondLst>
-                              <p:cond delay="0"/>
-                            </p:stCondLst>
-                            <p:childTnLst>
-                              <p:par>
-                                <p:cTn id="15" presetID="1" presetClass="entr" presetSubtype="0" fill="hold" grpId="0" nodeType="clickEffect">
-                                  <p:stCondLst>
-                                    <p:cond delay="0"/>
-                                  </p:stCondLst>
-                                  <p:childTnLst>
-                                    <p:set>
-                                      <p:cBhvr>
-                                        <p:cTn id="16" dur="1" fill="hold">
-                                          <p:stCondLst>
-                                            <p:cond delay="0"/>
-                                          </p:stCondLst>
-                                        </p:cTn>
-                                        <p:tgtEl>
-                                          <p:spTgt spid="13"/>
                                         </p:tgtEl>
                                         <p:attrNameLst>
                                           <p:attrName>style.visibility</p:attrName>
@@ -16856,7 +18774,7 @@
                                           </p:stCondLst>
                                         </p:cTn>
                                         <p:tgtEl>
-                                          <p:spTgt spid="14"/>
+                                          <p:spTgt spid="5"/>
                                         </p:tgtEl>
                                         <p:attrNameLst>
                                           <p:attrName>style.visibility</p:attrName>
@@ -16901,7 +18819,7 @@
                                           </p:stCondLst>
                                         </p:cTn>
                                         <p:tgtEl>
-                                          <p:spTgt spid="15"/>
+                                          <p:spTgt spid="13"/>
                                         </p:tgtEl>
                                         <p:attrNameLst>
                                           <p:attrName>style.visibility</p:attrName>
@@ -16928,6 +18846,78 @@
                                           </p:stCondLst>
                                         </p:cTn>
                                         <p:tgtEl>
+                                          <p:spTgt spid="14"/>
+                                        </p:tgtEl>
+                                        <p:attrNameLst>
+                                          <p:attrName>style.visibility</p:attrName>
+                                        </p:attrNameLst>
+                                      </p:cBhvr>
+                                      <p:to>
+                                        <p:strVal val="visible"/>
+                                      </p:to>
+                                    </p:set>
+                                  </p:childTnLst>
+                                </p:cTn>
+                              </p:par>
+                            </p:childTnLst>
+                          </p:cTn>
+                        </p:par>
+                      </p:childTnLst>
+                    </p:cTn>
+                  </p:par>
+                  <p:par>
+                    <p:cTn id="25" fill="hold">
+                      <p:stCondLst>
+                        <p:cond delay="indefinite"/>
+                      </p:stCondLst>
+                      <p:childTnLst>
+                        <p:par>
+                          <p:cTn id="26" fill="hold">
+                            <p:stCondLst>
+                              <p:cond delay="0"/>
+                            </p:stCondLst>
+                            <p:childTnLst>
+                              <p:par>
+                                <p:cTn id="27" presetID="1" presetClass="entr" presetSubtype="0" fill="hold" grpId="0" nodeType="clickEffect">
+                                  <p:stCondLst>
+                                    <p:cond delay="0"/>
+                                  </p:stCondLst>
+                                  <p:childTnLst>
+                                    <p:set>
+                                      <p:cBhvr>
+                                        <p:cTn id="28" dur="1" fill="hold">
+                                          <p:stCondLst>
+                                            <p:cond delay="0"/>
+                                          </p:stCondLst>
+                                        </p:cTn>
+                                        <p:tgtEl>
+                                          <p:spTgt spid="15"/>
+                                        </p:tgtEl>
+                                        <p:attrNameLst>
+                                          <p:attrName>style.visibility</p:attrName>
+                                        </p:attrNameLst>
+                                      </p:cBhvr>
+                                      <p:to>
+                                        <p:strVal val="visible"/>
+                                      </p:to>
+                                    </p:set>
+                                  </p:childTnLst>
+                                </p:cTn>
+                              </p:par>
+                              <p:par>
+                                <p:cTn id="29" presetID="1" presetClass="entr" presetSubtype="0" fill="hold" grpId="0" nodeType="withEffect">
+                                  <p:stCondLst>
+                                    <p:cond delay="0"/>
+                                  </p:stCondLst>
+                                  <p:childTnLst>
+                                    <p:set>
+                                      <p:cBhvr>
+                                        <p:cTn id="30" dur="1" fill="hold">
+                                          <p:stCondLst>
+                                            <p:cond delay="0"/>
+                                          </p:stCondLst>
+                                        </p:cTn>
+                                        <p:tgtEl>
                                           <p:spTgt spid="16"/>
                                         </p:tgtEl>
                                         <p:attrNameLst>
@@ -16942,14 +18932,14 @@
                                 </p:cTn>
                               </p:par>
                               <p:par>
-                                <p:cTn id="25" presetID="1" presetClass="entr" presetSubtype="0" fill="hold" grpId="0" nodeType="withEffect">
+                                <p:cTn id="31" presetID="1" presetClass="entr" presetSubtype="0" fill="hold" grpId="0" nodeType="withEffect">
                                   <p:stCondLst>
                                     <p:cond delay="0"/>
                                   </p:stCondLst>
                                   <p:childTnLst>
                                     <p:set>
                                       <p:cBhvr>
-                                        <p:cTn id="26" dur="1" fill="hold">
+                                        <p:cTn id="32" dur="1" fill="hold">
                                           <p:stCondLst>
                                             <p:cond delay="0"/>
                                           </p:stCondLst>
@@ -16996,7 +18986,6 @@
       </p:par>
     </p:tnLst>
     <p:bldLst>
-      <p:bldP spid="3" grpId="0"/>
       <p:bldP spid="5" grpId="0"/>
       <p:bldP spid="7" grpId="0"/>
       <p:bldP spid="13" grpId="0" animBg="1"/>
@@ -17162,275 +19151,9 @@
   <p:timing>
     <p:tnLst>
       <p:par>
-        <p:cTn id="1" dur="indefinite" restart="never" nodeType="tmRoot">
-          <p:childTnLst>
-            <p:seq concurrent="1" nextAc="seek">
-              <p:cTn id="2" dur="indefinite" nodeType="mainSeq">
-                <p:childTnLst>
-                  <p:par>
-                    <p:cTn id="3" fill="hold">
-                      <p:stCondLst>
-                        <p:cond delay="indefinite"/>
-                      </p:stCondLst>
-                      <p:childTnLst>
-                        <p:par>
-                          <p:cTn id="4" fill="hold">
-                            <p:stCondLst>
-                              <p:cond delay="0"/>
-                            </p:stCondLst>
-                            <p:childTnLst>
-                              <p:par>
-                                <p:cTn id="5" presetID="1" presetClass="entr" presetSubtype="0" fill="hold" grpId="0" nodeType="clickEffect">
-                                  <p:stCondLst>
-                                    <p:cond delay="0"/>
-                                  </p:stCondLst>
-                                  <p:childTnLst>
-                                    <p:set>
-                                      <p:cBhvr>
-                                        <p:cTn id="6" dur="1" fill="hold">
-                                          <p:stCondLst>
-                                            <p:cond delay="0"/>
-                                          </p:stCondLst>
-                                        </p:cTn>
-                                        <p:tgtEl>
-                                          <p:spTgt spid="3">
-                                            <p:txEl>
-                                              <p:pRg st="0" end="0"/>
-                                            </p:txEl>
-                                          </p:spTgt>
-                                        </p:tgtEl>
-                                        <p:attrNameLst>
-                                          <p:attrName>style.visibility</p:attrName>
-                                        </p:attrNameLst>
-                                      </p:cBhvr>
-                                      <p:to>
-                                        <p:strVal val="visible"/>
-                                      </p:to>
-                                    </p:set>
-                                  </p:childTnLst>
-                                </p:cTn>
-                              </p:par>
-                              <p:par>
-                                <p:cTn id="7" presetID="1" presetClass="entr" presetSubtype="0" fill="hold" grpId="0" nodeType="withEffect">
-                                  <p:stCondLst>
-                                    <p:cond delay="0"/>
-                                  </p:stCondLst>
-                                  <p:childTnLst>
-                                    <p:set>
-                                      <p:cBhvr>
-                                        <p:cTn id="8" dur="1" fill="hold">
-                                          <p:stCondLst>
-                                            <p:cond delay="0"/>
-                                          </p:stCondLst>
-                                        </p:cTn>
-                                        <p:tgtEl>
-                                          <p:spTgt spid="3">
-                                            <p:txEl>
-                                              <p:pRg st="1" end="1"/>
-                                            </p:txEl>
-                                          </p:spTgt>
-                                        </p:tgtEl>
-                                        <p:attrNameLst>
-                                          <p:attrName>style.visibility</p:attrName>
-                                        </p:attrNameLst>
-                                      </p:cBhvr>
-                                      <p:to>
-                                        <p:strVal val="visible"/>
-                                      </p:to>
-                                    </p:set>
-                                  </p:childTnLst>
-                                </p:cTn>
-                              </p:par>
-                              <p:par>
-                                <p:cTn id="9" presetID="1" presetClass="entr" presetSubtype="0" fill="hold" grpId="0" nodeType="withEffect">
-                                  <p:stCondLst>
-                                    <p:cond delay="0"/>
-                                  </p:stCondLst>
-                                  <p:childTnLst>
-                                    <p:set>
-                                      <p:cBhvr>
-                                        <p:cTn id="10" dur="1" fill="hold">
-                                          <p:stCondLst>
-                                            <p:cond delay="0"/>
-                                          </p:stCondLst>
-                                        </p:cTn>
-                                        <p:tgtEl>
-                                          <p:spTgt spid="3">
-                                            <p:txEl>
-                                              <p:pRg st="2" end="2"/>
-                                            </p:txEl>
-                                          </p:spTgt>
-                                        </p:tgtEl>
-                                        <p:attrNameLst>
-                                          <p:attrName>style.visibility</p:attrName>
-                                        </p:attrNameLst>
-                                      </p:cBhvr>
-                                      <p:to>
-                                        <p:strVal val="visible"/>
-                                      </p:to>
-                                    </p:set>
-                                  </p:childTnLst>
-                                </p:cTn>
-                              </p:par>
-                              <p:par>
-                                <p:cTn id="11" presetID="1" presetClass="entr" presetSubtype="0" fill="hold" grpId="0" nodeType="withEffect">
-                                  <p:stCondLst>
-                                    <p:cond delay="0"/>
-                                  </p:stCondLst>
-                                  <p:childTnLst>
-                                    <p:set>
-                                      <p:cBhvr>
-                                        <p:cTn id="12" dur="1" fill="hold">
-                                          <p:stCondLst>
-                                            <p:cond delay="0"/>
-                                          </p:stCondLst>
-                                        </p:cTn>
-                                        <p:tgtEl>
-                                          <p:spTgt spid="3">
-                                            <p:txEl>
-                                              <p:pRg st="3" end="3"/>
-                                            </p:txEl>
-                                          </p:spTgt>
-                                        </p:tgtEl>
-                                        <p:attrNameLst>
-                                          <p:attrName>style.visibility</p:attrName>
-                                        </p:attrNameLst>
-                                      </p:cBhvr>
-                                      <p:to>
-                                        <p:strVal val="visible"/>
-                                      </p:to>
-                                    </p:set>
-                                  </p:childTnLst>
-                                </p:cTn>
-                              </p:par>
-                            </p:childTnLst>
-                          </p:cTn>
-                        </p:par>
-                      </p:childTnLst>
-                    </p:cTn>
-                  </p:par>
-                  <p:par>
-                    <p:cTn id="13" fill="hold">
-                      <p:stCondLst>
-                        <p:cond delay="indefinite"/>
-                      </p:stCondLst>
-                      <p:childTnLst>
-                        <p:par>
-                          <p:cTn id="14" fill="hold">
-                            <p:stCondLst>
-                              <p:cond delay="0"/>
-                            </p:stCondLst>
-                            <p:childTnLst>
-                              <p:par>
-                                <p:cTn id="15" presetID="1" presetClass="entr" presetSubtype="0" fill="hold" grpId="0" nodeType="clickEffect">
-                                  <p:stCondLst>
-                                    <p:cond delay="0"/>
-                                  </p:stCondLst>
-                                  <p:childTnLst>
-                                    <p:set>
-                                      <p:cBhvr>
-                                        <p:cTn id="16" dur="1" fill="hold">
-                                          <p:stCondLst>
-                                            <p:cond delay="0"/>
-                                          </p:stCondLst>
-                                        </p:cTn>
-                                        <p:tgtEl>
-                                          <p:spTgt spid="3">
-                                            <p:txEl>
-                                              <p:pRg st="4" end="4"/>
-                                            </p:txEl>
-                                          </p:spTgt>
-                                        </p:tgtEl>
-                                        <p:attrNameLst>
-                                          <p:attrName>style.visibility</p:attrName>
-                                        </p:attrNameLst>
-                                      </p:cBhvr>
-                                      <p:to>
-                                        <p:strVal val="visible"/>
-                                      </p:to>
-                                    </p:set>
-                                  </p:childTnLst>
-                                </p:cTn>
-                              </p:par>
-                            </p:childTnLst>
-                          </p:cTn>
-                        </p:par>
-                      </p:childTnLst>
-                    </p:cTn>
-                  </p:par>
-                  <p:par>
-                    <p:cTn id="17" fill="hold">
-                      <p:stCondLst>
-                        <p:cond delay="indefinite"/>
-                      </p:stCondLst>
-                      <p:childTnLst>
-                        <p:par>
-                          <p:cTn id="18" fill="hold">
-                            <p:stCondLst>
-                              <p:cond delay="0"/>
-                            </p:stCondLst>
-                            <p:childTnLst>
-                              <p:par>
-                                <p:cTn id="19" presetID="1" presetClass="entr" presetSubtype="0" fill="hold" grpId="0" nodeType="clickEffect">
-                                  <p:stCondLst>
-                                    <p:cond delay="0"/>
-                                  </p:stCondLst>
-                                  <p:childTnLst>
-                                    <p:set>
-                                      <p:cBhvr>
-                                        <p:cTn id="20" dur="1" fill="hold">
-                                          <p:stCondLst>
-                                            <p:cond delay="0"/>
-                                          </p:stCondLst>
-                                        </p:cTn>
-                                        <p:tgtEl>
-                                          <p:spTgt spid="3">
-                                            <p:txEl>
-                                              <p:pRg st="5" end="5"/>
-                                            </p:txEl>
-                                          </p:spTgt>
-                                        </p:tgtEl>
-                                        <p:attrNameLst>
-                                          <p:attrName>style.visibility</p:attrName>
-                                        </p:attrNameLst>
-                                      </p:cBhvr>
-                                      <p:to>
-                                        <p:strVal val="visible"/>
-                                      </p:to>
-                                    </p:set>
-                                  </p:childTnLst>
-                                </p:cTn>
-                              </p:par>
-                            </p:childTnLst>
-                          </p:cTn>
-                        </p:par>
-                      </p:childTnLst>
-                    </p:cTn>
-                  </p:par>
-                </p:childTnLst>
-              </p:cTn>
-              <p:prevCondLst>
-                <p:cond evt="onPrev" delay="0">
-                  <p:tgtEl>
-                    <p:sldTgt/>
-                  </p:tgtEl>
-                </p:cond>
-              </p:prevCondLst>
-              <p:nextCondLst>
-                <p:cond evt="onNext" delay="0">
-                  <p:tgtEl>
-                    <p:sldTgt/>
-                  </p:tgtEl>
-                </p:cond>
-              </p:nextCondLst>
-            </p:seq>
-          </p:childTnLst>
-        </p:cTn>
+        <p:cTn id="1" dur="indefinite" restart="never" nodeType="tmRoot"/>
       </p:par>
     </p:tnLst>
-    <p:bldLst>
-      <p:bldP spid="3" grpId="0" build="p"/>
-    </p:bldLst>
   </p:timing>
 </p:sld>
 </file>
@@ -17469,7 +19192,23 @@
           <a:p>
             <a:r>
               <a:rPr lang="ru-RU" dirty="0" smtClean="0"/>
-              <a:t>Применение хода</a:t>
+              <a:t>Применение </a:t>
+            </a:r>
+            <a:r>
+              <a:rPr lang="ru-RU" dirty="0" smtClean="0"/>
+              <a:t>хода </a:t>
+            </a:r>
+            <a:r>
+              <a:rPr lang="en-US" dirty="0" smtClean="0"/>
+              <a:t>(</a:t>
+            </a:r>
+            <a:r>
+              <a:rPr lang="en-US" dirty="0" err="1" smtClean="0"/>
+              <a:t>apply_move</a:t>
+            </a:r>
+            <a:r>
+              <a:rPr lang="en-US" dirty="0" smtClean="0"/>
+              <a:t>)</a:t>
             </a:r>
             <a:endParaRPr lang="ru-RU" dirty="0"/>
           </a:p>
@@ -17781,15 +19520,33 @@
                                   </p:childTnLst>
                                 </p:cTn>
                               </p:par>
+                            </p:childTnLst>
+                          </p:cTn>
+                        </p:par>
+                      </p:childTnLst>
+                    </p:cTn>
+                  </p:par>
+                  <p:par>
+                    <p:cTn id="15" fill="hold">
+                      <p:stCondLst>
+                        <p:cond delay="indefinite"/>
+                      </p:stCondLst>
+                      <p:childTnLst>
+                        <p:par>
+                          <p:cTn id="16" fill="hold">
+                            <p:stCondLst>
+                              <p:cond delay="0"/>
+                            </p:stCondLst>
+                            <p:childTnLst>
                               <p:par>
-                                <p:cTn id="15" presetID="1" presetClass="entr" presetSubtype="0" fill="hold" nodeType="withEffect">
+                                <p:cTn id="17" presetID="1" presetClass="entr" presetSubtype="0" fill="hold" nodeType="clickEffect">
                                   <p:stCondLst>
                                     <p:cond delay="0"/>
                                   </p:stCondLst>
                                   <p:childTnLst>
                                     <p:set>
                                       <p:cBhvr>
-                                        <p:cTn id="16" dur="1" fill="hold">
+                                        <p:cTn id="18" dur="1" fill="hold">
                                           <p:stCondLst>
                                             <p:cond delay="0"/>
                                           </p:stCondLst>
@@ -17812,15 +19569,33 @@
                                   </p:childTnLst>
                                 </p:cTn>
                               </p:par>
+                            </p:childTnLst>
+                          </p:cTn>
+                        </p:par>
+                      </p:childTnLst>
+                    </p:cTn>
+                  </p:par>
+                  <p:par>
+                    <p:cTn id="19" fill="hold">
+                      <p:stCondLst>
+                        <p:cond delay="indefinite"/>
+                      </p:stCondLst>
+                      <p:childTnLst>
+                        <p:par>
+                          <p:cTn id="20" fill="hold">
+                            <p:stCondLst>
+                              <p:cond delay="0"/>
+                            </p:stCondLst>
+                            <p:childTnLst>
                               <p:par>
-                                <p:cTn id="17" presetID="1" presetClass="entr" presetSubtype="0" fill="hold" nodeType="withEffect">
+                                <p:cTn id="21" presetID="1" presetClass="entr" presetSubtype="0" fill="hold" nodeType="clickEffect">
                                   <p:stCondLst>
                                     <p:cond delay="0"/>
                                   </p:stCondLst>
                                   <p:childTnLst>
                                     <p:set>
                                       <p:cBhvr>
-                                        <p:cTn id="18" dur="1" fill="hold">
+                                        <p:cTn id="22" dur="1" fill="hold">
                                           <p:stCondLst>
                                             <p:cond delay="0"/>
                                           </p:stCondLst>
@@ -17904,31 +19679,203 @@
             <p:ph type="title"/>
           </p:nvPr>
         </p:nvSpPr>
+        <p:spPr/>
+        <p:txBody>
+          <a:bodyPr/>
+          <a:lstStyle/>
+          <a:p>
+            <a:r>
+              <a:rPr lang="ru-RU" dirty="0" smtClean="0"/>
+              <a:t>Что является ходом?</a:t>
+            </a:r>
+            <a:endParaRPr lang="ru-RU" dirty="0"/>
+          </a:p>
+        </p:txBody>
+      </p:sp>
+      <p:sp>
+        <p:nvSpPr>
+          <p:cNvPr id="3" name="Объект 2"/>
+          <p:cNvSpPr>
+            <a:spLocks noGrp="1"/>
+          </p:cNvSpPr>
+          <p:nvPr>
+            <p:ph idx="1"/>
+          </p:nvPr>
+        </p:nvSpPr>
         <p:spPr>
           <a:xfrm>
-            <a:off x="483210" y="2732348"/>
-            <a:ext cx="10980737" cy="1138236"/>
+            <a:off x="623887" y="1592263"/>
+            <a:ext cx="10980738" cy="4537075"/>
           </a:xfrm>
         </p:spPr>
         <p:txBody>
-          <a:bodyPr>
-            <a:normAutofit/>
+          <a:bodyPr/>
+          <a:lstStyle/>
+          <a:p>
+            <a:pPr marL="0" indent="0">
+              <a:buNone/>
+            </a:pPr>
+            <a:r>
+              <a:rPr lang="ru-RU" dirty="0" smtClean="0"/>
+              <a:t>Список координат всех ячеек одноцветной области</a:t>
+            </a:r>
+          </a:p>
+          <a:p>
+            <a:pPr marL="0" indent="0">
+              <a:buNone/>
+            </a:pPr>
+            <a:endParaRPr lang="ru-RU" dirty="0"/>
+          </a:p>
+        </p:txBody>
+      </p:sp>
+      <p:pic>
+        <p:nvPicPr>
+          <p:cNvPr id="5" name="Рисунок 4"/>
+          <p:cNvPicPr>
+            <a:picLocks noChangeAspect="1"/>
+          </p:cNvPicPr>
+          <p:nvPr/>
+        </p:nvPicPr>
+        <p:blipFill>
+          <a:blip r:embed="rId2"/>
+          <a:stretch>
+            <a:fillRect/>
+          </a:stretch>
+        </p:blipFill>
+        <p:spPr>
+          <a:xfrm>
+            <a:off x="671974" y="2698882"/>
+            <a:ext cx="3373655" cy="2466022"/>
+          </a:xfrm>
+          <a:prstGeom prst="rect">
+            <a:avLst/>
+          </a:prstGeom>
+        </p:spPr>
+      </p:pic>
+      <p:sp>
+        <p:nvSpPr>
+          <p:cNvPr id="10" name="Прямоугольник 9"/>
+          <p:cNvSpPr/>
+          <p:nvPr/>
+        </p:nvSpPr>
+        <p:spPr>
+          <a:xfrm>
+            <a:off x="4618594" y="2629531"/>
+            <a:ext cx="6986030" cy="1815882"/>
+          </a:xfrm>
+          <a:prstGeom prst="rect">
+            <a:avLst/>
+          </a:prstGeom>
+        </p:spPr>
+        <p:txBody>
+          <a:bodyPr wrap="square">
+            <a:spAutoFit/>
           </a:bodyPr>
           <a:lstStyle/>
           <a:p>
-            <a:pPr algn="ctr"/>
-            <a:r>
-              <a:rPr lang="ru-RU" sz="6600" dirty="0" smtClean="0"/>
-              <a:t>Смотрим код</a:t>
-            </a:r>
-            <a:endParaRPr lang="ru-RU" sz="6600" dirty="0"/>
+            <a:r>
+              <a:rPr lang="ru-RU" sz="2800" dirty="0" smtClean="0"/>
+              <a:t>Доступные </a:t>
+            </a:r>
+            <a:r>
+              <a:rPr lang="ru-RU" sz="2800" dirty="0"/>
+              <a:t>ходы:</a:t>
+            </a:r>
+            <a:endParaRPr lang="en-US" sz="2800" dirty="0"/>
+          </a:p>
+          <a:p>
+            <a:r>
+              <a:rPr lang="ru-RU" sz="2800" dirty="0"/>
+              <a:t>1. </a:t>
+            </a:r>
+            <a:r>
+              <a:rPr lang="en-US" sz="2800" b="1" dirty="0" smtClean="0">
+                <a:solidFill>
+                  <a:srgbClr val="92D050"/>
+                </a:solidFill>
+                <a:latin typeface="Consolas" panose="020B0609020204030204" pitchFamily="49" charset="0"/>
+              </a:rPr>
+              <a:t>[(</a:t>
+            </a:r>
+            <a:r>
+              <a:rPr lang="en-US" sz="2800" b="1" dirty="0">
+                <a:solidFill>
+                  <a:srgbClr val="92D050"/>
+                </a:solidFill>
+                <a:latin typeface="Consolas" panose="020B0609020204030204" pitchFamily="49" charset="0"/>
+              </a:rPr>
+              <a:t>0, 0), (0, 1), (1, 0), (1, 1)]</a:t>
+            </a:r>
+          </a:p>
+          <a:p>
+            <a:r>
+              <a:rPr lang="ru-RU" sz="2800" dirty="0"/>
+              <a:t>2. </a:t>
+            </a:r>
+            <a:r>
+              <a:rPr lang="en-US" sz="2800" b="1" dirty="0" smtClean="0">
+                <a:solidFill>
+                  <a:srgbClr val="FFFF00"/>
+                </a:solidFill>
+                <a:latin typeface="Consolas" panose="020B0609020204030204" pitchFamily="49" charset="0"/>
+              </a:rPr>
+              <a:t>[(</a:t>
+            </a:r>
+            <a:r>
+              <a:rPr lang="en-US" sz="2800" b="1" dirty="0">
+                <a:solidFill>
+                  <a:srgbClr val="FFFF00"/>
+                </a:solidFill>
+                <a:latin typeface="Consolas" panose="020B0609020204030204" pitchFamily="49" charset="0"/>
+              </a:rPr>
+              <a:t>3, 0), (4, 0</a:t>
+            </a:r>
+            <a:r>
+              <a:rPr lang="en-US" sz="2800" b="1" dirty="0" smtClean="0">
+                <a:solidFill>
+                  <a:srgbClr val="FFFF00"/>
+                </a:solidFill>
+                <a:latin typeface="Consolas" panose="020B0609020204030204" pitchFamily="49" charset="0"/>
+              </a:rPr>
+              <a:t>)]</a:t>
+            </a:r>
+            <a:endParaRPr lang="en-US" sz="2800" b="1" dirty="0">
+              <a:solidFill>
+                <a:srgbClr val="FFFF00"/>
+              </a:solidFill>
+              <a:latin typeface="Consolas" panose="020B0609020204030204" pitchFamily="49" charset="0"/>
+            </a:endParaRPr>
+          </a:p>
+          <a:p>
+            <a:r>
+              <a:rPr lang="ru-RU" sz="2800" dirty="0"/>
+              <a:t>3. </a:t>
+            </a:r>
+            <a:r>
+              <a:rPr lang="en-US" sz="2800" b="1" dirty="0" smtClean="0">
+                <a:solidFill>
+                  <a:srgbClr val="92D050"/>
+                </a:solidFill>
+                <a:latin typeface="Consolas" panose="020B0609020204030204" pitchFamily="49" charset="0"/>
+              </a:rPr>
+              <a:t>[(</a:t>
+            </a:r>
+            <a:r>
+              <a:rPr lang="en-US" sz="2800" b="1" dirty="0">
+                <a:solidFill>
+                  <a:srgbClr val="92D050"/>
+                </a:solidFill>
+                <a:latin typeface="Consolas" panose="020B0609020204030204" pitchFamily="49" charset="0"/>
+              </a:rPr>
+              <a:t>4, 1), (4, 2)]</a:t>
+            </a:r>
           </a:p>
         </p:txBody>
       </p:sp>
     </p:spTree>
     <p:extLst>
       <p:ext uri="{BB962C8B-B14F-4D97-AF65-F5344CB8AC3E}">
-        <p14:creationId xmlns:p14="http://schemas.microsoft.com/office/powerpoint/2010/main" val="531453556"/>
+        <p14:creationId xmlns:p14="http://schemas.microsoft.com/office/powerpoint/2010/main" val="4199058726"/>
       </p:ext>
     </p:extLst>
   </p:cSld>
@@ -17938,9 +19885,139 @@
   <p:timing>
     <p:tnLst>
       <p:par>
-        <p:cTn id="1" dur="indefinite" restart="never" nodeType="tmRoot"/>
+        <p:cTn id="1" dur="indefinite" restart="never" nodeType="tmRoot">
+          <p:childTnLst>
+            <p:seq concurrent="1" nextAc="seek">
+              <p:cTn id="2" dur="indefinite" nodeType="mainSeq">
+                <p:childTnLst>
+                  <p:par>
+                    <p:cTn id="3" fill="hold">
+                      <p:stCondLst>
+                        <p:cond delay="indefinite"/>
+                      </p:stCondLst>
+                      <p:childTnLst>
+                        <p:par>
+                          <p:cTn id="4" fill="hold">
+                            <p:stCondLst>
+                              <p:cond delay="0"/>
+                            </p:stCondLst>
+                            <p:childTnLst>
+                              <p:par>
+                                <p:cTn id="5" presetID="1" presetClass="entr" presetSubtype="0" fill="hold" grpId="0" nodeType="clickEffect">
+                                  <p:stCondLst>
+                                    <p:cond delay="0"/>
+                                  </p:stCondLst>
+                                  <p:childTnLst>
+                                    <p:set>
+                                      <p:cBhvr>
+                                        <p:cTn id="6" dur="1" fill="hold">
+                                          <p:stCondLst>
+                                            <p:cond delay="0"/>
+                                          </p:stCondLst>
+                                        </p:cTn>
+                                        <p:tgtEl>
+                                          <p:spTgt spid="3">
+                                            <p:txEl>
+                                              <p:pRg st="0" end="0"/>
+                                            </p:txEl>
+                                          </p:spTgt>
+                                        </p:tgtEl>
+                                        <p:attrNameLst>
+                                          <p:attrName>style.visibility</p:attrName>
+                                        </p:attrNameLst>
+                                      </p:cBhvr>
+                                      <p:to>
+                                        <p:strVal val="visible"/>
+                                      </p:to>
+                                    </p:set>
+                                  </p:childTnLst>
+                                </p:cTn>
+                              </p:par>
+                              <p:par>
+                                <p:cTn id="7" presetID="1" presetClass="entr" presetSubtype="0" fill="hold" nodeType="withEffect">
+                                  <p:stCondLst>
+                                    <p:cond delay="0"/>
+                                  </p:stCondLst>
+                                  <p:childTnLst>
+                                    <p:set>
+                                      <p:cBhvr>
+                                        <p:cTn id="8" dur="1" fill="hold">
+                                          <p:stCondLst>
+                                            <p:cond delay="0"/>
+                                          </p:stCondLst>
+                                        </p:cTn>
+                                        <p:tgtEl>
+                                          <p:spTgt spid="5"/>
+                                        </p:tgtEl>
+                                        <p:attrNameLst>
+                                          <p:attrName>style.visibility</p:attrName>
+                                        </p:attrNameLst>
+                                      </p:cBhvr>
+                                      <p:to>
+                                        <p:strVal val="visible"/>
+                                      </p:to>
+                                    </p:set>
+                                  </p:childTnLst>
+                                </p:cTn>
+                              </p:par>
+                              <p:par>
+                                <p:cTn id="9" presetID="1" presetClass="entr" presetSubtype="0" fill="hold" grpId="0" nodeType="withEffect">
+                                  <p:stCondLst>
+                                    <p:cond delay="0"/>
+                                  </p:stCondLst>
+                                  <p:childTnLst>
+                                    <p:set>
+                                      <p:cBhvr>
+                                        <p:cTn id="10" dur="1" fill="hold">
+                                          <p:stCondLst>
+                                            <p:cond delay="0"/>
+                                          </p:stCondLst>
+                                        </p:cTn>
+                                        <p:tgtEl>
+                                          <p:spTgt spid="10"/>
+                                        </p:tgtEl>
+                                        <p:attrNameLst>
+                                          <p:attrName>style.visibility</p:attrName>
+                                        </p:attrNameLst>
+                                      </p:cBhvr>
+                                      <p:to>
+                                        <p:strVal val="visible"/>
+                                      </p:to>
+                                    </p:set>
+                                  </p:childTnLst>
+                                </p:cTn>
+                              </p:par>
+                            </p:childTnLst>
+                          </p:cTn>
+                        </p:par>
+                      </p:childTnLst>
+                    </p:cTn>
+                  </p:par>
+                </p:childTnLst>
+              </p:cTn>
+              <p:prevCondLst>
+                <p:cond evt="onPrev" delay="0">
+                  <p:tgtEl>
+                    <p:sldTgt/>
+                  </p:tgtEl>
+                </p:cond>
+              </p:prevCondLst>
+              <p:nextCondLst>
+                <p:cond evt="onNext" delay="0">
+                  <p:tgtEl>
+                    <p:sldTgt/>
+                  </p:tgtEl>
+                </p:cond>
+              </p:nextCondLst>
+            </p:seq>
+          </p:childTnLst>
+        </p:cTn>
       </p:par>
     </p:tnLst>
+    <p:bldLst>
+      <p:bldP spid="3" grpId="0" build="p"/>
+      <p:bldP spid="10" grpId="0"/>
+    </p:bldLst>
   </p:timing>
 </p:sld>
 </file>
@@ -18641,18 +20718,18 @@
 </file>
 
 <file path=customXml/item2.xml><?xml version="1.0" encoding="utf-8"?>
-<p:properties xmlns:p="http://schemas.microsoft.com/office/2006/metadata/properties" xmlns:xsi="http://www.w3.org/2001/XMLSchema-instance" xmlns:pc="http://schemas.microsoft.com/office/infopath/2007/PartnerControls">
-  <documentManagement/>
-</p:properties>
-</file>
-
-<file path=customXml/item3.xml><?xml version="1.0" encoding="utf-8"?>
 <?mso-contentType ?>
 <FormTemplates xmlns="http://schemas.microsoft.com/sharepoint/v3/contenttype/forms">
   <Display>DocumentLibraryForm</Display>
   <Edit>DocumentLibraryForm</Edit>
   <New>DocumentLibraryForm</New>
 </FormTemplates>
+</file>
+
+<file path=customXml/item3.xml><?xml version="1.0" encoding="utf-8"?>
+<p:properties xmlns:p="http://schemas.microsoft.com/office/2006/metadata/properties" xmlns:xsi="http://www.w3.org/2001/XMLSchema-instance" xmlns:pc="http://schemas.microsoft.com/office/infopath/2007/PartnerControls">
+  <documentManagement/>
+</p:properties>
 </file>
 
 <file path=customXml/itemProps1.xml><?xml version="1.0" encoding="utf-8"?>
@@ -18674,25 +20751,25 @@
 </file>
 
 <file path=customXml/itemProps2.xml><?xml version="1.0" encoding="utf-8"?>
-<ds:datastoreItem xmlns:ds="http://schemas.openxmlformats.org/officeDocument/2006/customXml" ds:itemID="{C2AD1C3F-2D59-484F-A9CD-A1FE403906F6}">
+<ds:datastoreItem xmlns:ds="http://schemas.openxmlformats.org/officeDocument/2006/customXml" ds:itemID="{4EB755E9-87B2-4582-9EA2-5AB147E9C549}">
   <ds:schemaRefs>
-    <ds:schemaRef ds:uri="http://schemas.openxmlformats.org/package/2006/metadata/core-properties"/>
-    <ds:schemaRef ds:uri="http://purl.org/dc/terms/"/>
-    <ds:schemaRef ds:uri="http://purl.org/dc/dcmitype/"/>
-    <ds:schemaRef ds:uri="http://schemas.microsoft.com/office/2006/documentManagement/types"/>
-    <ds:schemaRef ds:uri="http://purl.org/dc/elements/1.1/"/>
-    <ds:schemaRef ds:uri="3344343f-a5f0-456c-af59-3f91e5f2cd12"/>
-    <ds:schemaRef ds:uri="http://www.w3.org/XML/1998/namespace"/>
-    <ds:schemaRef ds:uri="http://schemas.microsoft.com/office/infopath/2007/PartnerControls"/>
-    <ds:schemaRef ds:uri="http://schemas.microsoft.com/office/2006/metadata/properties"/>
+    <ds:schemaRef ds:uri="http://schemas.microsoft.com/sharepoint/v3/contenttype/forms"/>
   </ds:schemaRefs>
 </ds:datastoreItem>
 </file>
 
 <file path=customXml/itemProps3.xml><?xml version="1.0" encoding="utf-8"?>
-<ds:datastoreItem xmlns:ds="http://schemas.openxmlformats.org/officeDocument/2006/customXml" ds:itemID="{4EB755E9-87B2-4582-9EA2-5AB147E9C549}">
+<ds:datastoreItem xmlns:ds="http://schemas.openxmlformats.org/officeDocument/2006/customXml" ds:itemID="{C2AD1C3F-2D59-484F-A9CD-A1FE403906F6}">
   <ds:schemaRefs>
-    <ds:schemaRef ds:uri="http://schemas.microsoft.com/sharepoint/v3/contenttype/forms"/>
+    <ds:schemaRef ds:uri="http://purl.org/dc/dcmitype/"/>
+    <ds:schemaRef ds:uri="http://www.w3.org/XML/1998/namespace"/>
+    <ds:schemaRef ds:uri="http://schemas.microsoft.com/office/2006/documentManagement/types"/>
+    <ds:schemaRef ds:uri="http://purl.org/dc/elements/1.1/"/>
+    <ds:schemaRef ds:uri="http://purl.org/dc/terms/"/>
+    <ds:schemaRef ds:uri="http://schemas.microsoft.com/office/infopath/2007/PartnerControls"/>
+    <ds:schemaRef ds:uri="http://schemas.openxmlformats.org/package/2006/metadata/core-properties"/>
+    <ds:schemaRef ds:uri="3344343f-a5f0-456c-af59-3f91e5f2cd12"/>
+    <ds:schemaRef ds:uri="http://schemas.microsoft.com/office/2006/metadata/properties"/>
   </ds:schemaRefs>
 </ds:datastoreItem>
 </file>
--- a/slides/online_4dx1.5h/day2-greedy.pptx
+++ b/slides/online_4dx1.5h/day2-greedy.pptx
@@ -596,8 +596,136 @@
           <a:lstStyle/>
           <a:p>
             <a:r>
+              <a:rPr lang="en-US" dirty="0" smtClean="0"/>
+              <a:t>##</a:t>
+            </a:r>
+            <a:r>
+              <a:rPr lang="ru-RU" baseline="0" dirty="0" smtClean="0"/>
+              <a:t> Анонс дня</a:t>
+            </a:r>
+          </a:p>
+          <a:p>
+            <a:endParaRPr lang="ru-RU" baseline="0" dirty="0" smtClean="0"/>
+          </a:p>
+          <a:p>
+            <a:r>
               <a:rPr lang="ru-RU" dirty="0" smtClean="0"/>
-              <a:t>Вопрос: Как впечатления от тех, кто пытался сдавать предыдущие задачи?</a:t>
+              <a:t>На этот раз познакомимся с новой игрой под названием </a:t>
+            </a:r>
+            <a:r>
+              <a:rPr lang="ru-RU" dirty="0" err="1" smtClean="0"/>
+              <a:t>Same</a:t>
+            </a:r>
+            <a:r>
+              <a:rPr lang="ru-RU" dirty="0" smtClean="0"/>
+              <a:t> </a:t>
+            </a:r>
+            <a:r>
+              <a:rPr lang="ru-RU" dirty="0" err="1" smtClean="0"/>
+              <a:t>Game</a:t>
+            </a:r>
+            <a:r>
+              <a:rPr lang="ru-RU" dirty="0" smtClean="0"/>
+              <a:t>. В ней симуляцию вам придется запрограммировать самостоятельно. Поэтому мы подробно разберем все идеи и алгоритмы, которые для этого понадобятся. По пути познакомимся с новыми возможностями языка </a:t>
+            </a:r>
+            <a:r>
+              <a:rPr lang="ru-RU" dirty="0" err="1" smtClean="0"/>
+              <a:t>Python</a:t>
+            </a:r>
+            <a:r>
+              <a:rPr lang="ru-RU" dirty="0" smtClean="0"/>
+              <a:t>: юнит-тестами, позволяющими легко тестировать свой код, и </a:t>
+            </a:r>
+            <a:r>
+              <a:rPr lang="ru-RU" dirty="0" err="1" smtClean="0"/>
+              <a:t>type-hints</a:t>
+            </a:r>
+            <a:r>
+              <a:rPr lang="ru-RU" dirty="0" smtClean="0"/>
+              <a:t>, позволяющие сделать ваш код понятнее.</a:t>
+            </a:r>
+          </a:p>
+          <a:p>
+            <a:r>
+              <a:rPr lang="ru-RU" dirty="0" smtClean="0"/>
+              <a:t>И наконец, мы рассмотрим как имея готовую симуляцию можно реализовать жадный алгоритм для решения этой задачи. В конце вы опять получите заготовку кода для реализации разобранного на лекции алгоритма. Это будет вашим следующим домашним заданием.</a:t>
+            </a:r>
+            <a:br>
+              <a:rPr lang="ru-RU" dirty="0" smtClean="0"/>
+            </a:br>
+            <a:r>
+              <a:rPr lang="ru-RU" dirty="0" smtClean="0"/>
+              <a:t/>
+            </a:r>
+            <a:br>
+              <a:rPr lang="ru-RU" dirty="0" smtClean="0"/>
+            </a:br>
+            <a:r>
+              <a:rPr lang="ru-RU" dirty="0" smtClean="0"/>
+              <a:t>Ссылки: </a:t>
+            </a:r>
+            <a:br>
+              <a:rPr lang="ru-RU" dirty="0" smtClean="0"/>
+            </a:br>
+            <a:r>
+              <a:rPr lang="en-US" dirty="0" smtClean="0"/>
+              <a:t>Same Game </a:t>
+            </a:r>
+            <a:r>
+              <a:rPr lang="en-US" dirty="0" smtClean="0">
+                <a:hlinkClick r:id="rId3"/>
+              </a:rPr>
+              <a:t>https://www.codingame.com/multiplayer/optimization/samegame</a:t>
+            </a:r>
+            <a:r>
+              <a:rPr lang="en-US" dirty="0" smtClean="0"/>
+              <a:t> </a:t>
+            </a:r>
+            <a:br>
+              <a:rPr lang="en-US" dirty="0" smtClean="0"/>
+            </a:br>
+            <a:r>
+              <a:rPr lang="en-US" dirty="0" err="1" smtClean="0"/>
+              <a:t>PyCharm</a:t>
+            </a:r>
+            <a:r>
+              <a:rPr lang="en-US" dirty="0" smtClean="0"/>
+              <a:t> Edu </a:t>
+            </a:r>
+            <a:r>
+              <a:rPr lang="en-US" sz="1200" dirty="0" smtClean="0">
+                <a:hlinkClick r:id="rId4"/>
+              </a:rPr>
+              <a:t>https://www.jetbrains.com/edu-products/download/#section=pycharm-edu</a:t>
+            </a:r>
+            <a:r>
+              <a:rPr lang="ru-RU" sz="1200" dirty="0" smtClean="0"/>
+              <a:t> </a:t>
+            </a:r>
+            <a:r>
+              <a:rPr lang="en-US" dirty="0" smtClean="0"/>
+              <a:t/>
+            </a:r>
+            <a:br>
+              <a:rPr lang="en-US" dirty="0" smtClean="0"/>
+            </a:br>
+            <a:r>
+              <a:rPr lang="ru-RU" dirty="0" smtClean="0"/>
+              <a:t/>
+            </a:r>
+            <a:br>
+              <a:rPr lang="ru-RU" dirty="0" smtClean="0"/>
+            </a:br>
+            <a:endParaRPr lang="ru-RU" dirty="0" smtClean="0"/>
+          </a:p>
+          <a:p>
+            <a:r>
+              <a:rPr lang="ru-RU" dirty="0" smtClean="0"/>
+              <a:t>Вопрос</a:t>
+            </a:r>
+            <a:r>
+              <a:rPr lang="ru-RU" dirty="0" smtClean="0"/>
+              <a:t>: Как впечатления от тех, кто пытался сдавать предыдущие задачи?</a:t>
             </a:r>
           </a:p>
           <a:p>
@@ -1306,11 +1434,7 @@
             </a:r>
             <a:r>
               <a:rPr lang="ru-RU" baseline="0" dirty="0" smtClean="0"/>
-              <a:t> </a:t>
-            </a:r>
-            <a:r>
-              <a:rPr lang="ru-RU" baseline="0" dirty="0" smtClean="0"/>
-              <a:t>нам нужно будет делать с </a:t>
+              <a:t> нам нужно будет делать с </a:t>
             </a:r>
             <a:r>
               <a:rPr lang="ru-RU" baseline="0" dirty="0" err="1" smtClean="0"/>
@@ -1442,11 +1566,7 @@
             </a:r>
             <a:r>
               <a:rPr lang="ru-RU" baseline="0" dirty="0" smtClean="0"/>
-              <a:t> в той игре мы не сделали так же как и тут</a:t>
-            </a:r>
-            <a:r>
-              <a:rPr lang="ru-RU" baseline="0" dirty="0" smtClean="0"/>
-              <a:t>?</a:t>
+              <a:t> в той игре мы не сделали так же как и тут?</a:t>
             </a:r>
             <a:r>
               <a:rPr lang="en-US" baseline="0" dirty="0" smtClean="0"/>
@@ -3899,11 +4019,11 @@
   <p:clrMapOvr>
     <a:masterClrMapping/>
   </p:clrMapOvr>
-  <mc:AlternateContent xmlns:mc="http://schemas.openxmlformats.org/markup-compatibility/2006">
-    <mc:Choice xmlns:p14="http://schemas.microsoft.com/office/powerpoint/2010/main" Requires="p14">
+  <mc:AlternateContent xmlns:mc="http://schemas.openxmlformats.org/markup-compatibility/2006" xmlns:p14="http://schemas.microsoft.com/office/powerpoint/2010/main">
+    <mc:Choice Requires="p14">
       <p:transition spd="slow" p14:dur="2000"/>
     </mc:Choice>
-    <mc:Fallback>
+    <mc:Fallback xmlns="">
       <p:transition spd="slow"/>
     </mc:Fallback>
   </mc:AlternateContent>
@@ -5805,13 +5925,7 @@
               <a:rPr lang="en-US" dirty="0" smtClean="0">
                 <a:latin typeface="Consolas" panose="020B0609020204030204" pitchFamily="49" charset="0"/>
               </a:rPr>
-              <a:t>return move</a:t>
-            </a:r>
-            <a:r>
-              <a:rPr lang="en-US" dirty="0" smtClean="0">
-                <a:latin typeface="Consolas" panose="020B0609020204030204" pitchFamily="49" charset="0"/>
-              </a:rPr>
-              <a:t>	</a:t>
+              <a:t>return move	</a:t>
             </a:r>
             <a:endParaRPr lang="en-US" dirty="0">
               <a:latin typeface="Consolas" panose="020B0609020204030204" pitchFamily="49" charset="0"/>
@@ -6414,13 +6528,7 @@
               <a:rPr lang="en-US" dirty="0" smtClean="0">
                 <a:latin typeface="Consolas" panose="020B0609020204030204" pitchFamily="49" charset="0"/>
               </a:rPr>
-              <a:t>return move</a:t>
-            </a:r>
-            <a:r>
-              <a:rPr lang="en-US" dirty="0" smtClean="0">
-                <a:latin typeface="Consolas" panose="020B0609020204030204" pitchFamily="49" charset="0"/>
-              </a:rPr>
-              <a:t>	</a:t>
+              <a:t>return move	</a:t>
             </a:r>
           </a:p>
         </p:txBody>
@@ -10445,11 +10553,7 @@
             </a:r>
             <a:r>
               <a:rPr lang="ru-RU" dirty="0" smtClean="0"/>
-              <a:t> </a:t>
-            </a:r>
-            <a:r>
-              <a:rPr lang="ru-RU" dirty="0" smtClean="0"/>
-              <a:t>список возможных ходов</a:t>
+              <a:t> список возможных ходов</a:t>
             </a:r>
             <a:r>
               <a:rPr lang="en-US" dirty="0" smtClean="0"/>
@@ -10478,23 +10582,7 @@
             </a:pPr>
             <a:r>
               <a:rPr lang="ru-RU" dirty="0" smtClean="0"/>
-              <a:t>Каждый ход </a:t>
-            </a:r>
-            <a:r>
-              <a:rPr lang="ru-RU" dirty="0" smtClean="0"/>
-              <a:t>примените </a:t>
-            </a:r>
-            <a:r>
-              <a:rPr lang="ru-RU" dirty="0" smtClean="0"/>
-              <a:t>и </a:t>
-            </a:r>
-            <a:r>
-              <a:rPr lang="ru-RU" dirty="0" smtClean="0"/>
-              <a:t>оцените </a:t>
-            </a:r>
-            <a:r>
-              <a:rPr lang="ru-RU" dirty="0" smtClean="0"/>
-              <a:t>результат</a:t>
+              <a:t>Каждый ход примените и оцените результат</a:t>
             </a:r>
             <a:r>
               <a:rPr lang="en-US" dirty="0"/>
@@ -10529,19 +10617,7 @@
             </a:pPr>
             <a:r>
               <a:rPr lang="ru-RU" dirty="0" smtClean="0"/>
-              <a:t>Выберите </a:t>
-            </a:r>
-            <a:r>
-              <a:rPr lang="ru-RU" dirty="0" smtClean="0"/>
-              <a:t>из ходов, </a:t>
-            </a:r>
-            <a:r>
-              <a:rPr lang="ru-RU" dirty="0" smtClean="0"/>
-              <a:t>тот, что с </a:t>
-            </a:r>
-            <a:r>
-              <a:rPr lang="ru-RU" dirty="0" smtClean="0"/>
-              <a:t>максимальной оценкой</a:t>
+              <a:t>Выберите из ходов, тот, что с максимальной оценкой</a:t>
             </a:r>
             <a:endParaRPr lang="ru-RU" dirty="0"/>
           </a:p>
@@ -10698,7 +10774,6 @@
               <a:rPr lang="ru-RU" dirty="0" smtClean="0"/>
               <a:t>функцию оценки состояния</a:t>
             </a:r>
-            <a:endParaRPr lang="ru-RU" dirty="0" smtClean="0"/>
           </a:p>
           <a:p>
             <a:pPr>
@@ -10715,17 +10790,12 @@
             </a:r>
             <a:r>
               <a:rPr lang="ru-RU" dirty="0" smtClean="0"/>
-              <a:t>, </a:t>
-            </a:r>
-            <a:r>
-              <a:rPr lang="ru-RU" dirty="0" smtClean="0"/>
-              <a:t>отправьте решение на </a:t>
+              <a:t>, отправьте решение на </a:t>
             </a:r>
             <a:r>
               <a:rPr lang="en-US" dirty="0" smtClean="0"/>
               <a:t>CodinGame.com</a:t>
             </a:r>
-            <a:endParaRPr lang="en-US" dirty="0" smtClean="0"/>
           </a:p>
           <a:p>
             <a:pPr marL="0" indent="0">
@@ -17905,7 +17975,6 @@
               <a:rPr lang="ru-RU" dirty="0" smtClean="0"/>
               <a:t>?</a:t>
             </a:r>
-            <a:endParaRPr lang="ru-RU" dirty="0" smtClean="0"/>
           </a:p>
         </p:txBody>
       </p:sp>
@@ -19192,11 +19261,7 @@
           <a:p>
             <a:r>
               <a:rPr lang="ru-RU" dirty="0" smtClean="0"/>
-              <a:t>Применение </a:t>
-            </a:r>
-            <a:r>
-              <a:rPr lang="ru-RU" dirty="0" smtClean="0"/>
-              <a:t>хода </a:t>
+              <a:t>Применение хода </a:t>
             </a:r>
             <a:r>
               <a:rPr lang="en-US" dirty="0" smtClean="0"/>
@@ -20574,6 +20639,15 @@
 </file>
 
 <file path=customXml/item1.xml><?xml version="1.0" encoding="utf-8"?>
+<?mso-contentType ?>
+<FormTemplates xmlns="http://schemas.microsoft.com/sharepoint/v3/contenttype/forms">
+  <Display>DocumentLibraryForm</Display>
+  <Edit>DocumentLibraryForm</Edit>
+  <New>DocumentLibraryForm</New>
+</FormTemplates>
+</file>
+
+<file path=customXml/item2.xml><?xml version="1.0" encoding="utf-8"?>
 <ct:contentTypeSchema xmlns:ct="http://schemas.microsoft.com/office/2006/metadata/contentType" xmlns:ma="http://schemas.microsoft.com/office/2006/metadata/properties/metaAttributes" ct:_="" ma:_="" ma:contentTypeName="Документ" ma:contentTypeID="0x010100D15C31BFB067CE438418208BFBD95ACF" ma:contentTypeVersion="4" ma:contentTypeDescription="Создание документа." ma:contentTypeScope="" ma:versionID="e5ae66e525818dd68787b862137e2b0d">
   <xsd:schema xmlns:xsd="http://www.w3.org/2001/XMLSchema" xmlns:xs="http://www.w3.org/2001/XMLSchema" xmlns:p="http://schemas.microsoft.com/office/2006/metadata/properties" xmlns:ns2="3344343f-a5f0-456c-af59-3f91e5f2cd12" targetNamespace="http://schemas.microsoft.com/office/2006/metadata/properties" ma:root="true" ma:fieldsID="301cf6c2f636c79f02f11baba80e7105" ns2:_="">
     <xsd:import namespace="3344343f-a5f0-456c-af59-3f91e5f2cd12"/>
@@ -20717,15 +20791,6 @@
 </ct:contentTypeSchema>
 </file>
 
-<file path=customXml/item2.xml><?xml version="1.0" encoding="utf-8"?>
-<?mso-contentType ?>
-<FormTemplates xmlns="http://schemas.microsoft.com/sharepoint/v3/contenttype/forms">
-  <Display>DocumentLibraryForm</Display>
-  <Edit>DocumentLibraryForm</Edit>
-  <New>DocumentLibraryForm</New>
-</FormTemplates>
-</file>
-
 <file path=customXml/item3.xml><?xml version="1.0" encoding="utf-8"?>
 <p:properties xmlns:p="http://schemas.microsoft.com/office/2006/metadata/properties" xmlns:xsi="http://www.w3.org/2001/XMLSchema-instance" xmlns:pc="http://schemas.microsoft.com/office/infopath/2007/PartnerControls">
   <documentManagement/>
@@ -20733,6 +20798,14 @@
 </file>
 
 <file path=customXml/itemProps1.xml><?xml version="1.0" encoding="utf-8"?>
+<ds:datastoreItem xmlns:ds="http://schemas.openxmlformats.org/officeDocument/2006/customXml" ds:itemID="{4EB755E9-87B2-4582-9EA2-5AB147E9C549}">
+  <ds:schemaRefs>
+    <ds:schemaRef ds:uri="http://schemas.microsoft.com/sharepoint/v3/contenttype/forms"/>
+  </ds:schemaRefs>
+</ds:datastoreItem>
+</file>
+
+<file path=customXml/itemProps2.xml><?xml version="1.0" encoding="utf-8"?>
 <ds:datastoreItem xmlns:ds="http://schemas.openxmlformats.org/officeDocument/2006/customXml" ds:itemID="{2F0368C2-9EA3-4CF4-BF35-28C0E3B3E713}">
   <ds:schemaRefs>
     <ds:schemaRef ds:uri="http://schemas.microsoft.com/office/2006/metadata/contentType"/>
@@ -20746,14 +20819,6 @@
     <ds:schemaRef ds:uri="http://purl.org/dc/elements/1.1/"/>
     <ds:schemaRef ds:uri="http://purl.org/dc/terms/"/>
     <ds:schemaRef ds:uri="http://schemas.microsoft.com/internal/obd"/>
-  </ds:schemaRefs>
-</ds:datastoreItem>
-</file>
-
-<file path=customXml/itemProps2.xml><?xml version="1.0" encoding="utf-8"?>
-<ds:datastoreItem xmlns:ds="http://schemas.openxmlformats.org/officeDocument/2006/customXml" ds:itemID="{4EB755E9-87B2-4582-9EA2-5AB147E9C549}">
-  <ds:schemaRefs>
-    <ds:schemaRef ds:uri="http://schemas.microsoft.com/sharepoint/v3/contenttype/forms"/>
   </ds:schemaRefs>
 </ds:datastoreItem>
 </file>

--- a/slides/online_4dx1.5h/day2-greedy.pptx
+++ b/slides/online_4dx1.5h/day2-greedy.pptx
@@ -721,11 +721,7 @@
           <a:p>
             <a:r>
               <a:rPr lang="ru-RU" dirty="0" smtClean="0"/>
-              <a:t>Вопрос</a:t>
-            </a:r>
-            <a:r>
-              <a:rPr lang="ru-RU" dirty="0" smtClean="0"/>
-              <a:t>: Как впечатления от тех, кто пытался сдавать предыдущие задачи?</a:t>
+              <a:t>Вопрос: Как впечатления от тех, кто пытался сдавать предыдущие задачи?</a:t>
             </a:r>
           </a:p>
           <a:p>
@@ -7373,275 +7369,9 @@
   <p:timing>
     <p:tnLst>
       <p:par>
-        <p:cTn id="1" dur="indefinite" restart="never" nodeType="tmRoot">
-          <p:childTnLst>
-            <p:seq concurrent="1" nextAc="seek">
-              <p:cTn id="2" dur="indefinite" nodeType="mainSeq">
-                <p:childTnLst>
-                  <p:par>
-                    <p:cTn id="3" fill="hold">
-                      <p:stCondLst>
-                        <p:cond delay="indefinite"/>
-                      </p:stCondLst>
-                      <p:childTnLst>
-                        <p:par>
-                          <p:cTn id="4" fill="hold">
-                            <p:stCondLst>
-                              <p:cond delay="0"/>
-                            </p:stCondLst>
-                            <p:childTnLst>
-                              <p:par>
-                                <p:cTn id="5" presetID="1" presetClass="entr" presetSubtype="0" fill="hold" grpId="0" nodeType="clickEffect">
-                                  <p:stCondLst>
-                                    <p:cond delay="0"/>
-                                  </p:stCondLst>
-                                  <p:childTnLst>
-                                    <p:set>
-                                      <p:cBhvr>
-                                        <p:cTn id="6" dur="1" fill="hold">
-                                          <p:stCondLst>
-                                            <p:cond delay="0"/>
-                                          </p:stCondLst>
-                                        </p:cTn>
-                                        <p:tgtEl>
-                                          <p:spTgt spid="3">
-                                            <p:txEl>
-                                              <p:pRg st="0" end="0"/>
-                                            </p:txEl>
-                                          </p:spTgt>
-                                        </p:tgtEl>
-                                        <p:attrNameLst>
-                                          <p:attrName>style.visibility</p:attrName>
-                                        </p:attrNameLst>
-                                      </p:cBhvr>
-                                      <p:to>
-                                        <p:strVal val="visible"/>
-                                      </p:to>
-                                    </p:set>
-                                  </p:childTnLst>
-                                </p:cTn>
-                              </p:par>
-                              <p:par>
-                                <p:cTn id="7" presetID="1" presetClass="entr" presetSubtype="0" fill="hold" grpId="0" nodeType="withEffect">
-                                  <p:stCondLst>
-                                    <p:cond delay="0"/>
-                                  </p:stCondLst>
-                                  <p:childTnLst>
-                                    <p:set>
-                                      <p:cBhvr>
-                                        <p:cTn id="8" dur="1" fill="hold">
-                                          <p:stCondLst>
-                                            <p:cond delay="0"/>
-                                          </p:stCondLst>
-                                        </p:cTn>
-                                        <p:tgtEl>
-                                          <p:spTgt spid="3">
-                                            <p:txEl>
-                                              <p:pRg st="1" end="1"/>
-                                            </p:txEl>
-                                          </p:spTgt>
-                                        </p:tgtEl>
-                                        <p:attrNameLst>
-                                          <p:attrName>style.visibility</p:attrName>
-                                        </p:attrNameLst>
-                                      </p:cBhvr>
-                                      <p:to>
-                                        <p:strVal val="visible"/>
-                                      </p:to>
-                                    </p:set>
-                                  </p:childTnLst>
-                                </p:cTn>
-                              </p:par>
-                              <p:par>
-                                <p:cTn id="9" presetID="1" presetClass="entr" presetSubtype="0" fill="hold" grpId="0" nodeType="withEffect">
-                                  <p:stCondLst>
-                                    <p:cond delay="0"/>
-                                  </p:stCondLst>
-                                  <p:childTnLst>
-                                    <p:set>
-                                      <p:cBhvr>
-                                        <p:cTn id="10" dur="1" fill="hold">
-                                          <p:stCondLst>
-                                            <p:cond delay="0"/>
-                                          </p:stCondLst>
-                                        </p:cTn>
-                                        <p:tgtEl>
-                                          <p:spTgt spid="3">
-                                            <p:txEl>
-                                              <p:pRg st="2" end="2"/>
-                                            </p:txEl>
-                                          </p:spTgt>
-                                        </p:tgtEl>
-                                        <p:attrNameLst>
-                                          <p:attrName>style.visibility</p:attrName>
-                                        </p:attrNameLst>
-                                      </p:cBhvr>
-                                      <p:to>
-                                        <p:strVal val="visible"/>
-                                      </p:to>
-                                    </p:set>
-                                  </p:childTnLst>
-                                </p:cTn>
-                              </p:par>
-                              <p:par>
-                                <p:cTn id="11" presetID="1" presetClass="entr" presetSubtype="0" fill="hold" grpId="0" nodeType="withEffect">
-                                  <p:stCondLst>
-                                    <p:cond delay="0"/>
-                                  </p:stCondLst>
-                                  <p:childTnLst>
-                                    <p:set>
-                                      <p:cBhvr>
-                                        <p:cTn id="12" dur="1" fill="hold">
-                                          <p:stCondLst>
-                                            <p:cond delay="0"/>
-                                          </p:stCondLst>
-                                        </p:cTn>
-                                        <p:tgtEl>
-                                          <p:spTgt spid="3">
-                                            <p:txEl>
-                                              <p:pRg st="3" end="3"/>
-                                            </p:txEl>
-                                          </p:spTgt>
-                                        </p:tgtEl>
-                                        <p:attrNameLst>
-                                          <p:attrName>style.visibility</p:attrName>
-                                        </p:attrNameLst>
-                                      </p:cBhvr>
-                                      <p:to>
-                                        <p:strVal val="visible"/>
-                                      </p:to>
-                                    </p:set>
-                                  </p:childTnLst>
-                                </p:cTn>
-                              </p:par>
-                            </p:childTnLst>
-                          </p:cTn>
-                        </p:par>
-                      </p:childTnLst>
-                    </p:cTn>
-                  </p:par>
-                  <p:par>
-                    <p:cTn id="13" fill="hold">
-                      <p:stCondLst>
-                        <p:cond delay="indefinite"/>
-                      </p:stCondLst>
-                      <p:childTnLst>
-                        <p:par>
-                          <p:cTn id="14" fill="hold">
-                            <p:stCondLst>
-                              <p:cond delay="0"/>
-                            </p:stCondLst>
-                            <p:childTnLst>
-                              <p:par>
-                                <p:cTn id="15" presetID="1" presetClass="entr" presetSubtype="0" fill="hold" grpId="0" nodeType="clickEffect">
-                                  <p:stCondLst>
-                                    <p:cond delay="0"/>
-                                  </p:stCondLst>
-                                  <p:childTnLst>
-                                    <p:set>
-                                      <p:cBhvr>
-                                        <p:cTn id="16" dur="1" fill="hold">
-                                          <p:stCondLst>
-                                            <p:cond delay="0"/>
-                                          </p:stCondLst>
-                                        </p:cTn>
-                                        <p:tgtEl>
-                                          <p:spTgt spid="3">
-                                            <p:txEl>
-                                              <p:pRg st="4" end="4"/>
-                                            </p:txEl>
-                                          </p:spTgt>
-                                        </p:tgtEl>
-                                        <p:attrNameLst>
-                                          <p:attrName>style.visibility</p:attrName>
-                                        </p:attrNameLst>
-                                      </p:cBhvr>
-                                      <p:to>
-                                        <p:strVal val="visible"/>
-                                      </p:to>
-                                    </p:set>
-                                  </p:childTnLst>
-                                </p:cTn>
-                              </p:par>
-                            </p:childTnLst>
-                          </p:cTn>
-                        </p:par>
-                      </p:childTnLst>
-                    </p:cTn>
-                  </p:par>
-                  <p:par>
-                    <p:cTn id="17" fill="hold">
-                      <p:stCondLst>
-                        <p:cond delay="indefinite"/>
-                      </p:stCondLst>
-                      <p:childTnLst>
-                        <p:par>
-                          <p:cTn id="18" fill="hold">
-                            <p:stCondLst>
-                              <p:cond delay="0"/>
-                            </p:stCondLst>
-                            <p:childTnLst>
-                              <p:par>
-                                <p:cTn id="19" presetID="1" presetClass="entr" presetSubtype="0" fill="hold" grpId="0" nodeType="clickEffect">
-                                  <p:stCondLst>
-                                    <p:cond delay="0"/>
-                                  </p:stCondLst>
-                                  <p:childTnLst>
-                                    <p:set>
-                                      <p:cBhvr>
-                                        <p:cTn id="20" dur="1" fill="hold">
-                                          <p:stCondLst>
-                                            <p:cond delay="0"/>
-                                          </p:stCondLst>
-                                        </p:cTn>
-                                        <p:tgtEl>
-                                          <p:spTgt spid="3">
-                                            <p:txEl>
-                                              <p:pRg st="5" end="5"/>
-                                            </p:txEl>
-                                          </p:spTgt>
-                                        </p:tgtEl>
-                                        <p:attrNameLst>
-                                          <p:attrName>style.visibility</p:attrName>
-                                        </p:attrNameLst>
-                                      </p:cBhvr>
-                                      <p:to>
-                                        <p:strVal val="visible"/>
-                                      </p:to>
-                                    </p:set>
-                                  </p:childTnLst>
-                                </p:cTn>
-                              </p:par>
-                            </p:childTnLst>
-                          </p:cTn>
-                        </p:par>
-                      </p:childTnLst>
-                    </p:cTn>
-                  </p:par>
-                </p:childTnLst>
-              </p:cTn>
-              <p:prevCondLst>
-                <p:cond evt="onPrev" delay="0">
-                  <p:tgtEl>
-                    <p:sldTgt/>
-                  </p:tgtEl>
-                </p:cond>
-              </p:prevCondLst>
-              <p:nextCondLst>
-                <p:cond evt="onNext" delay="0">
-                  <p:tgtEl>
-                    <p:sldTgt/>
-                  </p:tgtEl>
-                </p:cond>
-              </p:nextCondLst>
-            </p:seq>
-          </p:childTnLst>
-        </p:cTn>
+        <p:cTn id="1" dur="indefinite" restart="never" nodeType="tmRoot"/>
       </p:par>
     </p:tnLst>
-    <p:bldLst>
-      <p:bldP spid="3" grpId="0" build="p"/>
-    </p:bldLst>
   </p:timing>
 </p:sld>
 </file>
@@ -14034,7 +13764,234 @@
   <p:timing>
     <p:tnLst>
       <p:par>
-        <p:cTn id="1" dur="indefinite" restart="never" nodeType="tmRoot"/>
+        <p:cTn id="1" dur="indefinite" restart="never" nodeType="tmRoot">
+          <p:childTnLst>
+            <p:seq concurrent="1" nextAc="seek">
+              <p:cTn id="2" dur="indefinite" nodeType="mainSeq">
+                <p:childTnLst>
+                  <p:par>
+                    <p:cTn id="3" fill="hold">
+                      <p:stCondLst>
+                        <p:cond delay="indefinite"/>
+                      </p:stCondLst>
+                      <p:childTnLst>
+                        <p:par>
+                          <p:cTn id="4" fill="hold">
+                            <p:stCondLst>
+                              <p:cond delay="0"/>
+                            </p:stCondLst>
+                            <p:childTnLst>
+                              <p:par>
+                                <p:cTn id="5" presetID="1" presetClass="entr" presetSubtype="0" fill="hold" nodeType="clickEffect">
+                                  <p:stCondLst>
+                                    <p:cond delay="0"/>
+                                  </p:stCondLst>
+                                  <p:childTnLst>
+                                    <p:set>
+                                      <p:cBhvr>
+                                        <p:cTn id="6" dur="1" fill="hold">
+                                          <p:stCondLst>
+                                            <p:cond delay="0"/>
+                                          </p:stCondLst>
+                                        </p:cTn>
+                                        <p:tgtEl>
+                                          <p:spTgt spid="3">
+                                            <p:txEl>
+                                              <p:pRg st="3" end="3"/>
+                                            </p:txEl>
+                                          </p:spTgt>
+                                        </p:tgtEl>
+                                        <p:attrNameLst>
+                                          <p:attrName>style.visibility</p:attrName>
+                                        </p:attrNameLst>
+                                      </p:cBhvr>
+                                      <p:to>
+                                        <p:strVal val="visible"/>
+                                      </p:to>
+                                    </p:set>
+                                  </p:childTnLst>
+                                </p:cTn>
+                              </p:par>
+                              <p:par>
+                                <p:cTn id="7" presetID="1" presetClass="entr" presetSubtype="0" fill="hold" nodeType="withEffect">
+                                  <p:stCondLst>
+                                    <p:cond delay="0"/>
+                                  </p:stCondLst>
+                                  <p:childTnLst>
+                                    <p:set>
+                                      <p:cBhvr>
+                                        <p:cTn id="8" dur="1" fill="hold">
+                                          <p:stCondLst>
+                                            <p:cond delay="0"/>
+                                          </p:stCondLst>
+                                        </p:cTn>
+                                        <p:tgtEl>
+                                          <p:spTgt spid="3">
+                                            <p:txEl>
+                                              <p:pRg st="4" end="4"/>
+                                            </p:txEl>
+                                          </p:spTgt>
+                                        </p:tgtEl>
+                                        <p:attrNameLst>
+                                          <p:attrName>style.visibility</p:attrName>
+                                        </p:attrNameLst>
+                                      </p:cBhvr>
+                                      <p:to>
+                                        <p:strVal val="visible"/>
+                                      </p:to>
+                                    </p:set>
+                                  </p:childTnLst>
+                                </p:cTn>
+                              </p:par>
+                              <p:par>
+                                <p:cTn id="9" presetID="1" presetClass="entr" presetSubtype="0" fill="hold" nodeType="withEffect">
+                                  <p:stCondLst>
+                                    <p:cond delay="0"/>
+                                  </p:stCondLst>
+                                  <p:childTnLst>
+                                    <p:set>
+                                      <p:cBhvr>
+                                        <p:cTn id="10" dur="1" fill="hold">
+                                          <p:stCondLst>
+                                            <p:cond delay="0"/>
+                                          </p:stCondLst>
+                                        </p:cTn>
+                                        <p:tgtEl>
+                                          <p:spTgt spid="3">
+                                            <p:txEl>
+                                              <p:pRg st="5" end="5"/>
+                                            </p:txEl>
+                                          </p:spTgt>
+                                        </p:tgtEl>
+                                        <p:attrNameLst>
+                                          <p:attrName>style.visibility</p:attrName>
+                                        </p:attrNameLst>
+                                      </p:cBhvr>
+                                      <p:to>
+                                        <p:strVal val="visible"/>
+                                      </p:to>
+                                    </p:set>
+                                  </p:childTnLst>
+                                </p:cTn>
+                              </p:par>
+                              <p:par>
+                                <p:cTn id="11" presetID="1" presetClass="entr" presetSubtype="0" fill="hold" nodeType="withEffect">
+                                  <p:stCondLst>
+                                    <p:cond delay="0"/>
+                                  </p:stCondLst>
+                                  <p:childTnLst>
+                                    <p:set>
+                                      <p:cBhvr>
+                                        <p:cTn id="12" dur="1" fill="hold">
+                                          <p:stCondLst>
+                                            <p:cond delay="0"/>
+                                          </p:stCondLst>
+                                        </p:cTn>
+                                        <p:tgtEl>
+                                          <p:spTgt spid="3">
+                                            <p:txEl>
+                                              <p:pRg st="6" end="6"/>
+                                            </p:txEl>
+                                          </p:spTgt>
+                                        </p:tgtEl>
+                                        <p:attrNameLst>
+                                          <p:attrName>style.visibility</p:attrName>
+                                        </p:attrNameLst>
+                                      </p:cBhvr>
+                                      <p:to>
+                                        <p:strVal val="visible"/>
+                                      </p:to>
+                                    </p:set>
+                                  </p:childTnLst>
+                                </p:cTn>
+                              </p:par>
+                              <p:par>
+                                <p:cTn id="13" presetID="1" presetClass="entr" presetSubtype="0" fill="hold" nodeType="withEffect">
+                                  <p:stCondLst>
+                                    <p:cond delay="0"/>
+                                  </p:stCondLst>
+                                  <p:childTnLst>
+                                    <p:set>
+                                      <p:cBhvr>
+                                        <p:cTn id="14" dur="1" fill="hold">
+                                          <p:stCondLst>
+                                            <p:cond delay="0"/>
+                                          </p:stCondLst>
+                                        </p:cTn>
+                                        <p:tgtEl>
+                                          <p:spTgt spid="3">
+                                            <p:txEl>
+                                              <p:pRg st="7" end="7"/>
+                                            </p:txEl>
+                                          </p:spTgt>
+                                        </p:tgtEl>
+                                        <p:attrNameLst>
+                                          <p:attrName>style.visibility</p:attrName>
+                                        </p:attrNameLst>
+                                      </p:cBhvr>
+                                      <p:to>
+                                        <p:strVal val="visible"/>
+                                      </p:to>
+                                    </p:set>
+                                  </p:childTnLst>
+                                </p:cTn>
+                              </p:par>
+                              <p:par>
+                                <p:cTn id="15" presetID="1" presetClass="entr" presetSubtype="0" fill="hold" nodeType="withEffect">
+                                  <p:stCondLst>
+                                    <p:cond delay="0"/>
+                                  </p:stCondLst>
+                                  <p:childTnLst>
+                                    <p:set>
+                                      <p:cBhvr>
+                                        <p:cTn id="16" dur="1" fill="hold">
+                                          <p:stCondLst>
+                                            <p:cond delay="0"/>
+                                          </p:stCondLst>
+                                        </p:cTn>
+                                        <p:tgtEl>
+                                          <p:spTgt spid="3">
+                                            <p:txEl>
+                                              <p:pRg st="8" end="8"/>
+                                            </p:txEl>
+                                          </p:spTgt>
+                                        </p:tgtEl>
+                                        <p:attrNameLst>
+                                          <p:attrName>style.visibility</p:attrName>
+                                        </p:attrNameLst>
+                                      </p:cBhvr>
+                                      <p:to>
+                                        <p:strVal val="visible"/>
+                                      </p:to>
+                                    </p:set>
+                                  </p:childTnLst>
+                                </p:cTn>
+                              </p:par>
+                            </p:childTnLst>
+                          </p:cTn>
+                        </p:par>
+                      </p:childTnLst>
+                    </p:cTn>
+                  </p:par>
+                </p:childTnLst>
+              </p:cTn>
+              <p:prevCondLst>
+                <p:cond evt="onPrev" delay="0">
+                  <p:tgtEl>
+                    <p:sldTgt/>
+                  </p:tgtEl>
+                </p:cond>
+              </p:prevCondLst>
+              <p:nextCondLst>
+                <p:cond evt="onNext" delay="0">
+                  <p:tgtEl>
+                    <p:sldTgt/>
+                  </p:tgtEl>
+                </p:cond>
+              </p:nextCondLst>
+            </p:seq>
+          </p:childTnLst>
+        </p:cTn>
       </p:par>
     </p:tnLst>
   </p:timing>
@@ -20639,15 +20596,6 @@
 </file>
 
 <file path=customXml/item1.xml><?xml version="1.0" encoding="utf-8"?>
-<?mso-contentType ?>
-<FormTemplates xmlns="http://schemas.microsoft.com/sharepoint/v3/contenttype/forms">
-  <Display>DocumentLibraryForm</Display>
-  <Edit>DocumentLibraryForm</Edit>
-  <New>DocumentLibraryForm</New>
-</FormTemplates>
-</file>
-
-<file path=customXml/item2.xml><?xml version="1.0" encoding="utf-8"?>
 <ct:contentTypeSchema xmlns:ct="http://schemas.microsoft.com/office/2006/metadata/contentType" xmlns:ma="http://schemas.microsoft.com/office/2006/metadata/properties/metaAttributes" ct:_="" ma:_="" ma:contentTypeName="Документ" ma:contentTypeID="0x010100D15C31BFB067CE438418208BFBD95ACF" ma:contentTypeVersion="4" ma:contentTypeDescription="Создание документа." ma:contentTypeScope="" ma:versionID="e5ae66e525818dd68787b862137e2b0d">
   <xsd:schema xmlns:xsd="http://www.w3.org/2001/XMLSchema" xmlns:xs="http://www.w3.org/2001/XMLSchema" xmlns:p="http://schemas.microsoft.com/office/2006/metadata/properties" xmlns:ns2="3344343f-a5f0-456c-af59-3f91e5f2cd12" targetNamespace="http://schemas.microsoft.com/office/2006/metadata/properties" ma:root="true" ma:fieldsID="301cf6c2f636c79f02f11baba80e7105" ns2:_="">
     <xsd:import namespace="3344343f-a5f0-456c-af59-3f91e5f2cd12"/>
@@ -20791,6 +20739,15 @@
 </ct:contentTypeSchema>
 </file>
 
+<file path=customXml/item2.xml><?xml version="1.0" encoding="utf-8"?>
+<?mso-contentType ?>
+<FormTemplates xmlns="http://schemas.microsoft.com/sharepoint/v3/contenttype/forms">
+  <Display>DocumentLibraryForm</Display>
+  <Edit>DocumentLibraryForm</Edit>
+  <New>DocumentLibraryForm</New>
+</FormTemplates>
+</file>
+
 <file path=customXml/item3.xml><?xml version="1.0" encoding="utf-8"?>
 <p:properties xmlns:p="http://schemas.microsoft.com/office/2006/metadata/properties" xmlns:xsi="http://www.w3.org/2001/XMLSchema-instance" xmlns:pc="http://schemas.microsoft.com/office/infopath/2007/PartnerControls">
   <documentManagement/>
@@ -20798,14 +20755,6 @@
 </file>
 
 <file path=customXml/itemProps1.xml><?xml version="1.0" encoding="utf-8"?>
-<ds:datastoreItem xmlns:ds="http://schemas.openxmlformats.org/officeDocument/2006/customXml" ds:itemID="{4EB755E9-87B2-4582-9EA2-5AB147E9C549}">
-  <ds:schemaRefs>
-    <ds:schemaRef ds:uri="http://schemas.microsoft.com/sharepoint/v3/contenttype/forms"/>
-  </ds:schemaRefs>
-</ds:datastoreItem>
-</file>
-
-<file path=customXml/itemProps2.xml><?xml version="1.0" encoding="utf-8"?>
 <ds:datastoreItem xmlns:ds="http://schemas.openxmlformats.org/officeDocument/2006/customXml" ds:itemID="{2F0368C2-9EA3-4CF4-BF35-28C0E3B3E713}">
   <ds:schemaRefs>
     <ds:schemaRef ds:uri="http://schemas.microsoft.com/office/2006/metadata/contentType"/>
@@ -20819,6 +20768,14 @@
     <ds:schemaRef ds:uri="http://purl.org/dc/elements/1.1/"/>
     <ds:schemaRef ds:uri="http://purl.org/dc/terms/"/>
     <ds:schemaRef ds:uri="http://schemas.microsoft.com/internal/obd"/>
+  </ds:schemaRefs>
+</ds:datastoreItem>
+</file>
+
+<file path=customXml/itemProps2.xml><?xml version="1.0" encoding="utf-8"?>
+<ds:datastoreItem xmlns:ds="http://schemas.openxmlformats.org/officeDocument/2006/customXml" ds:itemID="{4EB755E9-87B2-4582-9EA2-5AB147E9C549}">
+  <ds:schemaRefs>
+    <ds:schemaRef ds:uri="http://schemas.microsoft.com/sharepoint/v3/contenttype/forms"/>
   </ds:schemaRefs>
 </ds:datastoreItem>
 </file>
